--- a/Project Elaboration P3.pptx
+++ b/Project Elaboration P3.pptx
@@ -12,25 +12,28 @@
     <p:sldId id="272" r:id="rId6"/>
     <p:sldId id="285" r:id="rId7"/>
     <p:sldId id="286" r:id="rId8"/>
-    <p:sldId id="280" r:id="rId9"/>
-    <p:sldId id="282" r:id="rId10"/>
-    <p:sldId id="283" r:id="rId11"/>
-    <p:sldId id="284" r:id="rId12"/>
-    <p:sldId id="279" r:id="rId13"/>
-    <p:sldId id="277" r:id="rId14"/>
-    <p:sldId id="278" r:id="rId15"/>
-    <p:sldId id="273" r:id="rId16"/>
-    <p:sldId id="269" r:id="rId17"/>
-    <p:sldId id="270" r:id="rId18"/>
-    <p:sldId id="271" r:id="rId19"/>
-    <p:sldId id="266" r:id="rId20"/>
-    <p:sldId id="267" r:id="rId21"/>
-    <p:sldId id="268" r:id="rId22"/>
-    <p:sldId id="257" r:id="rId23"/>
-    <p:sldId id="263" r:id="rId24"/>
-    <p:sldId id="262" r:id="rId25"/>
-    <p:sldId id="275" r:id="rId26"/>
-    <p:sldId id="274" r:id="rId27"/>
+    <p:sldId id="287" r:id="rId9"/>
+    <p:sldId id="288" r:id="rId10"/>
+    <p:sldId id="289" r:id="rId11"/>
+    <p:sldId id="280" r:id="rId12"/>
+    <p:sldId id="282" r:id="rId13"/>
+    <p:sldId id="283" r:id="rId14"/>
+    <p:sldId id="284" r:id="rId15"/>
+    <p:sldId id="279" r:id="rId16"/>
+    <p:sldId id="277" r:id="rId17"/>
+    <p:sldId id="278" r:id="rId18"/>
+    <p:sldId id="273" r:id="rId19"/>
+    <p:sldId id="269" r:id="rId20"/>
+    <p:sldId id="270" r:id="rId21"/>
+    <p:sldId id="271" r:id="rId22"/>
+    <p:sldId id="266" r:id="rId23"/>
+    <p:sldId id="267" r:id="rId24"/>
+    <p:sldId id="268" r:id="rId25"/>
+    <p:sldId id="257" r:id="rId26"/>
+    <p:sldId id="263" r:id="rId27"/>
+    <p:sldId id="262" r:id="rId28"/>
+    <p:sldId id="275" r:id="rId29"/>
+    <p:sldId id="274" r:id="rId30"/>
   </p:sldIdLst>
   <p:sldSz cx="12192000" cy="6858000"/>
   <p:notesSz cx="6858000" cy="9144000"/>
@@ -284,7 +287,7 @@
           <a:p>
             <a:fld id="{9AB3A824-1A51-4B26-AD58-A6D8E14F6C04}" type="datetimeFigureOut">
               <a:rPr lang="en-US" smtClean="0"/>
-              <a:t>4/24/2018</a:t>
+              <a:t>4/25/2018</a:t>
             </a:fld>
             <a:endParaRPr lang="en-US" dirty="0"/>
           </a:p>
@@ -487,7 +490,7 @@
           <a:p>
             <a:fld id="{D857E33E-8B18-4087-B112-809917729534}" type="datetimeFigureOut">
               <a:rPr lang="en-US" smtClean="0"/>
-              <a:t>4/24/2018</a:t>
+              <a:t>4/25/2018</a:t>
             </a:fld>
             <a:endParaRPr lang="en-US" dirty="0"/>
           </a:p>
@@ -700,7 +703,7 @@
           <a:p>
             <a:fld id="{D3FFE419-2371-464F-8239-3959401C3561}" type="datetimeFigureOut">
               <a:rPr lang="en-US" smtClean="0"/>
-              <a:t>4/24/2018</a:t>
+              <a:t>4/25/2018</a:t>
             </a:fld>
             <a:endParaRPr lang="en-US" dirty="0"/>
           </a:p>
@@ -903,7 +906,7 @@
           <a:p>
             <a:fld id="{97D162C4-EDD9-4389-A98B-B87ECEA2A816}" type="datetimeFigureOut">
               <a:rPr lang="en-US" smtClean="0"/>
-              <a:t>4/24/2018</a:t>
+              <a:t>4/25/2018</a:t>
             </a:fld>
             <a:endParaRPr lang="en-US" dirty="0"/>
           </a:p>
@@ -1183,7 +1186,7 @@
           <a:p>
             <a:fld id="{3E5059C3-6A89-4494-99FF-5A4D6FFD50EB}" type="datetimeFigureOut">
               <a:rPr lang="en-US" smtClean="0"/>
-              <a:t>4/24/2018</a:t>
+              <a:t>4/25/2018</a:t>
             </a:fld>
             <a:endParaRPr lang="en-US" dirty="0"/>
           </a:p>
@@ -1453,7 +1456,7 @@
           <a:p>
             <a:fld id="{CA954B2F-12DE-47F5-8894-472B206D2E1E}" type="datetimeFigureOut">
               <a:rPr lang="en-US" smtClean="0"/>
-              <a:t>4/24/2018</a:t>
+              <a:t>4/25/2018</a:t>
             </a:fld>
             <a:endParaRPr lang="en-US" dirty="0"/>
           </a:p>
@@ -1870,7 +1873,7 @@
           <a:p>
             <a:fld id="{3F30E46F-7819-4ACF-B48B-48222C2ACC88}" type="datetimeFigureOut">
               <a:rPr lang="en-US" smtClean="0"/>
-              <a:t>4/24/2018</a:t>
+              <a:t>4/25/2018</a:t>
             </a:fld>
             <a:endParaRPr lang="en-US" dirty="0"/>
           </a:p>
@@ -2016,7 +2019,7 @@
           <a:p>
             <a:fld id="{1FAF3416-4057-4DAA-829D-4CA07428D088}" type="datetimeFigureOut">
               <a:rPr lang="en-US" smtClean="0"/>
-              <a:t>4/24/2018</a:t>
+              <a:t>4/25/2018</a:t>
             </a:fld>
             <a:endParaRPr lang="en-US" dirty="0"/>
           </a:p>
@@ -2134,7 +2137,7 @@
           <a:p>
             <a:fld id="{921D9284-D300-4297-87F7-E791DCC15DB1}" type="datetimeFigureOut">
               <a:rPr lang="en-US" smtClean="0"/>
-              <a:t>4/24/2018</a:t>
+              <a:t>4/25/2018</a:t>
             </a:fld>
             <a:endParaRPr lang="en-US" dirty="0"/>
           </a:p>
@@ -2450,7 +2453,7 @@
           <a:p>
             <a:fld id="{37D525BB-DA17-4BA0-B3C8-3AC3ABC827E6}" type="datetimeFigureOut">
               <a:rPr lang="en-US" smtClean="0"/>
-              <a:t>4/24/2018</a:t>
+              <a:t>4/25/2018</a:t>
             </a:fld>
             <a:endParaRPr lang="en-US" dirty="0"/>
           </a:p>
@@ -2743,7 +2746,7 @@
           <a:p>
             <a:fld id="{B16C4C9A-3960-41CF-A4E9-2A8FB932454B}" type="datetimeFigureOut">
               <a:rPr lang="en-US" smtClean="0"/>
-              <a:t>4/24/2018</a:t>
+              <a:t>4/25/2018</a:t>
             </a:fld>
             <a:endParaRPr lang="en-US" dirty="0"/>
           </a:p>
@@ -2989,7 +2992,7 @@
           <a:p>
             <a:fld id="{3CBC1C18-307B-4F68-A007-B5B542270E8D}" type="datetimeFigureOut">
               <a:rPr lang="en-US" smtClean="0"/>
-              <a:t>4/24/2018</a:t>
+              <a:t>4/25/2018</a:t>
             </a:fld>
             <a:endParaRPr lang="en-US" dirty="0"/>
           </a:p>
@@ -3728,10 +3731,7 @@
     <p:bg>
       <p:bgPr>
         <a:solidFill>
-          <a:schemeClr val="bg1">
-            <a:tint val="95000"/>
-            <a:satMod val="170000"/>
-          </a:schemeClr>
+          <a:schemeClr val="bg1"/>
         </a:solidFill>
         <a:effectLst/>
       </p:bgPr>
@@ -3752,10 +3752,10 @@
       </p:grpSpPr>
       <p:sp>
         <p:nvSpPr>
-          <p:cNvPr id="10" name="Rectangle 9">
-            <a:extLst>
-              <a:ext uri="{FF2B5EF4-FFF2-40B4-BE49-F238E27FC236}">
-                <a16:creationId xmlns:a16="http://schemas.microsoft.com/office/drawing/2014/main" id="{F73FCEB7-CD02-4399-BA74-12D9191D6F72}"/>
+          <p:cNvPr id="15" name="Rectangle: Top Corners Rounded 14">
+            <a:extLst>
+              <a:ext uri="{FF2B5EF4-FFF2-40B4-BE49-F238E27FC236}">
+                <a16:creationId xmlns:a16="http://schemas.microsoft.com/office/drawing/2014/main" id="{3BAF1561-20C4-41FD-A35F-BF2B9E727F3E}"/>
               </a:ext>
             </a:extLst>
           </p:cNvPr>
@@ -3771,680 +3771,21 @@
           </p:nvPr>
         </p:nvSpPr>
         <p:spPr>
-          <a:xfrm>
-            <a:off x="0" y="0"/>
-            <a:ext cx="12192000" cy="6858000"/>
-          </a:xfrm>
-          <a:prstGeom prst="rect">
-            <a:avLst/>
+          <a:xfrm rot="5400000" flipH="1">
+            <a:off x="-529466" y="996722"/>
+            <a:ext cx="5923488" cy="4864556"/>
+          </a:xfrm>
+          <a:prstGeom prst="round2SameRect">
+            <a:avLst>
+              <a:gd name="adj1" fmla="val 3762"/>
+              <a:gd name="adj2" fmla="val 0"/>
+            </a:avLst>
           </a:prstGeom>
           <a:solidFill>
-            <a:srgbClr val="FFFFFF"/>
-          </a:solidFill>
-          <a:ln>
-            <a:noFill/>
-          </a:ln>
-        </p:spPr>
-        <p:style>
-          <a:lnRef idx="2">
-            <a:schemeClr val="accent1">
-              <a:shade val="50000"/>
+            <a:schemeClr val="tx1">
+              <a:lumMod val="75000"/>
+              <a:lumOff val="25000"/>
             </a:schemeClr>
-          </a:lnRef>
-          <a:fillRef idx="1">
-            <a:schemeClr val="accent1"/>
-          </a:fillRef>
-          <a:effectRef idx="0">
-            <a:schemeClr val="accent1"/>
-          </a:effectRef>
-          <a:fontRef idx="minor">
-            <a:schemeClr val="lt1"/>
-          </a:fontRef>
-        </p:style>
-        <p:txBody>
-          <a:bodyPr rtlCol="0" anchor="ctr"/>
-          <a:lstStyle/>
-          <a:p>
-            <a:pPr algn="ctr"/>
-            <a:endParaRPr lang="en-US"/>
-          </a:p>
-        </p:txBody>
-      </p:sp>
-      <p:pic>
-        <p:nvPicPr>
-          <p:cNvPr id="5" name="Content Placeholder 4">
-            <a:extLst>
-              <a:ext uri="{FF2B5EF4-FFF2-40B4-BE49-F238E27FC236}">
-                <a16:creationId xmlns:a16="http://schemas.microsoft.com/office/drawing/2014/main" id="{52F1BE77-81C2-4B66-93B8-B46673905F69}"/>
-              </a:ext>
-            </a:extLst>
-          </p:cNvPr>
-          <p:cNvPicPr>
-            <a:picLocks noGrp="1" noChangeAspect="1"/>
-          </p:cNvPicPr>
-          <p:nvPr>
-            <p:ph idx="1"/>
-          </p:nvPr>
-        </p:nvPicPr>
-        <p:blipFill>
-          <a:blip r:embed="rId2"/>
-          <a:stretch>
-            <a:fillRect/>
-          </a:stretch>
-        </p:blipFill>
-        <p:spPr>
-          <a:xfrm>
-            <a:off x="5792025" y="492573"/>
-            <a:ext cx="5277138" cy="5880796"/>
-          </a:xfrm>
-          <a:prstGeom prst="rect">
-            <a:avLst/>
-          </a:prstGeom>
-        </p:spPr>
-      </p:pic>
-      <p:sp>
-        <p:nvSpPr>
-          <p:cNvPr id="12" name="Rectangle 11">
-            <a:extLst>
-              <a:ext uri="{FF2B5EF4-FFF2-40B4-BE49-F238E27FC236}">
-                <a16:creationId xmlns:a16="http://schemas.microsoft.com/office/drawing/2014/main" id="{AB45A142-4255-493C-8284-5D566C121B10}"/>
-              </a:ext>
-            </a:extLst>
-          </p:cNvPr>
-          <p:cNvSpPr>
-            <a:spLocks noGrp="1" noRot="1" noChangeAspect="1" noMove="1" noResize="1" noEditPoints="1" noAdjustHandles="1" noChangeArrowheads="1" noChangeShapeType="1" noTextEdit="1"/>
-          </p:cNvSpPr>
-          <p:nvPr>
-            <p:extLst>
-              <p:ext uri="{386F3935-93C4-4BCD-93E2-E3B085C9AB24}">
-                <p16:designElem xmlns:p16="http://schemas.microsoft.com/office/powerpoint/2015/main" val="1"/>
-              </p:ext>
-            </p:extLst>
-          </p:nvPr>
-        </p:nvSpPr>
-        <p:spPr bwMode="ltGray">
-          <a:xfrm>
-            <a:off x="336884" y="321177"/>
-            <a:ext cx="4332307" cy="6179552"/>
-          </a:xfrm>
-          <a:prstGeom prst="rect">
-            <a:avLst/>
-          </a:prstGeom>
-          <a:solidFill>
-            <a:srgbClr val="404040">
-              <a:alpha val="89804"/>
-            </a:srgbClr>
-          </a:solidFill>
-          <a:ln w="127000" cap="sq" cmpd="thinThick">
-            <a:solidFill>
-              <a:srgbClr val="595959">
-                <a:alpha val="80000"/>
-              </a:srgbClr>
-            </a:solidFill>
-          </a:ln>
-        </p:spPr>
-        <p:style>
-          <a:lnRef idx="2">
-            <a:schemeClr val="accent1">
-              <a:shade val="50000"/>
-            </a:schemeClr>
-          </a:lnRef>
-          <a:fillRef idx="1">
-            <a:schemeClr val="accent1"/>
-          </a:fillRef>
-          <a:effectRef idx="0">
-            <a:schemeClr val="accent1"/>
-          </a:effectRef>
-          <a:fontRef idx="minor">
-            <a:schemeClr val="lt1"/>
-          </a:fontRef>
-        </p:style>
-        <p:txBody>
-          <a:bodyPr rtlCol="0" anchor="ctr"/>
-          <a:lstStyle/>
-          <a:p>
-            <a:pPr algn="ctr"/>
-            <a:endParaRPr lang="en-US"/>
-          </a:p>
-        </p:txBody>
-      </p:sp>
-      <p:cxnSp>
-        <p:nvCxnSpPr>
-          <p:cNvPr id="14" name="Straight Connector 13">
-            <a:extLst>
-              <a:ext uri="{FF2B5EF4-FFF2-40B4-BE49-F238E27FC236}">
-                <a16:creationId xmlns:a16="http://schemas.microsoft.com/office/drawing/2014/main" id="{38FB9660-F42F-4313-BBC4-47C007FE484C}"/>
-              </a:ext>
-            </a:extLst>
-          </p:cNvPr>
-          <p:cNvCxnSpPr>
-            <a:cxnSpLocks noGrp="1" noRot="1" noChangeAspect="1" noMove="1" noResize="1" noEditPoints="1" noAdjustHandles="1" noChangeArrowheads="1" noChangeShapeType="1"/>
-          </p:cNvCxnSpPr>
-          <p:nvPr>
-            <p:extLst>
-              <p:ext uri="{386F3935-93C4-4BCD-93E2-E3B085C9AB24}">
-                <p16:designElem xmlns:p16="http://schemas.microsoft.com/office/powerpoint/2015/main" val="1"/>
-              </p:ext>
-            </p:extLst>
-          </p:nvPr>
-        </p:nvCxnSpPr>
-        <p:spPr>
-          <a:xfrm>
-            <a:off x="1191126" y="3910267"/>
-            <a:ext cx="2586790" cy="0"/>
-          </a:xfrm>
-          <a:prstGeom prst="line">
-            <a:avLst/>
-          </a:prstGeom>
-          <a:ln w="22225">
-            <a:solidFill>
-              <a:srgbClr val="D9D9D9"/>
-            </a:solidFill>
-          </a:ln>
-        </p:spPr>
-        <p:style>
-          <a:lnRef idx="1">
-            <a:schemeClr val="accent1"/>
-          </a:lnRef>
-          <a:fillRef idx="0">
-            <a:schemeClr val="accent1"/>
-          </a:fillRef>
-          <a:effectRef idx="0">
-            <a:schemeClr val="accent1"/>
-          </a:effectRef>
-          <a:fontRef idx="minor">
-            <a:schemeClr val="tx1"/>
-          </a:fontRef>
-        </p:style>
-      </p:cxnSp>
-      <p:sp>
-        <p:nvSpPr>
-          <p:cNvPr id="2" name="Title 1">
-            <a:extLst>
-              <a:ext uri="{FF2B5EF4-FFF2-40B4-BE49-F238E27FC236}">
-                <a16:creationId xmlns:a16="http://schemas.microsoft.com/office/drawing/2014/main" id="{56DA51A7-CBCA-47F5-BA7B-A426EB690FCA}"/>
-              </a:ext>
-            </a:extLst>
-          </p:cNvPr>
-          <p:cNvSpPr>
-            <a:spLocks noGrp="1"/>
-          </p:cNvSpPr>
-          <p:nvPr>
-            <p:ph type="title"/>
-          </p:nvPr>
-        </p:nvSpPr>
-        <p:spPr>
-          <a:xfrm>
-            <a:off x="674237" y="914400"/>
-            <a:ext cx="3657600" cy="2887579"/>
-          </a:xfrm>
-        </p:spPr>
-        <p:txBody>
-          <a:bodyPr vert="horz" lIns="91440" tIns="45720" rIns="91440" bIns="45720" rtlCol="0" anchor="b">
-            <a:normAutofit/>
-          </a:bodyPr>
-          <a:lstStyle/>
-          <a:p>
-            <a:pPr algn="ctr"/>
-            <a:r>
-              <a:rPr lang="en-US" sz="4800" kern="1200">
-                <a:solidFill>
-                  <a:srgbClr val="FFFFFF"/>
-                </a:solidFill>
-                <a:latin typeface="+mj-lt"/>
-                <a:ea typeface="+mj-ea"/>
-                <a:cs typeface="+mj-cs"/>
-              </a:rPr>
-              <a:t>Creator</a:t>
-            </a:r>
-          </a:p>
-        </p:txBody>
-      </p:sp>
-      <p:sp>
-        <p:nvSpPr>
-          <p:cNvPr id="4" name="Text Placeholder 3">
-            <a:extLst>
-              <a:ext uri="{FF2B5EF4-FFF2-40B4-BE49-F238E27FC236}">
-                <a16:creationId xmlns:a16="http://schemas.microsoft.com/office/drawing/2014/main" id="{C827138F-6D0A-4FED-9856-BF7F5471455C}"/>
-              </a:ext>
-            </a:extLst>
-          </p:cNvPr>
-          <p:cNvSpPr>
-            <a:spLocks noGrp="1"/>
-          </p:cNvSpPr>
-          <p:nvPr>
-            <p:ph type="body" sz="half" idx="2"/>
-          </p:nvPr>
-        </p:nvSpPr>
-        <p:spPr>
-          <a:xfrm>
-            <a:off x="674237" y="4170501"/>
-            <a:ext cx="3657600" cy="1525597"/>
-          </a:xfrm>
-        </p:spPr>
-        <p:txBody>
-          <a:bodyPr vert="horz" lIns="91440" tIns="45720" rIns="91440" bIns="45720" rtlCol="0">
-            <a:normAutofit/>
-          </a:bodyPr>
-          <a:lstStyle/>
-          <a:p>
-            <a:pPr algn="ctr"/>
-            <a:r>
-              <a:rPr lang="en-US" sz="2000" kern="1200" dirty="0">
-                <a:solidFill>
-                  <a:srgbClr val="FFFFFF"/>
-                </a:solidFill>
-                <a:latin typeface="+mn-lt"/>
-                <a:ea typeface="+mn-ea"/>
-                <a:cs typeface="+mn-cs"/>
-              </a:rPr>
-              <a:t>Event Planner is the creates new Customers and new Orders </a:t>
-            </a:r>
-          </a:p>
-        </p:txBody>
-      </p:sp>
-    </p:spTree>
-    <p:extLst>
-      <p:ext uri="{BB962C8B-B14F-4D97-AF65-F5344CB8AC3E}">
-        <p14:creationId xmlns:p14="http://schemas.microsoft.com/office/powerpoint/2010/main" val="3554324465"/>
-      </p:ext>
-    </p:extLst>
-  </p:cSld>
-  <p:clrMapOvr>
-    <a:overrideClrMapping bg1="dk1" tx1="lt1" bg2="dk2" tx2="lt2" accent1="accent1" accent2="accent2" accent3="accent3" accent4="accent4" accent5="accent5" accent6="accent6" hlink="hlink" folHlink="folHlink"/>
-  </p:clrMapOvr>
-</p:sld>
-</file>
-
-<file path=ppt/slides/slide11.xml><?xml version="1.0" encoding="utf-8"?>
-<p:sld xmlns:a="http://schemas.openxmlformats.org/drawingml/2006/main" xmlns:r="http://schemas.openxmlformats.org/officeDocument/2006/relationships" xmlns:p="http://schemas.openxmlformats.org/presentationml/2006/main">
-  <p:cSld>
-    <p:bg>
-      <p:bgPr>
-        <a:solidFill>
-          <a:schemeClr val="bg1">
-            <a:tint val="95000"/>
-            <a:satMod val="170000"/>
-          </a:schemeClr>
-        </a:solidFill>
-        <a:effectLst/>
-      </p:bgPr>
-    </p:bg>
-    <p:spTree>
-      <p:nvGrpSpPr>
-        <p:cNvPr id="1" name=""/>
-        <p:cNvGrpSpPr/>
-        <p:nvPr/>
-      </p:nvGrpSpPr>
-      <p:grpSpPr>
-        <a:xfrm>
-          <a:off x="0" y="0"/>
-          <a:ext cx="0" cy="0"/>
-          <a:chOff x="0" y="0"/>
-          <a:chExt cx="0" cy="0"/>
-        </a:xfrm>
-      </p:grpSpPr>
-      <p:sp>
-        <p:nvSpPr>
-          <p:cNvPr id="21" name="Rectangle 20">
-            <a:extLst>
-              <a:ext uri="{FF2B5EF4-FFF2-40B4-BE49-F238E27FC236}">
-                <a16:creationId xmlns:a16="http://schemas.microsoft.com/office/drawing/2014/main" id="{F73FCEB7-CD02-4399-BA74-12D9191D6F72}"/>
-              </a:ext>
-            </a:extLst>
-          </p:cNvPr>
-          <p:cNvSpPr>
-            <a:spLocks noGrp="1" noRot="1" noChangeAspect="1" noMove="1" noResize="1" noEditPoints="1" noAdjustHandles="1" noChangeArrowheads="1" noChangeShapeType="1" noTextEdit="1"/>
-          </p:cNvSpPr>
-          <p:nvPr>
-            <p:extLst>
-              <p:ext uri="{386F3935-93C4-4BCD-93E2-E3B085C9AB24}">
-                <p16:designElem xmlns:p16="http://schemas.microsoft.com/office/powerpoint/2015/main" val="1"/>
-              </p:ext>
-            </p:extLst>
-          </p:nvPr>
-        </p:nvSpPr>
-        <p:spPr>
-          <a:xfrm>
-            <a:off x="0" y="0"/>
-            <a:ext cx="12192000" cy="6858000"/>
-          </a:xfrm>
-          <a:prstGeom prst="rect">
-            <a:avLst/>
-          </a:prstGeom>
-          <a:solidFill>
-            <a:srgbClr val="FFFFFF"/>
-          </a:solidFill>
-          <a:ln>
-            <a:noFill/>
-          </a:ln>
-        </p:spPr>
-        <p:style>
-          <a:lnRef idx="2">
-            <a:schemeClr val="accent1">
-              <a:shade val="50000"/>
-            </a:schemeClr>
-          </a:lnRef>
-          <a:fillRef idx="1">
-            <a:schemeClr val="accent1"/>
-          </a:fillRef>
-          <a:effectRef idx="0">
-            <a:schemeClr val="accent1"/>
-          </a:effectRef>
-          <a:fontRef idx="minor">
-            <a:schemeClr val="lt1"/>
-          </a:fontRef>
-        </p:style>
-        <p:txBody>
-          <a:bodyPr rtlCol="0" anchor="ctr"/>
-          <a:lstStyle/>
-          <a:p>
-            <a:pPr algn="ctr"/>
-            <a:endParaRPr lang="en-US"/>
-          </a:p>
-        </p:txBody>
-      </p:sp>
-      <p:pic>
-        <p:nvPicPr>
-          <p:cNvPr id="5" name="Content Placeholder 4" descr="A screenshot of a cell phone&#10;&#10;Description generated with very high confidence">
-            <a:extLst>
-              <a:ext uri="{FF2B5EF4-FFF2-40B4-BE49-F238E27FC236}">
-                <a16:creationId xmlns:a16="http://schemas.microsoft.com/office/drawing/2014/main" id="{ED35977B-2660-4A55-8CC4-4BF5B0DCC780}"/>
-              </a:ext>
-            </a:extLst>
-          </p:cNvPr>
-          <p:cNvPicPr>
-            <a:picLocks noGrp="1" noChangeAspect="1"/>
-          </p:cNvPicPr>
-          <p:nvPr>
-            <p:ph idx="1"/>
-          </p:nvPr>
-        </p:nvPicPr>
-        <p:blipFill>
-          <a:blip r:embed="rId2"/>
-          <a:stretch>
-            <a:fillRect/>
-          </a:stretch>
-        </p:blipFill>
-        <p:spPr>
-          <a:xfrm>
-            <a:off x="5153822" y="1991191"/>
-            <a:ext cx="6553545" cy="2883559"/>
-          </a:xfrm>
-          <a:prstGeom prst="rect">
-            <a:avLst/>
-          </a:prstGeom>
-        </p:spPr>
-      </p:pic>
-      <p:sp>
-        <p:nvSpPr>
-          <p:cNvPr id="23" name="Rectangle 22">
-            <a:extLst>
-              <a:ext uri="{FF2B5EF4-FFF2-40B4-BE49-F238E27FC236}">
-                <a16:creationId xmlns:a16="http://schemas.microsoft.com/office/drawing/2014/main" id="{AB45A142-4255-493C-8284-5D566C121B10}"/>
-              </a:ext>
-            </a:extLst>
-          </p:cNvPr>
-          <p:cNvSpPr>
-            <a:spLocks noGrp="1" noRot="1" noChangeAspect="1" noMove="1" noResize="1" noEditPoints="1" noAdjustHandles="1" noChangeArrowheads="1" noChangeShapeType="1" noTextEdit="1"/>
-          </p:cNvSpPr>
-          <p:nvPr>
-            <p:extLst>
-              <p:ext uri="{386F3935-93C4-4BCD-93E2-E3B085C9AB24}">
-                <p16:designElem xmlns:p16="http://schemas.microsoft.com/office/powerpoint/2015/main" val="1"/>
-              </p:ext>
-            </p:extLst>
-          </p:nvPr>
-        </p:nvSpPr>
-        <p:spPr bwMode="ltGray">
-          <a:xfrm>
-            <a:off x="336884" y="321177"/>
-            <a:ext cx="4332307" cy="6179552"/>
-          </a:xfrm>
-          <a:prstGeom prst="rect">
-            <a:avLst/>
-          </a:prstGeom>
-          <a:solidFill>
-            <a:srgbClr val="404040">
-              <a:alpha val="89804"/>
-            </a:srgbClr>
-          </a:solidFill>
-          <a:ln w="127000" cap="sq" cmpd="thinThick">
-            <a:solidFill>
-              <a:srgbClr val="595959">
-                <a:alpha val="80000"/>
-              </a:srgbClr>
-            </a:solidFill>
-          </a:ln>
-        </p:spPr>
-        <p:style>
-          <a:lnRef idx="2">
-            <a:schemeClr val="accent1">
-              <a:shade val="50000"/>
-            </a:schemeClr>
-          </a:lnRef>
-          <a:fillRef idx="1">
-            <a:schemeClr val="accent1"/>
-          </a:fillRef>
-          <a:effectRef idx="0">
-            <a:schemeClr val="accent1"/>
-          </a:effectRef>
-          <a:fontRef idx="minor">
-            <a:schemeClr val="lt1"/>
-          </a:fontRef>
-        </p:style>
-        <p:txBody>
-          <a:bodyPr rtlCol="0" anchor="ctr"/>
-          <a:lstStyle/>
-          <a:p>
-            <a:pPr algn="ctr"/>
-            <a:endParaRPr lang="en-US"/>
-          </a:p>
-        </p:txBody>
-      </p:sp>
-      <p:cxnSp>
-        <p:nvCxnSpPr>
-          <p:cNvPr id="25" name="Straight Connector 24">
-            <a:extLst>
-              <a:ext uri="{FF2B5EF4-FFF2-40B4-BE49-F238E27FC236}">
-                <a16:creationId xmlns:a16="http://schemas.microsoft.com/office/drawing/2014/main" id="{38FB9660-F42F-4313-BBC4-47C007FE484C}"/>
-              </a:ext>
-            </a:extLst>
-          </p:cNvPr>
-          <p:cNvCxnSpPr>
-            <a:cxnSpLocks noGrp="1" noRot="1" noChangeAspect="1" noMove="1" noResize="1" noEditPoints="1" noAdjustHandles="1" noChangeArrowheads="1" noChangeShapeType="1"/>
-          </p:cNvCxnSpPr>
-          <p:nvPr>
-            <p:extLst>
-              <p:ext uri="{386F3935-93C4-4BCD-93E2-E3B085C9AB24}">
-                <p16:designElem xmlns:p16="http://schemas.microsoft.com/office/powerpoint/2015/main" val="1"/>
-              </p:ext>
-            </p:extLst>
-          </p:nvPr>
-        </p:nvCxnSpPr>
-        <p:spPr>
-          <a:xfrm>
-            <a:off x="1191126" y="3910267"/>
-            <a:ext cx="2586790" cy="0"/>
-          </a:xfrm>
-          <a:prstGeom prst="line">
-            <a:avLst/>
-          </a:prstGeom>
-          <a:ln w="22225">
-            <a:solidFill>
-              <a:srgbClr val="D9D9D9"/>
-            </a:solidFill>
-          </a:ln>
-        </p:spPr>
-        <p:style>
-          <a:lnRef idx="1">
-            <a:schemeClr val="accent1"/>
-          </a:lnRef>
-          <a:fillRef idx="0">
-            <a:schemeClr val="accent1"/>
-          </a:fillRef>
-          <a:effectRef idx="0">
-            <a:schemeClr val="accent1"/>
-          </a:effectRef>
-          <a:fontRef idx="minor">
-            <a:schemeClr val="tx1"/>
-          </a:fontRef>
-        </p:style>
-      </p:cxnSp>
-      <p:sp>
-        <p:nvSpPr>
-          <p:cNvPr id="2" name="Title 1">
-            <a:extLst>
-              <a:ext uri="{FF2B5EF4-FFF2-40B4-BE49-F238E27FC236}">
-                <a16:creationId xmlns:a16="http://schemas.microsoft.com/office/drawing/2014/main" id="{9DC5EF67-FB75-432E-A070-087C6E3B0697}"/>
-              </a:ext>
-            </a:extLst>
-          </p:cNvPr>
-          <p:cNvSpPr>
-            <a:spLocks noGrp="1"/>
-          </p:cNvSpPr>
-          <p:nvPr>
-            <p:ph type="title"/>
-          </p:nvPr>
-        </p:nvSpPr>
-        <p:spPr>
-          <a:xfrm>
-            <a:off x="674237" y="914400"/>
-            <a:ext cx="3657600" cy="2887579"/>
-          </a:xfrm>
-        </p:spPr>
-        <p:txBody>
-          <a:bodyPr vert="horz" lIns="91440" tIns="45720" rIns="91440" bIns="45720" rtlCol="0" anchor="b">
-            <a:normAutofit/>
-          </a:bodyPr>
-          <a:lstStyle/>
-          <a:p>
-            <a:pPr algn="ctr"/>
-            <a:r>
-              <a:rPr lang="en-US" sz="4800" kern="1200">
-                <a:solidFill>
-                  <a:srgbClr val="FFFFFF"/>
-                </a:solidFill>
-                <a:latin typeface="+mj-lt"/>
-                <a:ea typeface="+mj-ea"/>
-                <a:cs typeface="+mj-cs"/>
-              </a:rPr>
-              <a:t>Information Expert</a:t>
-            </a:r>
-          </a:p>
-        </p:txBody>
-      </p:sp>
-      <p:sp>
-        <p:nvSpPr>
-          <p:cNvPr id="4" name="Text Placeholder 3">
-            <a:extLst>
-              <a:ext uri="{FF2B5EF4-FFF2-40B4-BE49-F238E27FC236}">
-                <a16:creationId xmlns:a16="http://schemas.microsoft.com/office/drawing/2014/main" id="{38DC9A36-1990-47EE-A6D5-CEFB89F7A750}"/>
-              </a:ext>
-            </a:extLst>
-          </p:cNvPr>
-          <p:cNvSpPr>
-            <a:spLocks noGrp="1"/>
-          </p:cNvSpPr>
-          <p:nvPr>
-            <p:ph type="body" sz="half" idx="2"/>
-          </p:nvPr>
-        </p:nvSpPr>
-        <p:spPr>
-          <a:xfrm>
-            <a:off x="674237" y="4170501"/>
-            <a:ext cx="3657600" cy="1525597"/>
-          </a:xfrm>
-        </p:spPr>
-        <p:txBody>
-          <a:bodyPr vert="horz" lIns="91440" tIns="45720" rIns="91440" bIns="45720" rtlCol="0">
-            <a:normAutofit/>
-          </a:bodyPr>
-          <a:lstStyle/>
-          <a:p>
-            <a:pPr algn="ctr"/>
-            <a:r>
-              <a:rPr lang="en-US" sz="2000" kern="1200">
-                <a:solidFill>
-                  <a:srgbClr val="FFFFFF"/>
-                </a:solidFill>
-                <a:latin typeface="+mn-lt"/>
-                <a:ea typeface="+mn-ea"/>
-                <a:cs typeface="+mn-cs"/>
-              </a:rPr>
-              <a:t>Order is the Information Expert for OrderList. </a:t>
-            </a:r>
-          </a:p>
-        </p:txBody>
-      </p:sp>
-    </p:spTree>
-    <p:extLst>
-      <p:ext uri="{BB962C8B-B14F-4D97-AF65-F5344CB8AC3E}">
-        <p14:creationId xmlns:p14="http://schemas.microsoft.com/office/powerpoint/2010/main" val="1357002157"/>
-      </p:ext>
-    </p:extLst>
-  </p:cSld>
-  <p:clrMapOvr>
-    <a:overrideClrMapping bg1="dk1" tx1="lt1" bg2="dk2" tx2="lt2" accent1="accent1" accent2="accent2" accent3="accent3" accent4="accent4" accent5="accent5" accent6="accent6" hlink="hlink" folHlink="folHlink"/>
-  </p:clrMapOvr>
-</p:sld>
-</file>
-
-<file path=ppt/slides/slide12.xml><?xml version="1.0" encoding="utf-8"?>
-<p:sld xmlns:a="http://schemas.openxmlformats.org/drawingml/2006/main" xmlns:r="http://schemas.openxmlformats.org/officeDocument/2006/relationships" xmlns:p="http://schemas.openxmlformats.org/presentationml/2006/main">
-  <p:cSld>
-    <p:bg>
-      <p:bgPr>
-        <a:solidFill>
-          <a:schemeClr val="bg2"/>
-        </a:solidFill>
-        <a:effectLst/>
-      </p:bgPr>
-    </p:bg>
-    <p:spTree>
-      <p:nvGrpSpPr>
-        <p:cNvPr id="1" name=""/>
-        <p:cNvGrpSpPr/>
-        <p:nvPr/>
-      </p:nvGrpSpPr>
-      <p:grpSpPr>
-        <a:xfrm>
-          <a:off x="0" y="0"/>
-          <a:ext cx="0" cy="0"/>
-          <a:chOff x="0" y="0"/>
-          <a:chExt cx="0" cy="0"/>
-        </a:xfrm>
-      </p:grpSpPr>
-      <p:sp>
-        <p:nvSpPr>
-          <p:cNvPr id="13" name="Rectangle 8">
-            <a:extLst>
-              <a:ext uri="{FF2B5EF4-FFF2-40B4-BE49-F238E27FC236}">
-                <a16:creationId xmlns:a16="http://schemas.microsoft.com/office/drawing/2014/main" id="{1E214AA7-F028-4A0D-8698-61AEC754D1BC}"/>
-              </a:ext>
-            </a:extLst>
-          </p:cNvPr>
-          <p:cNvSpPr>
-            <a:spLocks noGrp="1" noRot="1" noChangeAspect="1" noMove="1" noResize="1" noEditPoints="1" noAdjustHandles="1" noChangeArrowheads="1" noChangeShapeType="1" noTextEdit="1"/>
-          </p:cNvSpPr>
-          <p:nvPr>
-            <p:extLst>
-              <p:ext uri="{386F3935-93C4-4BCD-93E2-E3B085C9AB24}">
-                <p16:designElem xmlns:p16="http://schemas.microsoft.com/office/powerpoint/2015/main" val="1"/>
-              </p:ext>
-            </p:extLst>
-          </p:nvPr>
-        </p:nvSpPr>
-        <p:spPr>
-          <a:xfrm>
-            <a:off x="0" y="1"/>
-            <a:ext cx="12192000" cy="1598340"/>
-          </a:xfrm>
-          <a:prstGeom prst="rect">
-            <a:avLst/>
-          </a:prstGeom>
-          <a:solidFill>
-            <a:srgbClr val="595959"/>
           </a:solidFill>
           <a:ln>
             <a:noFill/>
@@ -4504,18 +3845,18 @@
           </a:p>
         </p:txBody>
       </p:sp>
-      <p:cxnSp>
-        <p:nvCxnSpPr>
-          <p:cNvPr id="14" name="Straight Connector 10">
-            <a:extLst>
-              <a:ext uri="{FF2B5EF4-FFF2-40B4-BE49-F238E27FC236}">
-                <a16:creationId xmlns:a16="http://schemas.microsoft.com/office/drawing/2014/main" id="{D6206FDC-2777-4D7F-AF9C-73413DA664C9}"/>
-              </a:ext>
-            </a:extLst>
-          </p:cNvPr>
-          <p:cNvCxnSpPr>
-            <a:cxnSpLocks noGrp="1" noRot="1" noChangeAspect="1" noMove="1" noResize="1" noEditPoints="1" noAdjustHandles="1" noChangeArrowheads="1" noChangeShapeType="1"/>
-          </p:cNvCxnSpPr>
+      <p:sp>
+        <p:nvSpPr>
+          <p:cNvPr id="17" name="Rectangle: Top Corners Rounded 16">
+            <a:extLst>
+              <a:ext uri="{FF2B5EF4-FFF2-40B4-BE49-F238E27FC236}">
+                <a16:creationId xmlns:a16="http://schemas.microsoft.com/office/drawing/2014/main" id="{839DC788-B140-4F3E-A91E-CB3E70ED940A}"/>
+              </a:ext>
+            </a:extLst>
+          </p:cNvPr>
+          <p:cNvSpPr>
+            <a:spLocks noGrp="1" noRot="1" noChangeAspect="1" noMove="1" noResize="1" noEditPoints="1" noAdjustHandles="1" noChangeArrowheads="1" noChangeShapeType="1" noTextEdit="1"/>
+          </p:cNvSpPr>
           <p:nvPr>
             <p:extLst>
               <p:ext uri="{386F3935-93C4-4BCD-93E2-E3B085C9AB24}">
@@ -4523,290 +3864,23 @@
               </p:ext>
             </p:extLst>
           </p:nvPr>
-        </p:nvCxnSpPr>
-        <p:spPr>
-          <a:xfrm>
-            <a:off x="6096000" y="2888250"/>
-            <a:ext cx="0" cy="2769135"/>
-          </a:xfrm>
-          <a:prstGeom prst="line">
-            <a:avLst/>
+        </p:nvSpPr>
+        <p:spPr>
+          <a:xfrm rot="5400000" flipH="1">
+            <a:off x="-457200" y="1050468"/>
+            <a:ext cx="5609397" cy="4757058"/>
+          </a:xfrm>
+          <a:prstGeom prst="round2SameRect">
+            <a:avLst>
+              <a:gd name="adj1" fmla="val 2061"/>
+              <a:gd name="adj2" fmla="val 0"/>
+            </a:avLst>
           </a:prstGeom>
-          <a:ln w="19050">
+          <a:noFill/>
+          <a:ln w="50800">
             <a:solidFill>
-              <a:srgbClr val="7F7F7F"/>
+              <a:schemeClr val="bg1"/>
             </a:solidFill>
-          </a:ln>
-        </p:spPr>
-        <p:style>
-          <a:lnRef idx="1">
-            <a:schemeClr val="accent1"/>
-          </a:lnRef>
-          <a:fillRef idx="0">
-            <a:schemeClr val="accent1"/>
-          </a:fillRef>
-          <a:effectRef idx="0">
-            <a:schemeClr val="accent1"/>
-          </a:effectRef>
-          <a:fontRef idx="minor">
-            <a:schemeClr val="tx1"/>
-          </a:fontRef>
-        </p:style>
-      </p:cxnSp>
-      <p:sp>
-        <p:nvSpPr>
-          <p:cNvPr id="2" name="Title 1">
-            <a:extLst>
-              <a:ext uri="{FF2B5EF4-FFF2-40B4-BE49-F238E27FC236}">
-                <a16:creationId xmlns:a16="http://schemas.microsoft.com/office/drawing/2014/main" id="{AF943B46-0DF4-4A70-A248-45220F67ED32}"/>
-              </a:ext>
-            </a:extLst>
-          </p:cNvPr>
-          <p:cNvSpPr>
-            <a:spLocks noGrp="1"/>
-          </p:cNvSpPr>
-          <p:nvPr>
-            <p:ph type="title"/>
-          </p:nvPr>
-        </p:nvSpPr>
-        <p:spPr>
-          <a:xfrm>
-            <a:off x="1159933" y="995318"/>
-            <a:ext cx="9872134" cy="1193968"/>
-          </a:xfrm>
-          <a:solidFill>
-            <a:srgbClr val="FFFFFF"/>
-          </a:solidFill>
-          <a:ln w="38100">
-            <a:solidFill>
-              <a:srgbClr val="595959"/>
-            </a:solidFill>
-            <a:miter lim="800000"/>
-          </a:ln>
-        </p:spPr>
-        <p:txBody>
-          <a:bodyPr>
-            <a:normAutofit/>
-          </a:bodyPr>
-          <a:lstStyle/>
-          <a:p>
-            <a:pPr algn="ctr"/>
-            <a:r>
-              <a:rPr lang="en-US" sz="3600">
-                <a:solidFill>
-                  <a:srgbClr val="3F3F3F"/>
-                </a:solidFill>
-              </a:rPr>
-              <a:t>Software Architecture Document</a:t>
-            </a:r>
-          </a:p>
-        </p:txBody>
-      </p:sp>
-      <p:sp>
-        <p:nvSpPr>
-          <p:cNvPr id="3" name="Content Placeholder 2">
-            <a:extLst>
-              <a:ext uri="{FF2B5EF4-FFF2-40B4-BE49-F238E27FC236}">
-                <a16:creationId xmlns:a16="http://schemas.microsoft.com/office/drawing/2014/main" id="{592A064E-C4A3-4617-9DB0-C0A253C57339}"/>
-              </a:ext>
-            </a:extLst>
-          </p:cNvPr>
-          <p:cNvSpPr>
-            <a:spLocks noGrp="1"/>
-          </p:cNvSpPr>
-          <p:nvPr>
-            <p:ph sz="half" idx="1"/>
-          </p:nvPr>
-        </p:nvSpPr>
-        <p:spPr>
-          <a:xfrm>
-            <a:off x="619133" y="2888250"/>
-            <a:ext cx="5229198" cy="3560175"/>
-          </a:xfrm>
-        </p:spPr>
-        <p:txBody>
-          <a:bodyPr anchor="t">
-            <a:normAutofit/>
-          </a:bodyPr>
-          <a:lstStyle/>
-          <a:p>
-            <a:pPr marL="457200" lvl="1" indent="0" algn="ctr">
-              <a:buNone/>
-            </a:pPr>
-            <a:r>
-              <a:rPr lang="en-US" sz="2800" u="sng" dirty="0"/>
-              <a:t>Introduction</a:t>
-            </a:r>
-          </a:p>
-          <a:p>
-            <a:pPr marL="457200" lvl="1" indent="0">
-              <a:buNone/>
-            </a:pPr>
-            <a:endParaRPr lang="en-US" sz="1700" dirty="0"/>
-          </a:p>
-          <a:p>
-            <a:pPr lvl="1"/>
-            <a:r>
-              <a:rPr lang="en-US" sz="1700" b="1" dirty="0"/>
-              <a:t>Vision:</a:t>
-            </a:r>
-            <a:r>
-              <a:rPr lang="en-US" sz="1700" dirty="0"/>
-              <a:t> Create a management system to process catering orders and organize them in a way for multiple employees to access and use them.</a:t>
-            </a:r>
-          </a:p>
-          <a:p>
-            <a:pPr marL="457200" lvl="1" indent="0">
-              <a:buNone/>
-            </a:pPr>
-            <a:endParaRPr lang="en-US" sz="1700" dirty="0"/>
-          </a:p>
-          <a:p>
-            <a:pPr lvl="1"/>
-            <a:r>
-              <a:rPr lang="en-US" sz="1700" b="1" dirty="0"/>
-              <a:t>Scope:</a:t>
-            </a:r>
-            <a:r>
-              <a:rPr lang="en-US" sz="1700" dirty="0"/>
-              <a:t> The system will allow for orders to be organized in a database where the information can be accessed by other users of the system.</a:t>
-            </a:r>
-          </a:p>
-          <a:p>
-            <a:pPr marL="0" indent="0">
-              <a:buNone/>
-            </a:pPr>
-            <a:endParaRPr lang="en-US" sz="1700" dirty="0"/>
-          </a:p>
-        </p:txBody>
-      </p:sp>
-      <p:sp>
-        <p:nvSpPr>
-          <p:cNvPr id="4" name="Content Placeholder 3">
-            <a:extLst>
-              <a:ext uri="{FF2B5EF4-FFF2-40B4-BE49-F238E27FC236}">
-                <a16:creationId xmlns:a16="http://schemas.microsoft.com/office/drawing/2014/main" id="{9BEF5FC3-467B-4017-A53C-717994A9AB95}"/>
-              </a:ext>
-            </a:extLst>
-          </p:cNvPr>
-          <p:cNvSpPr>
-            <a:spLocks noGrp="1"/>
-          </p:cNvSpPr>
-          <p:nvPr>
-            <p:ph sz="half" idx="2"/>
-          </p:nvPr>
-        </p:nvSpPr>
-        <p:spPr>
-          <a:xfrm>
-            <a:off x="6417730" y="2888250"/>
-            <a:ext cx="4831289" cy="2959778"/>
-          </a:xfrm>
-        </p:spPr>
-        <p:txBody>
-          <a:bodyPr anchor="t">
-            <a:normAutofit/>
-          </a:bodyPr>
-          <a:lstStyle/>
-          <a:p>
-            <a:pPr marL="0" indent="0" algn="ctr">
-              <a:buNone/>
-            </a:pPr>
-            <a:r>
-              <a:rPr lang="en-US" sz="2400" u="sng" dirty="0"/>
-              <a:t>Architectural Representation</a:t>
-            </a:r>
-          </a:p>
-          <a:p>
-            <a:pPr marL="0" indent="0" algn="ctr">
-              <a:buNone/>
-            </a:pPr>
-            <a:endParaRPr lang="en-US" sz="1200" dirty="0"/>
-          </a:p>
-          <a:p>
-            <a:r>
-              <a:rPr lang="en-US" sz="1800" dirty="0"/>
-              <a:t>The document represents the system architecture through several views including Use Case, Logical, Process, and Deployment.</a:t>
-            </a:r>
-          </a:p>
-          <a:p>
-            <a:pPr marL="0" indent="0">
-              <a:buNone/>
-            </a:pPr>
-            <a:endParaRPr lang="en-US" sz="2000" dirty="0"/>
-          </a:p>
-        </p:txBody>
-      </p:sp>
-    </p:spTree>
-    <p:extLst>
-      <p:ext uri="{BB962C8B-B14F-4D97-AF65-F5344CB8AC3E}">
-        <p14:creationId xmlns:p14="http://schemas.microsoft.com/office/powerpoint/2010/main" val="239801855"/>
-      </p:ext>
-    </p:extLst>
-  </p:cSld>
-  <p:clrMapOvr>
-    <a:masterClrMapping/>
-  </p:clrMapOvr>
-</p:sld>
-</file>
-
-<file path=ppt/slides/slide13.xml><?xml version="1.0" encoding="utf-8"?>
-<p:sld xmlns:a="http://schemas.openxmlformats.org/drawingml/2006/main" xmlns:r="http://schemas.openxmlformats.org/officeDocument/2006/relationships" xmlns:p="http://schemas.openxmlformats.org/presentationml/2006/main">
-  <p:cSld>
-    <p:bg>
-      <p:bgPr>
-        <a:solidFill>
-          <a:schemeClr val="bg2"/>
-        </a:solidFill>
-        <a:effectLst/>
-      </p:bgPr>
-    </p:bg>
-    <p:spTree>
-      <p:nvGrpSpPr>
-        <p:cNvPr id="1" name=""/>
-        <p:cNvGrpSpPr/>
-        <p:nvPr/>
-      </p:nvGrpSpPr>
-      <p:grpSpPr>
-        <a:xfrm>
-          <a:off x="0" y="0"/>
-          <a:ext cx="0" cy="0"/>
-          <a:chOff x="0" y="0"/>
-          <a:chExt cx="0" cy="0"/>
-        </a:xfrm>
-      </p:grpSpPr>
-      <p:sp>
-        <p:nvSpPr>
-          <p:cNvPr id="23" name="Rectangle 18">
-            <a:extLst>
-              <a:ext uri="{FF2B5EF4-FFF2-40B4-BE49-F238E27FC236}">
-                <a16:creationId xmlns:a16="http://schemas.microsoft.com/office/drawing/2014/main" id="{1E214AA7-F028-4A0D-8698-61AEC754D1BC}"/>
-              </a:ext>
-            </a:extLst>
-          </p:cNvPr>
-          <p:cNvSpPr>
-            <a:spLocks noGrp="1" noRot="1" noChangeAspect="1" noMove="1" noResize="1" noEditPoints="1" noAdjustHandles="1" noChangeArrowheads="1" noChangeShapeType="1" noTextEdit="1"/>
-          </p:cNvSpPr>
-          <p:nvPr>
-            <p:extLst>
-              <p:ext uri="{386F3935-93C4-4BCD-93E2-E3B085C9AB24}">
-                <p16:designElem xmlns:p16="http://schemas.microsoft.com/office/powerpoint/2015/main" val="1"/>
-              </p:ext>
-            </p:extLst>
-          </p:nvPr>
-        </p:nvSpPr>
-        <p:spPr>
-          <a:xfrm>
-            <a:off x="0" y="1"/>
-            <a:ext cx="12192000" cy="1598340"/>
-          </a:xfrm>
-          <a:prstGeom prst="rect">
-            <a:avLst/>
-          </a:prstGeom>
-          <a:solidFill>
-            <a:srgbClr val="595959"/>
-          </a:solidFill>
-          <a:ln>
-            <a:noFill/>
           </a:ln>
         </p:spPr>
         <p:style>
@@ -4865,10 +3939,10 @@
       </p:sp>
       <p:cxnSp>
         <p:nvCxnSpPr>
-          <p:cNvPr id="24" name="Straight Connector 20">
-            <a:extLst>
-              <a:ext uri="{FF2B5EF4-FFF2-40B4-BE49-F238E27FC236}">
-                <a16:creationId xmlns:a16="http://schemas.microsoft.com/office/drawing/2014/main" id="{D6206FDC-2777-4D7F-AF9C-73413DA664C9}"/>
+          <p:cNvPr id="19" name="Straight Connector 18">
+            <a:extLst>
+              <a:ext uri="{FF2B5EF4-FFF2-40B4-BE49-F238E27FC236}">
+                <a16:creationId xmlns:a16="http://schemas.microsoft.com/office/drawing/2014/main" id="{FC18D930-0EEE-448F-ABF1-2AA3C83DA552}"/>
               </a:ext>
             </a:extLst>
           </p:cNvPr>
@@ -4885,15 +3959,17 @@
         </p:nvCxnSpPr>
         <p:spPr>
           <a:xfrm>
-            <a:off x="6096000" y="2888250"/>
-            <a:ext cx="0" cy="2769135"/>
+            <a:off x="524071" y="2705800"/>
+            <a:ext cx="1597456" cy="0"/>
           </a:xfrm>
           <a:prstGeom prst="line">
             <a:avLst/>
           </a:prstGeom>
-          <a:ln w="19050">
+          <a:ln w="50800">
             <a:solidFill>
-              <a:srgbClr val="7F7F7F"/>
+              <a:schemeClr val="bg1">
+                <a:lumMod val="65000"/>
+              </a:schemeClr>
             </a:solidFill>
           </a:ln>
         </p:spPr>
@@ -4912,12 +3988,44 @@
           </a:fontRef>
         </p:style>
       </p:cxnSp>
+      <p:pic>
+        <p:nvPicPr>
+          <p:cNvPr id="5" name="Content Placeholder 4">
+            <a:extLst>
+              <a:ext uri="{FF2B5EF4-FFF2-40B4-BE49-F238E27FC236}">
+                <a16:creationId xmlns:a16="http://schemas.microsoft.com/office/drawing/2014/main" id="{7A4AD7EF-CD84-45B2-B006-DE217A11AC76}"/>
+              </a:ext>
+            </a:extLst>
+          </p:cNvPr>
+          <p:cNvPicPr>
+            <a:picLocks noGrp="1" noChangeAspect="1"/>
+          </p:cNvPicPr>
+          <p:nvPr>
+            <p:ph idx="1"/>
+          </p:nvPr>
+        </p:nvPicPr>
+        <p:blipFill>
+          <a:blip r:embed="rId2"/>
+          <a:stretch>
+            <a:fillRect/>
+          </a:stretch>
+        </p:blipFill>
+        <p:spPr>
+          <a:xfrm>
+            <a:off x="6521444" y="467256"/>
+            <a:ext cx="3906762" cy="5766440"/>
+          </a:xfrm>
+          <a:prstGeom prst="rect">
+            <a:avLst/>
+          </a:prstGeom>
+        </p:spPr>
+      </p:pic>
       <p:sp>
         <p:nvSpPr>
           <p:cNvPr id="2" name="Title 1">
             <a:extLst>
               <a:ext uri="{FF2B5EF4-FFF2-40B4-BE49-F238E27FC236}">
-                <a16:creationId xmlns:a16="http://schemas.microsoft.com/office/drawing/2014/main" id="{7EDE4F21-8E0D-44B9-9BAF-4A4FF09E63BA}"/>
+                <a16:creationId xmlns:a16="http://schemas.microsoft.com/office/drawing/2014/main" id="{6509AE56-86A2-405A-A8F6-9032C220F169}"/>
               </a:ext>
             </a:extLst>
           </p:cNvPr>
@@ -4930,227 +4038,84 @@
         </p:nvSpPr>
         <p:spPr>
           <a:xfrm>
-            <a:off x="1159933" y="995318"/>
-            <a:ext cx="9872134" cy="1193968"/>
-          </a:xfrm>
-          <a:solidFill>
-            <a:srgbClr val="FFFFFF"/>
-          </a:solidFill>
-          <a:ln w="38100">
-            <a:solidFill>
-              <a:srgbClr val="595959"/>
-            </a:solidFill>
-            <a:miter lim="800000"/>
-          </a:ln>
-        </p:spPr>
-        <p:txBody>
-          <a:bodyPr>
+            <a:off x="0" y="1411914"/>
+            <a:ext cx="4092951" cy="1624457"/>
+          </a:xfrm>
+        </p:spPr>
+        <p:txBody>
+          <a:bodyPr vert="horz" lIns="91440" tIns="45720" rIns="91440" bIns="45720" rtlCol="0" anchor="ctr">
             <a:normAutofit/>
           </a:bodyPr>
           <a:lstStyle/>
           <a:p>
-            <a:pPr algn="ctr"/>
-            <a:r>
-              <a:rPr lang="en-US" sz="3600">
+            <a:r>
+              <a:rPr lang="en-US" sz="4000" kern="1200" dirty="0">
                 <a:solidFill>
-                  <a:srgbClr val="3F3F3F"/>
+                  <a:schemeClr val="bg1"/>
+                </a:solidFill>
+                <a:latin typeface="+mj-lt"/>
+                <a:ea typeface="+mj-ea"/>
+                <a:cs typeface="+mj-cs"/>
+              </a:rPr>
+              <a:t>State Diagram</a:t>
+            </a:r>
+          </a:p>
+        </p:txBody>
+      </p:sp>
+      <p:sp>
+        <p:nvSpPr>
+          <p:cNvPr id="4" name="Text Placeholder 3">
+            <a:extLst>
+              <a:ext uri="{FF2B5EF4-FFF2-40B4-BE49-F238E27FC236}">
+                <a16:creationId xmlns:a16="http://schemas.microsoft.com/office/drawing/2014/main" id="{B7739914-E371-432D-B283-C6D020EB40E2}"/>
+              </a:ext>
+            </a:extLst>
+          </p:cNvPr>
+          <p:cNvSpPr>
+            <a:spLocks noGrp="1"/>
+          </p:cNvSpPr>
+          <p:nvPr>
+            <p:ph type="body" sz="half" idx="2"/>
+          </p:nvPr>
+        </p:nvSpPr>
+        <p:spPr>
+          <a:xfrm>
+            <a:off x="524071" y="2862843"/>
+            <a:ext cx="4092951" cy="3042099"/>
+          </a:xfrm>
+        </p:spPr>
+        <p:txBody>
+          <a:bodyPr vert="horz" lIns="91440" tIns="45720" rIns="91440" bIns="45720" rtlCol="0" anchor="t">
+            <a:normAutofit/>
+          </a:bodyPr>
+          <a:lstStyle/>
+          <a:p>
+            <a:r>
+              <a:rPr lang="en-US" sz="2800" dirty="0">
+                <a:solidFill>
+                  <a:schemeClr val="bg1"/>
                 </a:solidFill>
               </a:rPr>
-              <a:t>Software Architecture Document</a:t>
-            </a:r>
-          </a:p>
-        </p:txBody>
-      </p:sp>
-      <p:sp>
-        <p:nvSpPr>
-          <p:cNvPr id="3" name="Content Placeholder 2">
-            <a:extLst>
-              <a:ext uri="{FF2B5EF4-FFF2-40B4-BE49-F238E27FC236}">
-                <a16:creationId xmlns:a16="http://schemas.microsoft.com/office/drawing/2014/main" id="{9A9537E6-6FB9-466A-B754-CCAF99CD4D43}"/>
-              </a:ext>
-            </a:extLst>
-          </p:cNvPr>
-          <p:cNvSpPr>
-            <a:spLocks noGrp="1"/>
-          </p:cNvSpPr>
-          <p:nvPr>
-            <p:ph sz="half" idx="1"/>
-          </p:nvPr>
-        </p:nvSpPr>
-        <p:spPr>
-          <a:xfrm>
-            <a:off x="609611" y="2888250"/>
-            <a:ext cx="5164656" cy="3245850"/>
-          </a:xfrm>
-        </p:spPr>
-        <p:txBody>
-          <a:bodyPr anchor="t">
-            <a:normAutofit/>
-          </a:bodyPr>
-          <a:lstStyle/>
-          <a:p>
-            <a:pPr marL="0" indent="0" algn="ctr">
-              <a:buNone/>
+              <a:t>New Order</a:t>
+            </a:r>
+          </a:p>
+          <a:p>
+            <a:pPr indent="-228600">
+              <a:buFont typeface="Arial" panose="020B0604020202020204" pitchFamily="34" charset="0"/>
+              <a:buChar char="•"/>
             </a:pPr>
-            <a:r>
-              <a:rPr lang="en-US" sz="2400" u="sng" dirty="0"/>
-              <a:t>Architectural Goals and Constraints</a:t>
-            </a:r>
-          </a:p>
-          <a:p>
-            <a:pPr marL="0" indent="0" algn="ctr">
-              <a:buNone/>
-            </a:pPr>
-            <a:endParaRPr lang="en-US" sz="2000" dirty="0"/>
-          </a:p>
-          <a:p>
-            <a:pPr lvl="1"/>
-            <a:r>
-              <a:rPr lang="en-US" sz="1800" dirty="0"/>
-              <a:t>High performance interface that can handle multiple personnel use at the same time</a:t>
-            </a:r>
-          </a:p>
-          <a:p>
-            <a:pPr marL="457200" lvl="1" indent="0">
-              <a:buNone/>
-            </a:pPr>
-            <a:endParaRPr lang="en-US" sz="1800" dirty="0"/>
-          </a:p>
-          <a:p>
-            <a:pPr lvl="1"/>
-            <a:r>
-              <a:rPr lang="en-US" sz="1800" dirty="0"/>
-              <a:t>Database is dependable, showing order updates in real time</a:t>
-            </a:r>
-          </a:p>
-          <a:p>
-            <a:pPr marL="457200" lvl="1" indent="0">
-              <a:buNone/>
-            </a:pPr>
-            <a:endParaRPr lang="en-US" sz="1800" dirty="0"/>
-          </a:p>
-          <a:p>
-            <a:pPr lvl="1"/>
-            <a:r>
-              <a:rPr lang="en-US" sz="1800" dirty="0"/>
-              <a:t>Security of the system is up-to-date ensuring protection of employee and customer data</a:t>
-            </a:r>
-          </a:p>
-          <a:p>
-            <a:pPr marL="0" indent="0">
-              <a:buNone/>
-            </a:pPr>
-            <a:endParaRPr lang="en-US" sz="1900" dirty="0"/>
-          </a:p>
-        </p:txBody>
-      </p:sp>
-      <p:sp>
-        <p:nvSpPr>
-          <p:cNvPr id="4" name="Content Placeholder 3">
-            <a:extLst>
-              <a:ext uri="{FF2B5EF4-FFF2-40B4-BE49-F238E27FC236}">
-                <a16:creationId xmlns:a16="http://schemas.microsoft.com/office/drawing/2014/main" id="{C8483B10-4AB3-4AA8-934B-13C675AADC42}"/>
-              </a:ext>
-            </a:extLst>
-          </p:cNvPr>
-          <p:cNvSpPr>
-            <a:spLocks noGrp="1"/>
-          </p:cNvSpPr>
-          <p:nvPr>
-            <p:ph sz="half" idx="2"/>
-          </p:nvPr>
-        </p:nvSpPr>
-        <p:spPr>
-          <a:xfrm>
-            <a:off x="6417730" y="2888250"/>
-            <a:ext cx="5164653" cy="3245850"/>
-          </a:xfrm>
-        </p:spPr>
-        <p:txBody>
-          <a:bodyPr anchor="t">
-            <a:normAutofit/>
-          </a:bodyPr>
-          <a:lstStyle/>
-          <a:p>
-            <a:pPr marL="0" indent="0" algn="ctr">
-              <a:buNone/>
-            </a:pPr>
-            <a:r>
-              <a:rPr lang="en-US" sz="2400" u="sng" dirty="0"/>
-              <a:t>Use Case View</a:t>
-            </a:r>
-          </a:p>
-          <a:p>
-            <a:pPr lvl="0"/>
-            <a:r>
-              <a:rPr lang="en-US" sz="1700" dirty="0"/>
-              <a:t>Describes the sequences of iterations between objects and between processes.</a:t>
-            </a:r>
-          </a:p>
-          <a:p>
-            <a:pPr lvl="1">
-              <a:buFont typeface="Courier New" panose="02070309020205020404" pitchFamily="49" charset="0"/>
-              <a:buChar char="o"/>
-            </a:pPr>
-            <a:r>
-              <a:rPr lang="en-US" sz="1700" b="1" dirty="0"/>
-              <a:t>Event Planner</a:t>
-            </a:r>
-            <a:r>
-              <a:rPr lang="en-US" sz="1700" dirty="0"/>
-              <a:t>: creates new customer and a new order connected to that customer</a:t>
-            </a:r>
-          </a:p>
-          <a:p>
-            <a:pPr marL="457200" lvl="1" indent="0">
-              <a:buNone/>
-            </a:pPr>
-            <a:endParaRPr lang="en-US" sz="1700" dirty="0"/>
-          </a:p>
-          <a:p>
-            <a:pPr lvl="1">
-              <a:buFont typeface="Courier New" panose="02070309020205020404" pitchFamily="49" charset="0"/>
-              <a:buChar char="o"/>
-            </a:pPr>
-            <a:r>
-              <a:rPr lang="en-US" sz="1700" b="1" dirty="0"/>
-              <a:t>Kitchen Staff</a:t>
-            </a:r>
-            <a:r>
-              <a:rPr lang="en-US" sz="1700" dirty="0"/>
-              <a:t>: accesses all orders through the order list for production</a:t>
-            </a:r>
-          </a:p>
-          <a:p>
-            <a:pPr lvl="1"/>
-            <a:endParaRPr lang="en-US" sz="1700" b="1" dirty="0"/>
-          </a:p>
-          <a:p>
-            <a:pPr lvl="1">
-              <a:buFont typeface="Courier New" panose="02070309020205020404" pitchFamily="49" charset="0"/>
-              <a:buChar char="o"/>
-            </a:pPr>
-            <a:r>
-              <a:rPr lang="en-US" sz="1700" b="1" dirty="0"/>
-              <a:t>Delivery Driver</a:t>
-            </a:r>
-            <a:r>
-              <a:rPr lang="en-US" sz="1700" dirty="0"/>
-              <a:t>: accesses all orders through order list for delivery times</a:t>
-            </a:r>
-          </a:p>
-          <a:p>
-            <a:pPr marL="0" indent="0">
-              <a:buNone/>
-            </a:pPr>
-            <a:endParaRPr lang="en-US" sz="1700" dirty="0"/>
+            <a:endParaRPr lang="en-US" sz="2000" dirty="0">
+              <a:solidFill>
+                <a:schemeClr val="bg1"/>
+              </a:solidFill>
+            </a:endParaRPr>
           </a:p>
         </p:txBody>
       </p:sp>
     </p:spTree>
     <p:extLst>
       <p:ext uri="{BB962C8B-B14F-4D97-AF65-F5344CB8AC3E}">
-        <p14:creationId xmlns:p14="http://schemas.microsoft.com/office/powerpoint/2010/main" val="2965451406"/>
+        <p14:creationId xmlns:p14="http://schemas.microsoft.com/office/powerpoint/2010/main" val="3722839326"/>
       </p:ext>
     </p:extLst>
   </p:cSld>
@@ -5160,13 +4125,13 @@
 </p:sld>
 </file>
 
-<file path=ppt/slides/slide14.xml><?xml version="1.0" encoding="utf-8"?>
+<file path=ppt/slides/slide11.xml><?xml version="1.0" encoding="utf-8"?>
 <p:sld xmlns:a="http://schemas.openxmlformats.org/drawingml/2006/main" xmlns:r="http://schemas.openxmlformats.org/officeDocument/2006/relationships" xmlns:p="http://schemas.openxmlformats.org/presentationml/2006/main">
   <p:cSld>
     <p:bg>
       <p:bgPr>
         <a:solidFill>
-          <a:schemeClr val="bg2"/>
+          <a:schemeClr val="bg1"/>
         </a:solidFill>
         <a:effectLst/>
       </p:bgPr>
@@ -5187,10 +4152,10 @@
       </p:grpSpPr>
       <p:sp>
         <p:nvSpPr>
-          <p:cNvPr id="9" name="Rectangle 8">
-            <a:extLst>
-              <a:ext uri="{FF2B5EF4-FFF2-40B4-BE49-F238E27FC236}">
-                <a16:creationId xmlns:a16="http://schemas.microsoft.com/office/drawing/2014/main" id="{1E214AA7-F028-4A0D-8698-61AEC754D1BC}"/>
+          <p:cNvPr id="24" name="Rectangle 23">
+            <a:extLst>
+              <a:ext uri="{FF2B5EF4-FFF2-40B4-BE49-F238E27FC236}">
+                <a16:creationId xmlns:a16="http://schemas.microsoft.com/office/drawing/2014/main" id="{823AC064-BC96-4F32-8AE1-B2FD38754823}"/>
               </a:ext>
             </a:extLst>
           </p:cNvPr>
@@ -5205,19 +4170,27 @@
             </p:extLst>
           </p:nvPr>
         </p:nvSpPr>
-        <p:spPr>
-          <a:xfrm>
-            <a:off x="0" y="1"/>
-            <a:ext cx="12192000" cy="1598340"/>
+        <p:spPr bwMode="ltGray">
+          <a:xfrm>
+            <a:off x="378068" y="4633546"/>
+            <a:ext cx="11438793" cy="1844256"/>
           </a:xfrm>
           <a:prstGeom prst="rect">
             <a:avLst/>
           </a:prstGeom>
           <a:solidFill>
-            <a:srgbClr val="595959"/>
+            <a:schemeClr val="tx1">
+              <a:lumMod val="75000"/>
+              <a:lumOff val="25000"/>
+            </a:schemeClr>
           </a:solidFill>
-          <a:ln>
-            <a:noFill/>
+          <a:ln w="127000" cap="sq" cmpd="thinThick">
+            <a:solidFill>
+              <a:schemeClr val="tx1">
+                <a:lumMod val="75000"/>
+                <a:lumOff val="25000"/>
+              </a:schemeClr>
+            </a:solidFill>
           </a:ln>
         </p:spPr>
         <p:style>
@@ -5276,10 +4249,10 @@
       </p:sp>
       <p:cxnSp>
         <p:nvCxnSpPr>
-          <p:cNvPr id="11" name="Straight Connector 10">
-            <a:extLst>
-              <a:ext uri="{FF2B5EF4-FFF2-40B4-BE49-F238E27FC236}">
-                <a16:creationId xmlns:a16="http://schemas.microsoft.com/office/drawing/2014/main" id="{D6206FDC-2777-4D7F-AF9C-73413DA664C9}"/>
+          <p:cNvPr id="26" name="Straight Connector 25">
+            <a:extLst>
+              <a:ext uri="{FF2B5EF4-FFF2-40B4-BE49-F238E27FC236}">
+                <a16:creationId xmlns:a16="http://schemas.microsoft.com/office/drawing/2014/main" id="{7E7C77BC-7138-40B1-A15B-20F57A494629}"/>
               </a:ext>
             </a:extLst>
           </p:cNvPr>
@@ -5296,15 +4269,17 @@
         </p:nvCxnSpPr>
         <p:spPr>
           <a:xfrm>
-            <a:off x="6096000" y="2888250"/>
-            <a:ext cx="0" cy="2769135"/>
+            <a:off x="2209800" y="5738691"/>
+            <a:ext cx="7772400" cy="0"/>
           </a:xfrm>
           <a:prstGeom prst="line">
             <a:avLst/>
           </a:prstGeom>
-          <a:ln w="19050">
+          <a:ln w="22225">
             <a:solidFill>
-              <a:srgbClr val="7F7F7F"/>
+              <a:schemeClr val="bg1">
+                <a:lumMod val="85000"/>
+              </a:schemeClr>
             </a:solidFill>
           </a:ln>
         </p:spPr>
@@ -5323,12 +4298,43 @@
           </a:fontRef>
         </p:style>
       </p:cxnSp>
+      <p:pic>
+        <p:nvPicPr>
+          <p:cNvPr id="5" name="Content Placeholder 4" descr="A screenshot of a video game&#10;&#10;Description generated with high confidence">
+            <a:extLst>
+              <a:ext uri="{FF2B5EF4-FFF2-40B4-BE49-F238E27FC236}">
+                <a16:creationId xmlns:a16="http://schemas.microsoft.com/office/drawing/2014/main" id="{E8C91A4F-490D-4C2C-8B07-61AFC24CE098}"/>
+              </a:ext>
+            </a:extLst>
+          </p:cNvPr>
+          <p:cNvPicPr>
+            <a:picLocks noGrp="1"/>
+          </p:cNvPicPr>
+          <p:nvPr>
+            <p:ph idx="1"/>
+          </p:nvPr>
+        </p:nvPicPr>
+        <p:blipFill rotWithShape="1">
+          <a:blip r:embed="rId2"/>
+          <a:srcRect l="8279" r="2060" b="-4"/>
+          <a:stretch/>
+        </p:blipFill>
+        <p:spPr>
+          <a:xfrm>
+            <a:off x="2633612" y="307731"/>
+            <a:ext cx="6869676" cy="3997637"/>
+          </a:xfrm>
+          <a:prstGeom prst="rect">
+            <a:avLst/>
+          </a:prstGeom>
+        </p:spPr>
+      </p:pic>
       <p:sp>
         <p:nvSpPr>
           <p:cNvPr id="2" name="Title 1">
             <a:extLst>
               <a:ext uri="{FF2B5EF4-FFF2-40B4-BE49-F238E27FC236}">
-                <a16:creationId xmlns:a16="http://schemas.microsoft.com/office/drawing/2014/main" id="{0D24370A-ED09-4EC6-9193-E780C6CC711A}"/>
+                <a16:creationId xmlns:a16="http://schemas.microsoft.com/office/drawing/2014/main" id="{A3D65958-3D33-4705-9C83-6092BEA0285E}"/>
               </a:ext>
             </a:extLst>
           </p:cNvPr>
@@ -5341,43 +4347,37 @@
         </p:nvSpPr>
         <p:spPr>
           <a:xfrm>
-            <a:off x="1159933" y="995318"/>
-            <a:ext cx="9872134" cy="1193968"/>
-          </a:xfrm>
-          <a:solidFill>
-            <a:srgbClr val="FFFFFF"/>
-          </a:solidFill>
-          <a:ln w="38100">
-            <a:solidFill>
-              <a:srgbClr val="595959"/>
-            </a:solidFill>
-            <a:miter lim="800000"/>
-          </a:ln>
-        </p:spPr>
-        <p:txBody>
-          <a:bodyPr>
+            <a:off x="527538" y="4756638"/>
+            <a:ext cx="11139854" cy="930447"/>
+          </a:xfrm>
+        </p:spPr>
+        <p:txBody>
+          <a:bodyPr vert="horz" lIns="91440" tIns="45720" rIns="91440" bIns="45720" rtlCol="0" anchor="b">
             <a:normAutofit/>
           </a:bodyPr>
           <a:lstStyle/>
           <a:p>
             <a:pPr algn="ctr"/>
             <a:r>
-              <a:rPr lang="en-US" sz="3600">
+              <a:rPr lang="en-US" sz="5400" kern="1200">
                 <a:solidFill>
-                  <a:srgbClr val="3F3F3F"/>
+                  <a:schemeClr val="bg1"/>
                 </a:solidFill>
+                <a:latin typeface="+mj-lt"/>
+                <a:ea typeface="+mj-ea"/>
+                <a:cs typeface="+mj-cs"/>
               </a:rPr>
-              <a:t>Software Architecture Document</a:t>
-            </a:r>
-          </a:p>
-        </p:txBody>
-      </p:sp>
-      <p:sp>
-        <p:nvSpPr>
-          <p:cNvPr id="3" name="Content Placeholder 2">
-            <a:extLst>
-              <a:ext uri="{FF2B5EF4-FFF2-40B4-BE49-F238E27FC236}">
-                <a16:creationId xmlns:a16="http://schemas.microsoft.com/office/drawing/2014/main" id="{0732045E-185F-497A-9968-9E0EF7243A4E}"/>
+              <a:t>Polymorphism</a:t>
+            </a:r>
+          </a:p>
+        </p:txBody>
+      </p:sp>
+      <p:sp>
+        <p:nvSpPr>
+          <p:cNvPr id="4" name="Text Placeholder 3">
+            <a:extLst>
+              <a:ext uri="{FF2B5EF4-FFF2-40B4-BE49-F238E27FC236}">
+                <a16:creationId xmlns:a16="http://schemas.microsoft.com/office/drawing/2014/main" id="{828F79D3-4B1D-4D5F-8AE2-ED75197B915F}"/>
               </a:ext>
             </a:extLst>
           </p:cNvPr>
@@ -5385,163 +4385,32 @@
             <a:spLocks noGrp="1"/>
           </p:cNvSpPr>
           <p:nvPr>
-            <p:ph sz="half" idx="1"/>
-          </p:nvPr>
-        </p:nvSpPr>
-        <p:spPr>
-          <a:xfrm>
-            <a:off x="371477" y="2888250"/>
-            <a:ext cx="5402790" cy="3169650"/>
-          </a:xfrm>
-        </p:spPr>
-        <p:txBody>
-          <a:bodyPr anchor="t">
+            <p:ph type="body" sz="half" idx="2"/>
+          </p:nvPr>
+        </p:nvSpPr>
+        <p:spPr>
+          <a:xfrm>
+            <a:off x="1339362" y="5815698"/>
+            <a:ext cx="9144000" cy="420001"/>
+          </a:xfrm>
+        </p:spPr>
+        <p:txBody>
+          <a:bodyPr vert="horz" lIns="91440" tIns="45720" rIns="91440" bIns="45720" rtlCol="0">
             <a:normAutofit/>
           </a:bodyPr>
           <a:lstStyle/>
           <a:p>
-            <a:pPr marL="0" indent="0" algn="ctr">
-              <a:buNone/>
-            </a:pPr>
-            <a:r>
-              <a:rPr lang="en-US" u="sng" dirty="0"/>
-              <a:t>Logical View</a:t>
-            </a:r>
-          </a:p>
-          <a:p>
-            <a:pPr lvl="0"/>
-            <a:r>
-              <a:rPr lang="en-US" sz="1600" dirty="0"/>
-              <a:t>As shown in the Design Model, the management system is made up of several packages including</a:t>
-            </a:r>
-          </a:p>
-          <a:p>
-            <a:pPr marL="0" lvl="0" indent="0">
-              <a:buNone/>
-            </a:pPr>
-            <a:endParaRPr lang="en-US" sz="1050" dirty="0"/>
-          </a:p>
-          <a:p>
-            <a:pPr lvl="1"/>
-            <a:r>
-              <a:rPr lang="en-US" sz="1600" b="1" dirty="0"/>
-              <a:t>Employees</a:t>
-            </a:r>
-            <a:r>
-              <a:rPr lang="en-US" sz="1600" dirty="0"/>
-              <a:t>: Event Planner, Kitchen Staff, Delivery Drivers</a:t>
-            </a:r>
-          </a:p>
-          <a:p>
-            <a:pPr lvl="1"/>
-            <a:r>
-              <a:rPr lang="en-US" sz="1600" b="1" dirty="0"/>
-              <a:t>Customer</a:t>
-            </a:r>
-            <a:r>
-              <a:rPr lang="en-US" sz="1600" dirty="0"/>
-              <a:t>: Person purchasing the product</a:t>
-            </a:r>
-          </a:p>
-          <a:p>
-            <a:pPr lvl="1"/>
-            <a:r>
-              <a:rPr lang="en-US" sz="1600" b="1" dirty="0"/>
-              <a:t>Item</a:t>
-            </a:r>
-            <a:r>
-              <a:rPr lang="en-US" sz="1600" dirty="0"/>
-              <a:t>: Item to be added to the order</a:t>
-            </a:r>
-          </a:p>
-          <a:p>
-            <a:pPr lvl="1"/>
-            <a:r>
-              <a:rPr lang="en-US" sz="1600" b="1" dirty="0"/>
-              <a:t>Order</a:t>
-            </a:r>
-            <a:r>
-              <a:rPr lang="en-US" sz="1600" dirty="0"/>
-              <a:t>: A single order for one customer</a:t>
-            </a:r>
-          </a:p>
-          <a:p>
-            <a:pPr lvl="1"/>
-            <a:r>
-              <a:rPr lang="en-US" sz="1600" b="1" dirty="0" err="1"/>
-              <a:t>OrderList</a:t>
-            </a:r>
-            <a:r>
-              <a:rPr lang="en-US" sz="1600" dirty="0"/>
-              <a:t>: A list of all orders in the system</a:t>
-            </a:r>
-          </a:p>
-          <a:p>
-            <a:pPr marL="0" indent="0">
-              <a:buNone/>
-            </a:pPr>
-            <a:endParaRPr lang="en-US" sz="1600" dirty="0"/>
-          </a:p>
-        </p:txBody>
-      </p:sp>
-      <p:sp>
-        <p:nvSpPr>
-          <p:cNvPr id="4" name="Content Placeholder 3">
-            <a:extLst>
-              <a:ext uri="{FF2B5EF4-FFF2-40B4-BE49-F238E27FC236}">
-                <a16:creationId xmlns:a16="http://schemas.microsoft.com/office/drawing/2014/main" id="{B356AB43-2645-4208-A05E-B09453412512}"/>
-              </a:ext>
-            </a:extLst>
-          </p:cNvPr>
-          <p:cNvSpPr>
-            <a:spLocks noGrp="1"/>
-          </p:cNvSpPr>
-          <p:nvPr>
-            <p:ph sz="half" idx="2"/>
-          </p:nvPr>
-        </p:nvSpPr>
-        <p:spPr>
-          <a:xfrm>
-            <a:off x="6417731" y="2888250"/>
-            <a:ext cx="4292594" cy="2959778"/>
-          </a:xfrm>
-        </p:spPr>
-        <p:txBody>
-          <a:bodyPr anchor="t">
-            <a:normAutofit/>
-          </a:bodyPr>
-          <a:lstStyle/>
-          <a:p>
-            <a:pPr marL="0" indent="0" algn="ctr">
-              <a:buNone/>
-            </a:pPr>
-            <a:r>
-              <a:rPr lang="en-US" sz="2400" u="sng" dirty="0"/>
-              <a:t>Process View</a:t>
-            </a:r>
-          </a:p>
-          <a:p>
-            <a:r>
-              <a:rPr lang="en-US" sz="1600" dirty="0"/>
-              <a:t>Deals with the dynamic aspects of the system and how each process communicates with each other</a:t>
-            </a:r>
-          </a:p>
-          <a:p>
-            <a:endParaRPr lang="en-US" sz="1900" dirty="0"/>
-          </a:p>
-          <a:p>
-            <a:pPr marL="0" indent="0" algn="ctr">
-              <a:buNone/>
-            </a:pPr>
-            <a:r>
-              <a:rPr lang="en-US" sz="2400" u="sng" dirty="0"/>
-              <a:t>Deployment View</a:t>
-            </a:r>
-          </a:p>
-          <a:p>
-            <a:r>
-              <a:rPr lang="en-US" sz="1600" dirty="0"/>
-              <a:t>Physical deployment of processes and components to processing nodes, and network configuration between nodes</a:t>
+            <a:pPr algn="ctr"/>
+            <a:r>
+              <a:rPr lang="en-US" sz="1900" kern="1200" dirty="0">
+                <a:solidFill>
+                  <a:srgbClr val="77CBEF"/>
+                </a:solidFill>
+                <a:latin typeface="+mn-lt"/>
+                <a:ea typeface="+mn-ea"/>
+                <a:cs typeface="+mn-cs"/>
+              </a:rPr>
+              <a:t>Each of the employee objects contain the same attributes, demonstrating polymorphism</a:t>
             </a:r>
           </a:p>
         </p:txBody>
@@ -5549,7 +4418,7 @@
     </p:spTree>
     <p:extLst>
       <p:ext uri="{BB962C8B-B14F-4D97-AF65-F5344CB8AC3E}">
-        <p14:creationId xmlns:p14="http://schemas.microsoft.com/office/powerpoint/2010/main" val="3292016548"/>
+        <p14:creationId xmlns:p14="http://schemas.microsoft.com/office/powerpoint/2010/main" val="1423275958"/>
       </p:ext>
     </p:extLst>
   </p:cSld>
@@ -5559,7 +4428,7 @@
 </p:sld>
 </file>
 
-<file path=ppt/slides/slide15.xml><?xml version="1.0" encoding="utf-8"?>
+<file path=ppt/slides/slide12.xml><?xml version="1.0" encoding="utf-8"?>
 <p:sld xmlns:a="http://schemas.openxmlformats.org/drawingml/2006/main" xmlns:r="http://schemas.openxmlformats.org/officeDocument/2006/relationships" xmlns:p="http://schemas.openxmlformats.org/presentationml/2006/main">
   <p:cSld>
     <p:bg>
@@ -5584,42 +4453,12 @@
           <a:chExt cx="0" cy="0"/>
         </a:xfrm>
       </p:grpSpPr>
-      <p:pic>
-        <p:nvPicPr>
-          <p:cNvPr id="2" name="Picture 1" descr="A screenshot of a cell phone&#10;&#10;Description generated with very high confidence">
-            <a:extLst>
-              <a:ext uri="{FF2B5EF4-FFF2-40B4-BE49-F238E27FC236}">
-                <a16:creationId xmlns:a16="http://schemas.microsoft.com/office/drawing/2014/main" id="{75D00979-8F5E-42CB-8570-3F4BABADE5CA}"/>
-              </a:ext>
-            </a:extLst>
-          </p:cNvPr>
-          <p:cNvPicPr>
-            <a:picLocks noChangeAspect="1"/>
-          </p:cNvPicPr>
-          <p:nvPr/>
-        </p:nvPicPr>
-        <p:blipFill>
-          <a:blip r:embed="rId2"/>
-          <a:stretch>
-            <a:fillRect/>
-          </a:stretch>
-        </p:blipFill>
-        <p:spPr>
-          <a:xfrm>
-            <a:off x="5153822" y="729634"/>
-            <a:ext cx="6553545" cy="5406674"/>
-          </a:xfrm>
-          <a:prstGeom prst="rect">
-            <a:avLst/>
-          </a:prstGeom>
-        </p:spPr>
-      </p:pic>
-      <p:sp>
-        <p:nvSpPr>
-          <p:cNvPr id="37" name="Rectangle 33">
-            <a:extLst>
-              <a:ext uri="{FF2B5EF4-FFF2-40B4-BE49-F238E27FC236}">
-                <a16:creationId xmlns:a16="http://schemas.microsoft.com/office/drawing/2014/main" id="{AB45A142-4255-493C-8284-5D566C121B10}"/>
+      <p:sp>
+        <p:nvSpPr>
+          <p:cNvPr id="24" name="Rectangle 23">
+            <a:extLst>
+              <a:ext uri="{FF2B5EF4-FFF2-40B4-BE49-F238E27FC236}">
+                <a16:creationId xmlns:a16="http://schemas.microsoft.com/office/drawing/2014/main" id="{823AC064-BC96-4F32-8AE1-B2FD38754823}"/>
               </a:ext>
             </a:extLst>
           </p:cNvPr>
@@ -5636,8 +4475,8 @@
         </p:nvSpPr>
         <p:spPr bwMode="ltGray">
           <a:xfrm>
-            <a:off x="336884" y="321177"/>
-            <a:ext cx="4332307" cy="6179552"/>
+            <a:off x="378068" y="4633546"/>
+            <a:ext cx="11438793" cy="1844256"/>
           </a:xfrm>
           <a:prstGeom prst="rect">
             <a:avLst/>
@@ -5677,17 +4516,46 @@
           <a:bodyPr rtlCol="0" anchor="ctr"/>
           <a:lstStyle/>
           <a:p>
-            <a:pPr algn="ctr"/>
-            <a:endParaRPr lang="en-US"/>
+            <a:pPr marL="0" marR="0" lvl="0" indent="0" algn="ctr" defTabSz="914400" rtl="0" eaLnBrk="1" fontAlgn="auto" latinLnBrk="0" hangingPunct="1">
+              <a:lnSpc>
+                <a:spcPct val="100000"/>
+              </a:lnSpc>
+              <a:spcBef>
+                <a:spcPts val="0"/>
+              </a:spcBef>
+              <a:spcAft>
+                <a:spcPts val="0"/>
+              </a:spcAft>
+              <a:buClrTx/>
+              <a:buSzTx/>
+              <a:buFontTx/>
+              <a:buNone/>
+              <a:tabLst/>
+              <a:defRPr/>
+            </a:pPr>
+            <a:endParaRPr kumimoji="0" lang="en-US" sz="1800" b="0" i="0" u="none" strike="noStrike" kern="1200" cap="none" spc="0" normalizeH="0" baseline="0" noProof="0">
+              <a:ln>
+                <a:noFill/>
+              </a:ln>
+              <a:solidFill>
+                <a:prstClr val="white"/>
+              </a:solidFill>
+              <a:effectLst/>
+              <a:uLnTx/>
+              <a:uFillTx/>
+              <a:latin typeface="Calibri" panose="020F0502020204030204"/>
+              <a:ea typeface="+mn-ea"/>
+              <a:cs typeface="+mn-cs"/>
+            </a:endParaRPr>
           </a:p>
         </p:txBody>
       </p:sp>
       <p:cxnSp>
         <p:nvCxnSpPr>
-          <p:cNvPr id="36" name="Straight Connector 35">
-            <a:extLst>
-              <a:ext uri="{FF2B5EF4-FFF2-40B4-BE49-F238E27FC236}">
-                <a16:creationId xmlns:a16="http://schemas.microsoft.com/office/drawing/2014/main" id="{38FB9660-F42F-4313-BBC4-47C007FE484C}"/>
+          <p:cNvPr id="26" name="Straight Connector 25">
+            <a:extLst>
+              <a:ext uri="{FF2B5EF4-FFF2-40B4-BE49-F238E27FC236}">
+                <a16:creationId xmlns:a16="http://schemas.microsoft.com/office/drawing/2014/main" id="{7E7C77BC-7138-40B1-A15B-20F57A494629}"/>
               </a:ext>
             </a:extLst>
           </p:cNvPr>
@@ -5704,8 +4572,8 @@
         </p:nvCxnSpPr>
         <p:spPr>
           <a:xfrm>
-            <a:off x="1191126" y="3910267"/>
-            <a:ext cx="2586790" cy="0"/>
+            <a:off x="2209800" y="5738691"/>
+            <a:ext cx="7772400" cy="0"/>
           </a:xfrm>
           <a:prstGeom prst="line">
             <a:avLst/>
@@ -5735,10 +4603,393 @@
       </p:cxnSp>
       <p:sp>
         <p:nvSpPr>
-          <p:cNvPr id="4" name="Title 3">
-            <a:extLst>
-              <a:ext uri="{FF2B5EF4-FFF2-40B4-BE49-F238E27FC236}">
-                <a16:creationId xmlns:a16="http://schemas.microsoft.com/office/drawing/2014/main" id="{72F68B4A-D559-45B4-8B54-9FDB7655AC11}"/>
+          <p:cNvPr id="2" name="Title 1">
+            <a:extLst>
+              <a:ext uri="{FF2B5EF4-FFF2-40B4-BE49-F238E27FC236}">
+                <a16:creationId xmlns:a16="http://schemas.microsoft.com/office/drawing/2014/main" id="{A3D65958-3D33-4705-9C83-6092BEA0285E}"/>
+              </a:ext>
+            </a:extLst>
+          </p:cNvPr>
+          <p:cNvSpPr>
+            <a:spLocks noGrp="1"/>
+          </p:cNvSpPr>
+          <p:nvPr>
+            <p:ph type="title"/>
+          </p:nvPr>
+        </p:nvSpPr>
+        <p:spPr>
+          <a:xfrm>
+            <a:off x="527538" y="4756638"/>
+            <a:ext cx="11139854" cy="816957"/>
+          </a:xfrm>
+        </p:spPr>
+        <p:txBody>
+          <a:bodyPr vert="horz" lIns="91440" tIns="45720" rIns="91440" bIns="45720" rtlCol="0" anchor="b">
+            <a:normAutofit fontScale="90000"/>
+          </a:bodyPr>
+          <a:lstStyle/>
+          <a:p>
+            <a:pPr algn="ctr"/>
+            <a:r>
+              <a:rPr lang="en-US" sz="5400" dirty="0">
+                <a:solidFill>
+                  <a:schemeClr val="bg1"/>
+                </a:solidFill>
+              </a:rPr>
+              <a:t>Singleton</a:t>
+            </a:r>
+            <a:endParaRPr lang="en-US" sz="5400" kern="1200" dirty="0">
+              <a:solidFill>
+                <a:schemeClr val="bg1"/>
+              </a:solidFill>
+              <a:latin typeface="+mj-lt"/>
+              <a:ea typeface="+mj-ea"/>
+              <a:cs typeface="+mj-cs"/>
+            </a:endParaRPr>
+          </a:p>
+        </p:txBody>
+      </p:sp>
+      <p:sp>
+        <p:nvSpPr>
+          <p:cNvPr id="4" name="Text Placeholder 3">
+            <a:extLst>
+              <a:ext uri="{FF2B5EF4-FFF2-40B4-BE49-F238E27FC236}">
+                <a16:creationId xmlns:a16="http://schemas.microsoft.com/office/drawing/2014/main" id="{828F79D3-4B1D-4D5F-8AE2-ED75197B915F}"/>
+              </a:ext>
+            </a:extLst>
+          </p:cNvPr>
+          <p:cNvSpPr>
+            <a:spLocks noGrp="1"/>
+          </p:cNvSpPr>
+          <p:nvPr>
+            <p:ph type="body" sz="half" idx="2"/>
+          </p:nvPr>
+        </p:nvSpPr>
+        <p:spPr>
+          <a:xfrm>
+            <a:off x="1410383" y="5815702"/>
+            <a:ext cx="9144000" cy="662100"/>
+          </a:xfrm>
+        </p:spPr>
+        <p:txBody>
+          <a:bodyPr vert="horz" lIns="91440" tIns="45720" rIns="91440" bIns="45720" rtlCol="0">
+            <a:noAutofit/>
+          </a:bodyPr>
+          <a:lstStyle/>
+          <a:p>
+            <a:pPr algn="ctr"/>
+            <a:r>
+              <a:rPr lang="en-US" sz="1900" kern="1200" dirty="0" err="1">
+                <a:solidFill>
+                  <a:srgbClr val="77CBEF"/>
+                </a:solidFill>
+                <a:latin typeface="+mn-lt"/>
+                <a:ea typeface="+mn-ea"/>
+                <a:cs typeface="+mn-cs"/>
+              </a:rPr>
+              <a:t>Orderlist</a:t>
+            </a:r>
+            <a:r>
+              <a:rPr lang="en-US" sz="1900" kern="1200" dirty="0">
+                <a:solidFill>
+                  <a:srgbClr val="77CBEF"/>
+                </a:solidFill>
+                <a:latin typeface="+mn-lt"/>
+                <a:ea typeface="+mn-ea"/>
+                <a:cs typeface="+mn-cs"/>
+              </a:rPr>
+              <a:t> is a singleton of the system. This sole instance is easily accessible by the kitchen staff and delivery drivers</a:t>
+            </a:r>
+          </a:p>
+        </p:txBody>
+      </p:sp>
+      <p:pic>
+        <p:nvPicPr>
+          <p:cNvPr id="12" name="Content Placeholder 7">
+            <a:extLst>
+              <a:ext uri="{FF2B5EF4-FFF2-40B4-BE49-F238E27FC236}">
+                <a16:creationId xmlns:a16="http://schemas.microsoft.com/office/drawing/2014/main" id="{D1AEAB60-949B-41C3-B508-B405DC4BF089}"/>
+              </a:ext>
+            </a:extLst>
+          </p:cNvPr>
+          <p:cNvPicPr>
+            <a:picLocks noGrp="1" noChangeAspect="1"/>
+          </p:cNvPicPr>
+          <p:nvPr>
+            <p:ph idx="1"/>
+          </p:nvPr>
+        </p:nvPicPr>
+        <p:blipFill>
+          <a:blip r:embed="rId2"/>
+          <a:stretch>
+            <a:fillRect/>
+          </a:stretch>
+        </p:blipFill>
+        <p:spPr>
+          <a:xfrm>
+            <a:off x="1709958" y="377351"/>
+            <a:ext cx="9032595" cy="3929177"/>
+          </a:xfrm>
+          <a:prstGeom prst="rect">
+            <a:avLst/>
+          </a:prstGeom>
+          <a:effectLst/>
+        </p:spPr>
+      </p:pic>
+    </p:spTree>
+    <p:extLst>
+      <p:ext uri="{BB962C8B-B14F-4D97-AF65-F5344CB8AC3E}">
+        <p14:creationId xmlns:p14="http://schemas.microsoft.com/office/powerpoint/2010/main" val="3917728451"/>
+      </p:ext>
+    </p:extLst>
+  </p:cSld>
+  <p:clrMapOvr>
+    <a:masterClrMapping/>
+  </p:clrMapOvr>
+</p:sld>
+</file>
+
+<file path=ppt/slides/slide13.xml><?xml version="1.0" encoding="utf-8"?>
+<p:sld xmlns:a="http://schemas.openxmlformats.org/drawingml/2006/main" xmlns:r="http://schemas.openxmlformats.org/officeDocument/2006/relationships" xmlns:p="http://schemas.openxmlformats.org/presentationml/2006/main">
+  <p:cSld>
+    <p:bg>
+      <p:bgPr>
+        <a:solidFill>
+          <a:schemeClr val="bg1">
+            <a:tint val="95000"/>
+            <a:satMod val="170000"/>
+          </a:schemeClr>
+        </a:solidFill>
+        <a:effectLst/>
+      </p:bgPr>
+    </p:bg>
+    <p:spTree>
+      <p:nvGrpSpPr>
+        <p:cNvPr id="1" name=""/>
+        <p:cNvGrpSpPr/>
+        <p:nvPr/>
+      </p:nvGrpSpPr>
+      <p:grpSpPr>
+        <a:xfrm>
+          <a:off x="0" y="0"/>
+          <a:ext cx="0" cy="0"/>
+          <a:chOff x="0" y="0"/>
+          <a:chExt cx="0" cy="0"/>
+        </a:xfrm>
+      </p:grpSpPr>
+      <p:sp>
+        <p:nvSpPr>
+          <p:cNvPr id="10" name="Rectangle 9">
+            <a:extLst>
+              <a:ext uri="{FF2B5EF4-FFF2-40B4-BE49-F238E27FC236}">
+                <a16:creationId xmlns:a16="http://schemas.microsoft.com/office/drawing/2014/main" id="{F73FCEB7-CD02-4399-BA74-12D9191D6F72}"/>
+              </a:ext>
+            </a:extLst>
+          </p:cNvPr>
+          <p:cNvSpPr>
+            <a:spLocks noGrp="1" noRot="1" noChangeAspect="1" noMove="1" noResize="1" noEditPoints="1" noAdjustHandles="1" noChangeArrowheads="1" noChangeShapeType="1" noTextEdit="1"/>
+          </p:cNvSpPr>
+          <p:nvPr>
+            <p:extLst>
+              <p:ext uri="{386F3935-93C4-4BCD-93E2-E3B085C9AB24}">
+                <p16:designElem xmlns:p16="http://schemas.microsoft.com/office/powerpoint/2015/main" val="1"/>
+              </p:ext>
+            </p:extLst>
+          </p:nvPr>
+        </p:nvSpPr>
+        <p:spPr>
+          <a:xfrm>
+            <a:off x="0" y="0"/>
+            <a:ext cx="12192000" cy="6858000"/>
+          </a:xfrm>
+          <a:prstGeom prst="rect">
+            <a:avLst/>
+          </a:prstGeom>
+          <a:solidFill>
+            <a:srgbClr val="FFFFFF"/>
+          </a:solidFill>
+          <a:ln>
+            <a:noFill/>
+          </a:ln>
+        </p:spPr>
+        <p:style>
+          <a:lnRef idx="2">
+            <a:schemeClr val="accent1">
+              <a:shade val="50000"/>
+            </a:schemeClr>
+          </a:lnRef>
+          <a:fillRef idx="1">
+            <a:schemeClr val="accent1"/>
+          </a:fillRef>
+          <a:effectRef idx="0">
+            <a:schemeClr val="accent1"/>
+          </a:effectRef>
+          <a:fontRef idx="minor">
+            <a:schemeClr val="lt1"/>
+          </a:fontRef>
+        </p:style>
+        <p:txBody>
+          <a:bodyPr rtlCol="0" anchor="ctr"/>
+          <a:lstStyle/>
+          <a:p>
+            <a:pPr algn="ctr"/>
+            <a:endParaRPr lang="en-US"/>
+          </a:p>
+        </p:txBody>
+      </p:sp>
+      <p:pic>
+        <p:nvPicPr>
+          <p:cNvPr id="5" name="Content Placeholder 4">
+            <a:extLst>
+              <a:ext uri="{FF2B5EF4-FFF2-40B4-BE49-F238E27FC236}">
+                <a16:creationId xmlns:a16="http://schemas.microsoft.com/office/drawing/2014/main" id="{52F1BE77-81C2-4B66-93B8-B46673905F69}"/>
+              </a:ext>
+            </a:extLst>
+          </p:cNvPr>
+          <p:cNvPicPr>
+            <a:picLocks noGrp="1" noChangeAspect="1"/>
+          </p:cNvPicPr>
+          <p:nvPr>
+            <p:ph idx="1"/>
+          </p:nvPr>
+        </p:nvPicPr>
+        <p:blipFill>
+          <a:blip r:embed="rId2"/>
+          <a:stretch>
+            <a:fillRect/>
+          </a:stretch>
+        </p:blipFill>
+        <p:spPr>
+          <a:xfrm>
+            <a:off x="5792025" y="492573"/>
+            <a:ext cx="5277138" cy="5880796"/>
+          </a:xfrm>
+          <a:prstGeom prst="rect">
+            <a:avLst/>
+          </a:prstGeom>
+        </p:spPr>
+      </p:pic>
+      <p:sp>
+        <p:nvSpPr>
+          <p:cNvPr id="12" name="Rectangle 11">
+            <a:extLst>
+              <a:ext uri="{FF2B5EF4-FFF2-40B4-BE49-F238E27FC236}">
+                <a16:creationId xmlns:a16="http://schemas.microsoft.com/office/drawing/2014/main" id="{AB45A142-4255-493C-8284-5D566C121B10}"/>
+              </a:ext>
+            </a:extLst>
+          </p:cNvPr>
+          <p:cNvSpPr>
+            <a:spLocks noGrp="1" noRot="1" noChangeAspect="1" noMove="1" noResize="1" noEditPoints="1" noAdjustHandles="1" noChangeArrowheads="1" noChangeShapeType="1" noTextEdit="1"/>
+          </p:cNvSpPr>
+          <p:nvPr>
+            <p:extLst>
+              <p:ext uri="{386F3935-93C4-4BCD-93E2-E3B085C9AB24}">
+                <p16:designElem xmlns:p16="http://schemas.microsoft.com/office/powerpoint/2015/main" val="1"/>
+              </p:ext>
+            </p:extLst>
+          </p:nvPr>
+        </p:nvSpPr>
+        <p:spPr bwMode="ltGray">
+          <a:xfrm>
+            <a:off x="336884" y="321177"/>
+            <a:ext cx="4332307" cy="6179552"/>
+          </a:xfrm>
+          <a:prstGeom prst="rect">
+            <a:avLst/>
+          </a:prstGeom>
+          <a:solidFill>
+            <a:srgbClr val="404040">
+              <a:alpha val="89804"/>
+            </a:srgbClr>
+          </a:solidFill>
+          <a:ln w="127000" cap="sq" cmpd="thinThick">
+            <a:solidFill>
+              <a:srgbClr val="595959">
+                <a:alpha val="80000"/>
+              </a:srgbClr>
+            </a:solidFill>
+          </a:ln>
+        </p:spPr>
+        <p:style>
+          <a:lnRef idx="2">
+            <a:schemeClr val="accent1">
+              <a:shade val="50000"/>
+            </a:schemeClr>
+          </a:lnRef>
+          <a:fillRef idx="1">
+            <a:schemeClr val="accent1"/>
+          </a:fillRef>
+          <a:effectRef idx="0">
+            <a:schemeClr val="accent1"/>
+          </a:effectRef>
+          <a:fontRef idx="minor">
+            <a:schemeClr val="lt1"/>
+          </a:fontRef>
+        </p:style>
+        <p:txBody>
+          <a:bodyPr rtlCol="0" anchor="ctr"/>
+          <a:lstStyle/>
+          <a:p>
+            <a:pPr algn="ctr"/>
+            <a:endParaRPr lang="en-US"/>
+          </a:p>
+        </p:txBody>
+      </p:sp>
+      <p:cxnSp>
+        <p:nvCxnSpPr>
+          <p:cNvPr id="14" name="Straight Connector 13">
+            <a:extLst>
+              <a:ext uri="{FF2B5EF4-FFF2-40B4-BE49-F238E27FC236}">
+                <a16:creationId xmlns:a16="http://schemas.microsoft.com/office/drawing/2014/main" id="{38FB9660-F42F-4313-BBC4-47C007FE484C}"/>
+              </a:ext>
+            </a:extLst>
+          </p:cNvPr>
+          <p:cNvCxnSpPr>
+            <a:cxnSpLocks noGrp="1" noRot="1" noChangeAspect="1" noMove="1" noResize="1" noEditPoints="1" noAdjustHandles="1" noChangeArrowheads="1" noChangeShapeType="1"/>
+          </p:cNvCxnSpPr>
+          <p:nvPr>
+            <p:extLst>
+              <p:ext uri="{386F3935-93C4-4BCD-93E2-E3B085C9AB24}">
+                <p16:designElem xmlns:p16="http://schemas.microsoft.com/office/powerpoint/2015/main" val="1"/>
+              </p:ext>
+            </p:extLst>
+          </p:nvPr>
+        </p:nvCxnSpPr>
+        <p:spPr>
+          <a:xfrm>
+            <a:off x="1191126" y="3910267"/>
+            <a:ext cx="2586790" cy="0"/>
+          </a:xfrm>
+          <a:prstGeom prst="line">
+            <a:avLst/>
+          </a:prstGeom>
+          <a:ln w="22225">
+            <a:solidFill>
+              <a:srgbClr val="D9D9D9"/>
+            </a:solidFill>
+          </a:ln>
+        </p:spPr>
+        <p:style>
+          <a:lnRef idx="1">
+            <a:schemeClr val="accent1"/>
+          </a:lnRef>
+          <a:fillRef idx="0">
+            <a:schemeClr val="accent1"/>
+          </a:fillRef>
+          <a:effectRef idx="0">
+            <a:schemeClr val="accent1"/>
+          </a:effectRef>
+          <a:fontRef idx="minor">
+            <a:schemeClr val="tx1"/>
+          </a:fontRef>
+        </p:style>
+      </p:cxnSp>
+      <p:sp>
+        <p:nvSpPr>
+          <p:cNvPr id="2" name="Title 1">
+            <a:extLst>
+              <a:ext uri="{FF2B5EF4-FFF2-40B4-BE49-F238E27FC236}">
+                <a16:creationId xmlns:a16="http://schemas.microsoft.com/office/drawing/2014/main" id="{56DA51A7-CBCA-47F5-BA7B-A426EB690FCA}"/>
               </a:ext>
             </a:extLst>
           </p:cNvPr>
@@ -5756,7 +5007,7 @@
           </a:xfrm>
         </p:spPr>
         <p:txBody>
-          <a:bodyPr vert="horz" lIns="91440" tIns="45720" rIns="91440" bIns="45720" rtlCol="0" anchor="b" anchorCtr="1">
+          <a:bodyPr vert="horz" lIns="91440" tIns="45720" rIns="91440" bIns="45720" rtlCol="0" anchor="b">
             <a:normAutofit/>
           </a:bodyPr>
           <a:lstStyle/>
@@ -5765,13 +5016,56 @@
             <a:r>
               <a:rPr lang="en-US" sz="4800" kern="1200">
                 <a:solidFill>
-                  <a:schemeClr val="bg1"/>
+                  <a:srgbClr val="FFFFFF"/>
                 </a:solidFill>
                 <a:latin typeface="+mj-lt"/>
                 <a:ea typeface="+mj-ea"/>
                 <a:cs typeface="+mj-cs"/>
               </a:rPr>
-              <a:t>Data Model </a:t>
+              <a:t>Creator</a:t>
+            </a:r>
+          </a:p>
+        </p:txBody>
+      </p:sp>
+      <p:sp>
+        <p:nvSpPr>
+          <p:cNvPr id="4" name="Text Placeholder 3">
+            <a:extLst>
+              <a:ext uri="{FF2B5EF4-FFF2-40B4-BE49-F238E27FC236}">
+                <a16:creationId xmlns:a16="http://schemas.microsoft.com/office/drawing/2014/main" id="{C827138F-6D0A-4FED-9856-BF7F5471455C}"/>
+              </a:ext>
+            </a:extLst>
+          </p:cNvPr>
+          <p:cNvSpPr>
+            <a:spLocks noGrp="1"/>
+          </p:cNvSpPr>
+          <p:nvPr>
+            <p:ph type="body" sz="half" idx="2"/>
+          </p:nvPr>
+        </p:nvSpPr>
+        <p:spPr>
+          <a:xfrm>
+            <a:off x="674237" y="4170501"/>
+            <a:ext cx="3657600" cy="1525597"/>
+          </a:xfrm>
+        </p:spPr>
+        <p:txBody>
+          <a:bodyPr vert="horz" lIns="91440" tIns="45720" rIns="91440" bIns="45720" rtlCol="0">
+            <a:normAutofit/>
+          </a:bodyPr>
+          <a:lstStyle/>
+          <a:p>
+            <a:pPr algn="ctr"/>
+            <a:r>
+              <a:rPr lang="en-US" sz="2000" kern="1200" dirty="0">
+                <a:solidFill>
+                  <a:srgbClr val="FFFFFF"/>
+                </a:solidFill>
+                <a:latin typeface="+mn-lt"/>
+                <a:ea typeface="+mn-ea"/>
+                <a:cs typeface="+mn-cs"/>
+              </a:rPr>
+              <a:t>Event Planner is the creates new Customers and new Orders </a:t>
             </a:r>
           </a:p>
         </p:txBody>
@@ -5779,7 +5073,700 @@
     </p:spTree>
     <p:extLst>
       <p:ext uri="{BB962C8B-B14F-4D97-AF65-F5344CB8AC3E}">
-        <p14:creationId xmlns:p14="http://schemas.microsoft.com/office/powerpoint/2010/main" val="1250211582"/>
+        <p14:creationId xmlns:p14="http://schemas.microsoft.com/office/powerpoint/2010/main" val="3554324465"/>
+      </p:ext>
+    </p:extLst>
+  </p:cSld>
+  <p:clrMapOvr>
+    <a:overrideClrMapping bg1="dk1" tx1="lt1" bg2="dk2" tx2="lt2" accent1="accent1" accent2="accent2" accent3="accent3" accent4="accent4" accent5="accent5" accent6="accent6" hlink="hlink" folHlink="folHlink"/>
+  </p:clrMapOvr>
+</p:sld>
+</file>
+
+<file path=ppt/slides/slide14.xml><?xml version="1.0" encoding="utf-8"?>
+<p:sld xmlns:a="http://schemas.openxmlformats.org/drawingml/2006/main" xmlns:r="http://schemas.openxmlformats.org/officeDocument/2006/relationships" xmlns:p="http://schemas.openxmlformats.org/presentationml/2006/main">
+  <p:cSld>
+    <p:bg>
+      <p:bgPr>
+        <a:solidFill>
+          <a:schemeClr val="bg1">
+            <a:tint val="95000"/>
+            <a:satMod val="170000"/>
+          </a:schemeClr>
+        </a:solidFill>
+        <a:effectLst/>
+      </p:bgPr>
+    </p:bg>
+    <p:spTree>
+      <p:nvGrpSpPr>
+        <p:cNvPr id="1" name=""/>
+        <p:cNvGrpSpPr/>
+        <p:nvPr/>
+      </p:nvGrpSpPr>
+      <p:grpSpPr>
+        <a:xfrm>
+          <a:off x="0" y="0"/>
+          <a:ext cx="0" cy="0"/>
+          <a:chOff x="0" y="0"/>
+          <a:chExt cx="0" cy="0"/>
+        </a:xfrm>
+      </p:grpSpPr>
+      <p:sp>
+        <p:nvSpPr>
+          <p:cNvPr id="21" name="Rectangle 20">
+            <a:extLst>
+              <a:ext uri="{FF2B5EF4-FFF2-40B4-BE49-F238E27FC236}">
+                <a16:creationId xmlns:a16="http://schemas.microsoft.com/office/drawing/2014/main" id="{F73FCEB7-CD02-4399-BA74-12D9191D6F72}"/>
+              </a:ext>
+            </a:extLst>
+          </p:cNvPr>
+          <p:cNvSpPr>
+            <a:spLocks noGrp="1" noRot="1" noChangeAspect="1" noMove="1" noResize="1" noEditPoints="1" noAdjustHandles="1" noChangeArrowheads="1" noChangeShapeType="1" noTextEdit="1"/>
+          </p:cNvSpPr>
+          <p:nvPr>
+            <p:extLst>
+              <p:ext uri="{386F3935-93C4-4BCD-93E2-E3B085C9AB24}">
+                <p16:designElem xmlns:p16="http://schemas.microsoft.com/office/powerpoint/2015/main" val="1"/>
+              </p:ext>
+            </p:extLst>
+          </p:nvPr>
+        </p:nvSpPr>
+        <p:spPr>
+          <a:xfrm>
+            <a:off x="0" y="0"/>
+            <a:ext cx="12192000" cy="6858000"/>
+          </a:xfrm>
+          <a:prstGeom prst="rect">
+            <a:avLst/>
+          </a:prstGeom>
+          <a:solidFill>
+            <a:srgbClr val="FFFFFF"/>
+          </a:solidFill>
+          <a:ln>
+            <a:noFill/>
+          </a:ln>
+        </p:spPr>
+        <p:style>
+          <a:lnRef idx="2">
+            <a:schemeClr val="accent1">
+              <a:shade val="50000"/>
+            </a:schemeClr>
+          </a:lnRef>
+          <a:fillRef idx="1">
+            <a:schemeClr val="accent1"/>
+          </a:fillRef>
+          <a:effectRef idx="0">
+            <a:schemeClr val="accent1"/>
+          </a:effectRef>
+          <a:fontRef idx="minor">
+            <a:schemeClr val="lt1"/>
+          </a:fontRef>
+        </p:style>
+        <p:txBody>
+          <a:bodyPr rtlCol="0" anchor="ctr"/>
+          <a:lstStyle/>
+          <a:p>
+            <a:pPr algn="ctr"/>
+            <a:endParaRPr lang="en-US"/>
+          </a:p>
+        </p:txBody>
+      </p:sp>
+      <p:pic>
+        <p:nvPicPr>
+          <p:cNvPr id="5" name="Content Placeholder 4" descr="A screenshot of a cell phone&#10;&#10;Description generated with very high confidence">
+            <a:extLst>
+              <a:ext uri="{FF2B5EF4-FFF2-40B4-BE49-F238E27FC236}">
+                <a16:creationId xmlns:a16="http://schemas.microsoft.com/office/drawing/2014/main" id="{ED35977B-2660-4A55-8CC4-4BF5B0DCC780}"/>
+              </a:ext>
+            </a:extLst>
+          </p:cNvPr>
+          <p:cNvPicPr>
+            <a:picLocks noGrp="1" noChangeAspect="1"/>
+          </p:cNvPicPr>
+          <p:nvPr>
+            <p:ph idx="1"/>
+          </p:nvPr>
+        </p:nvPicPr>
+        <p:blipFill>
+          <a:blip r:embed="rId2"/>
+          <a:stretch>
+            <a:fillRect/>
+          </a:stretch>
+        </p:blipFill>
+        <p:spPr>
+          <a:xfrm>
+            <a:off x="5153822" y="1991191"/>
+            <a:ext cx="6553545" cy="2883559"/>
+          </a:xfrm>
+          <a:prstGeom prst="rect">
+            <a:avLst/>
+          </a:prstGeom>
+        </p:spPr>
+      </p:pic>
+      <p:sp>
+        <p:nvSpPr>
+          <p:cNvPr id="23" name="Rectangle 22">
+            <a:extLst>
+              <a:ext uri="{FF2B5EF4-FFF2-40B4-BE49-F238E27FC236}">
+                <a16:creationId xmlns:a16="http://schemas.microsoft.com/office/drawing/2014/main" id="{AB45A142-4255-493C-8284-5D566C121B10}"/>
+              </a:ext>
+            </a:extLst>
+          </p:cNvPr>
+          <p:cNvSpPr>
+            <a:spLocks noGrp="1" noRot="1" noChangeAspect="1" noMove="1" noResize="1" noEditPoints="1" noAdjustHandles="1" noChangeArrowheads="1" noChangeShapeType="1" noTextEdit="1"/>
+          </p:cNvSpPr>
+          <p:nvPr>
+            <p:extLst>
+              <p:ext uri="{386F3935-93C4-4BCD-93E2-E3B085C9AB24}">
+                <p16:designElem xmlns:p16="http://schemas.microsoft.com/office/powerpoint/2015/main" val="1"/>
+              </p:ext>
+            </p:extLst>
+          </p:nvPr>
+        </p:nvSpPr>
+        <p:spPr bwMode="ltGray">
+          <a:xfrm>
+            <a:off x="336884" y="321177"/>
+            <a:ext cx="4332307" cy="6179552"/>
+          </a:xfrm>
+          <a:prstGeom prst="rect">
+            <a:avLst/>
+          </a:prstGeom>
+          <a:solidFill>
+            <a:srgbClr val="404040">
+              <a:alpha val="89804"/>
+            </a:srgbClr>
+          </a:solidFill>
+          <a:ln w="127000" cap="sq" cmpd="thinThick">
+            <a:solidFill>
+              <a:srgbClr val="595959">
+                <a:alpha val="80000"/>
+              </a:srgbClr>
+            </a:solidFill>
+          </a:ln>
+        </p:spPr>
+        <p:style>
+          <a:lnRef idx="2">
+            <a:schemeClr val="accent1">
+              <a:shade val="50000"/>
+            </a:schemeClr>
+          </a:lnRef>
+          <a:fillRef idx="1">
+            <a:schemeClr val="accent1"/>
+          </a:fillRef>
+          <a:effectRef idx="0">
+            <a:schemeClr val="accent1"/>
+          </a:effectRef>
+          <a:fontRef idx="minor">
+            <a:schemeClr val="lt1"/>
+          </a:fontRef>
+        </p:style>
+        <p:txBody>
+          <a:bodyPr rtlCol="0" anchor="ctr"/>
+          <a:lstStyle/>
+          <a:p>
+            <a:pPr algn="ctr"/>
+            <a:endParaRPr lang="en-US"/>
+          </a:p>
+        </p:txBody>
+      </p:sp>
+      <p:cxnSp>
+        <p:nvCxnSpPr>
+          <p:cNvPr id="25" name="Straight Connector 24">
+            <a:extLst>
+              <a:ext uri="{FF2B5EF4-FFF2-40B4-BE49-F238E27FC236}">
+                <a16:creationId xmlns:a16="http://schemas.microsoft.com/office/drawing/2014/main" id="{38FB9660-F42F-4313-BBC4-47C007FE484C}"/>
+              </a:ext>
+            </a:extLst>
+          </p:cNvPr>
+          <p:cNvCxnSpPr>
+            <a:cxnSpLocks noGrp="1" noRot="1" noChangeAspect="1" noMove="1" noResize="1" noEditPoints="1" noAdjustHandles="1" noChangeArrowheads="1" noChangeShapeType="1"/>
+          </p:cNvCxnSpPr>
+          <p:nvPr>
+            <p:extLst>
+              <p:ext uri="{386F3935-93C4-4BCD-93E2-E3B085C9AB24}">
+                <p16:designElem xmlns:p16="http://schemas.microsoft.com/office/powerpoint/2015/main" val="1"/>
+              </p:ext>
+            </p:extLst>
+          </p:nvPr>
+        </p:nvCxnSpPr>
+        <p:spPr>
+          <a:xfrm>
+            <a:off x="1191126" y="3910267"/>
+            <a:ext cx="2586790" cy="0"/>
+          </a:xfrm>
+          <a:prstGeom prst="line">
+            <a:avLst/>
+          </a:prstGeom>
+          <a:ln w="22225">
+            <a:solidFill>
+              <a:srgbClr val="D9D9D9"/>
+            </a:solidFill>
+          </a:ln>
+        </p:spPr>
+        <p:style>
+          <a:lnRef idx="1">
+            <a:schemeClr val="accent1"/>
+          </a:lnRef>
+          <a:fillRef idx="0">
+            <a:schemeClr val="accent1"/>
+          </a:fillRef>
+          <a:effectRef idx="0">
+            <a:schemeClr val="accent1"/>
+          </a:effectRef>
+          <a:fontRef idx="minor">
+            <a:schemeClr val="tx1"/>
+          </a:fontRef>
+        </p:style>
+      </p:cxnSp>
+      <p:sp>
+        <p:nvSpPr>
+          <p:cNvPr id="2" name="Title 1">
+            <a:extLst>
+              <a:ext uri="{FF2B5EF4-FFF2-40B4-BE49-F238E27FC236}">
+                <a16:creationId xmlns:a16="http://schemas.microsoft.com/office/drawing/2014/main" id="{9DC5EF67-FB75-432E-A070-087C6E3B0697}"/>
+              </a:ext>
+            </a:extLst>
+          </p:cNvPr>
+          <p:cNvSpPr>
+            <a:spLocks noGrp="1"/>
+          </p:cNvSpPr>
+          <p:nvPr>
+            <p:ph type="title"/>
+          </p:nvPr>
+        </p:nvSpPr>
+        <p:spPr>
+          <a:xfrm>
+            <a:off x="674237" y="914400"/>
+            <a:ext cx="3657600" cy="2887579"/>
+          </a:xfrm>
+        </p:spPr>
+        <p:txBody>
+          <a:bodyPr vert="horz" lIns="91440" tIns="45720" rIns="91440" bIns="45720" rtlCol="0" anchor="b">
+            <a:normAutofit/>
+          </a:bodyPr>
+          <a:lstStyle/>
+          <a:p>
+            <a:pPr algn="ctr"/>
+            <a:r>
+              <a:rPr lang="en-US" sz="4800" kern="1200">
+                <a:solidFill>
+                  <a:srgbClr val="FFFFFF"/>
+                </a:solidFill>
+                <a:latin typeface="+mj-lt"/>
+                <a:ea typeface="+mj-ea"/>
+                <a:cs typeface="+mj-cs"/>
+              </a:rPr>
+              <a:t>Information Expert</a:t>
+            </a:r>
+          </a:p>
+        </p:txBody>
+      </p:sp>
+      <p:sp>
+        <p:nvSpPr>
+          <p:cNvPr id="4" name="Text Placeholder 3">
+            <a:extLst>
+              <a:ext uri="{FF2B5EF4-FFF2-40B4-BE49-F238E27FC236}">
+                <a16:creationId xmlns:a16="http://schemas.microsoft.com/office/drawing/2014/main" id="{38DC9A36-1990-47EE-A6D5-CEFB89F7A750}"/>
+              </a:ext>
+            </a:extLst>
+          </p:cNvPr>
+          <p:cNvSpPr>
+            <a:spLocks noGrp="1"/>
+          </p:cNvSpPr>
+          <p:nvPr>
+            <p:ph type="body" sz="half" idx="2"/>
+          </p:nvPr>
+        </p:nvSpPr>
+        <p:spPr>
+          <a:xfrm>
+            <a:off x="674237" y="4170501"/>
+            <a:ext cx="3657600" cy="1525597"/>
+          </a:xfrm>
+        </p:spPr>
+        <p:txBody>
+          <a:bodyPr vert="horz" lIns="91440" tIns="45720" rIns="91440" bIns="45720" rtlCol="0">
+            <a:normAutofit/>
+          </a:bodyPr>
+          <a:lstStyle/>
+          <a:p>
+            <a:pPr algn="ctr"/>
+            <a:r>
+              <a:rPr lang="en-US" sz="2000" kern="1200">
+                <a:solidFill>
+                  <a:srgbClr val="FFFFFF"/>
+                </a:solidFill>
+                <a:latin typeface="+mn-lt"/>
+                <a:ea typeface="+mn-ea"/>
+                <a:cs typeface="+mn-cs"/>
+              </a:rPr>
+              <a:t>Order is the Information Expert for OrderList. </a:t>
+            </a:r>
+          </a:p>
+        </p:txBody>
+      </p:sp>
+    </p:spTree>
+    <p:extLst>
+      <p:ext uri="{BB962C8B-B14F-4D97-AF65-F5344CB8AC3E}">
+        <p14:creationId xmlns:p14="http://schemas.microsoft.com/office/powerpoint/2010/main" val="1357002157"/>
+      </p:ext>
+    </p:extLst>
+  </p:cSld>
+  <p:clrMapOvr>
+    <a:overrideClrMapping bg1="dk1" tx1="lt1" bg2="dk2" tx2="lt2" accent1="accent1" accent2="accent2" accent3="accent3" accent4="accent4" accent5="accent5" accent6="accent6" hlink="hlink" folHlink="folHlink"/>
+  </p:clrMapOvr>
+</p:sld>
+</file>
+
+<file path=ppt/slides/slide15.xml><?xml version="1.0" encoding="utf-8"?>
+<p:sld xmlns:a="http://schemas.openxmlformats.org/drawingml/2006/main" xmlns:r="http://schemas.openxmlformats.org/officeDocument/2006/relationships" xmlns:p="http://schemas.openxmlformats.org/presentationml/2006/main">
+  <p:cSld>
+    <p:bg>
+      <p:bgPr>
+        <a:solidFill>
+          <a:schemeClr val="bg2"/>
+        </a:solidFill>
+        <a:effectLst/>
+      </p:bgPr>
+    </p:bg>
+    <p:spTree>
+      <p:nvGrpSpPr>
+        <p:cNvPr id="1" name=""/>
+        <p:cNvGrpSpPr/>
+        <p:nvPr/>
+      </p:nvGrpSpPr>
+      <p:grpSpPr>
+        <a:xfrm>
+          <a:off x="0" y="0"/>
+          <a:ext cx="0" cy="0"/>
+          <a:chOff x="0" y="0"/>
+          <a:chExt cx="0" cy="0"/>
+        </a:xfrm>
+      </p:grpSpPr>
+      <p:sp>
+        <p:nvSpPr>
+          <p:cNvPr id="13" name="Rectangle 8">
+            <a:extLst>
+              <a:ext uri="{FF2B5EF4-FFF2-40B4-BE49-F238E27FC236}">
+                <a16:creationId xmlns:a16="http://schemas.microsoft.com/office/drawing/2014/main" id="{1E214AA7-F028-4A0D-8698-61AEC754D1BC}"/>
+              </a:ext>
+            </a:extLst>
+          </p:cNvPr>
+          <p:cNvSpPr>
+            <a:spLocks noGrp="1" noRot="1" noChangeAspect="1" noMove="1" noResize="1" noEditPoints="1" noAdjustHandles="1" noChangeArrowheads="1" noChangeShapeType="1" noTextEdit="1"/>
+          </p:cNvSpPr>
+          <p:nvPr>
+            <p:extLst>
+              <p:ext uri="{386F3935-93C4-4BCD-93E2-E3B085C9AB24}">
+                <p16:designElem xmlns:p16="http://schemas.microsoft.com/office/powerpoint/2015/main" val="1"/>
+              </p:ext>
+            </p:extLst>
+          </p:nvPr>
+        </p:nvSpPr>
+        <p:spPr>
+          <a:xfrm>
+            <a:off x="0" y="1"/>
+            <a:ext cx="12192000" cy="1598340"/>
+          </a:xfrm>
+          <a:prstGeom prst="rect">
+            <a:avLst/>
+          </a:prstGeom>
+          <a:solidFill>
+            <a:srgbClr val="595959"/>
+          </a:solidFill>
+          <a:ln>
+            <a:noFill/>
+          </a:ln>
+        </p:spPr>
+        <p:style>
+          <a:lnRef idx="2">
+            <a:schemeClr val="accent1">
+              <a:shade val="50000"/>
+            </a:schemeClr>
+          </a:lnRef>
+          <a:fillRef idx="1">
+            <a:schemeClr val="accent1"/>
+          </a:fillRef>
+          <a:effectRef idx="0">
+            <a:schemeClr val="accent1"/>
+          </a:effectRef>
+          <a:fontRef idx="minor">
+            <a:schemeClr val="lt1"/>
+          </a:fontRef>
+        </p:style>
+        <p:txBody>
+          <a:bodyPr rtlCol="0" anchor="ctr"/>
+          <a:lstStyle/>
+          <a:p>
+            <a:pPr marL="0" marR="0" lvl="0" indent="0" algn="ctr" defTabSz="914400" rtl="0" eaLnBrk="1" fontAlgn="auto" latinLnBrk="0" hangingPunct="1">
+              <a:lnSpc>
+                <a:spcPct val="100000"/>
+              </a:lnSpc>
+              <a:spcBef>
+                <a:spcPts val="0"/>
+              </a:spcBef>
+              <a:spcAft>
+                <a:spcPts val="0"/>
+              </a:spcAft>
+              <a:buClrTx/>
+              <a:buSzTx/>
+              <a:buFontTx/>
+              <a:buNone/>
+              <a:tabLst/>
+              <a:defRPr/>
+            </a:pPr>
+            <a:endParaRPr kumimoji="0" lang="en-US" sz="1800" b="0" i="0" u="none" strike="noStrike" kern="1200" cap="none" spc="0" normalizeH="0" baseline="0" noProof="0">
+              <a:ln>
+                <a:noFill/>
+              </a:ln>
+              <a:solidFill>
+                <a:prstClr val="white"/>
+              </a:solidFill>
+              <a:effectLst/>
+              <a:uLnTx/>
+              <a:uFillTx/>
+              <a:latin typeface="Calibri" panose="020F0502020204030204"/>
+              <a:ea typeface="+mn-ea"/>
+              <a:cs typeface="+mn-cs"/>
+            </a:endParaRPr>
+          </a:p>
+        </p:txBody>
+      </p:sp>
+      <p:cxnSp>
+        <p:nvCxnSpPr>
+          <p:cNvPr id="14" name="Straight Connector 10">
+            <a:extLst>
+              <a:ext uri="{FF2B5EF4-FFF2-40B4-BE49-F238E27FC236}">
+                <a16:creationId xmlns:a16="http://schemas.microsoft.com/office/drawing/2014/main" id="{D6206FDC-2777-4D7F-AF9C-73413DA664C9}"/>
+              </a:ext>
+            </a:extLst>
+          </p:cNvPr>
+          <p:cNvCxnSpPr>
+            <a:cxnSpLocks noGrp="1" noRot="1" noChangeAspect="1" noMove="1" noResize="1" noEditPoints="1" noAdjustHandles="1" noChangeArrowheads="1" noChangeShapeType="1"/>
+          </p:cNvCxnSpPr>
+          <p:nvPr>
+            <p:extLst>
+              <p:ext uri="{386F3935-93C4-4BCD-93E2-E3B085C9AB24}">
+                <p16:designElem xmlns:p16="http://schemas.microsoft.com/office/powerpoint/2015/main" val="1"/>
+              </p:ext>
+            </p:extLst>
+          </p:nvPr>
+        </p:nvCxnSpPr>
+        <p:spPr>
+          <a:xfrm>
+            <a:off x="6096000" y="2888250"/>
+            <a:ext cx="0" cy="2769135"/>
+          </a:xfrm>
+          <a:prstGeom prst="line">
+            <a:avLst/>
+          </a:prstGeom>
+          <a:ln w="19050">
+            <a:solidFill>
+              <a:srgbClr val="7F7F7F"/>
+            </a:solidFill>
+          </a:ln>
+        </p:spPr>
+        <p:style>
+          <a:lnRef idx="1">
+            <a:schemeClr val="accent1"/>
+          </a:lnRef>
+          <a:fillRef idx="0">
+            <a:schemeClr val="accent1"/>
+          </a:fillRef>
+          <a:effectRef idx="0">
+            <a:schemeClr val="accent1"/>
+          </a:effectRef>
+          <a:fontRef idx="minor">
+            <a:schemeClr val="tx1"/>
+          </a:fontRef>
+        </p:style>
+      </p:cxnSp>
+      <p:sp>
+        <p:nvSpPr>
+          <p:cNvPr id="2" name="Title 1">
+            <a:extLst>
+              <a:ext uri="{FF2B5EF4-FFF2-40B4-BE49-F238E27FC236}">
+                <a16:creationId xmlns:a16="http://schemas.microsoft.com/office/drawing/2014/main" id="{AF943B46-0DF4-4A70-A248-45220F67ED32}"/>
+              </a:ext>
+            </a:extLst>
+          </p:cNvPr>
+          <p:cNvSpPr>
+            <a:spLocks noGrp="1"/>
+          </p:cNvSpPr>
+          <p:nvPr>
+            <p:ph type="title"/>
+          </p:nvPr>
+        </p:nvSpPr>
+        <p:spPr>
+          <a:xfrm>
+            <a:off x="1159933" y="995318"/>
+            <a:ext cx="9872134" cy="1193968"/>
+          </a:xfrm>
+          <a:solidFill>
+            <a:srgbClr val="FFFFFF"/>
+          </a:solidFill>
+          <a:ln w="38100">
+            <a:solidFill>
+              <a:srgbClr val="595959"/>
+            </a:solidFill>
+            <a:miter lim="800000"/>
+          </a:ln>
+        </p:spPr>
+        <p:txBody>
+          <a:bodyPr>
+            <a:normAutofit/>
+          </a:bodyPr>
+          <a:lstStyle/>
+          <a:p>
+            <a:pPr algn="ctr"/>
+            <a:r>
+              <a:rPr lang="en-US" sz="3600">
+                <a:solidFill>
+                  <a:srgbClr val="3F3F3F"/>
+                </a:solidFill>
+              </a:rPr>
+              <a:t>Software Architecture Document</a:t>
+            </a:r>
+          </a:p>
+        </p:txBody>
+      </p:sp>
+      <p:sp>
+        <p:nvSpPr>
+          <p:cNvPr id="3" name="Content Placeholder 2">
+            <a:extLst>
+              <a:ext uri="{FF2B5EF4-FFF2-40B4-BE49-F238E27FC236}">
+                <a16:creationId xmlns:a16="http://schemas.microsoft.com/office/drawing/2014/main" id="{592A064E-C4A3-4617-9DB0-C0A253C57339}"/>
+              </a:ext>
+            </a:extLst>
+          </p:cNvPr>
+          <p:cNvSpPr>
+            <a:spLocks noGrp="1"/>
+          </p:cNvSpPr>
+          <p:nvPr>
+            <p:ph sz="half" idx="1"/>
+          </p:nvPr>
+        </p:nvSpPr>
+        <p:spPr>
+          <a:xfrm>
+            <a:off x="619133" y="2888250"/>
+            <a:ext cx="5229198" cy="3560175"/>
+          </a:xfrm>
+        </p:spPr>
+        <p:txBody>
+          <a:bodyPr anchor="t">
+            <a:normAutofit/>
+          </a:bodyPr>
+          <a:lstStyle/>
+          <a:p>
+            <a:pPr marL="457200" lvl="1" indent="0" algn="ctr">
+              <a:buNone/>
+            </a:pPr>
+            <a:r>
+              <a:rPr lang="en-US" sz="2800" u="sng" dirty="0"/>
+              <a:t>Introduction</a:t>
+            </a:r>
+          </a:p>
+          <a:p>
+            <a:pPr marL="457200" lvl="1" indent="0">
+              <a:buNone/>
+            </a:pPr>
+            <a:endParaRPr lang="en-US" sz="1700" dirty="0"/>
+          </a:p>
+          <a:p>
+            <a:pPr lvl="1"/>
+            <a:r>
+              <a:rPr lang="en-US" sz="1700" b="1" dirty="0"/>
+              <a:t>Vision:</a:t>
+            </a:r>
+            <a:r>
+              <a:rPr lang="en-US" sz="1700" dirty="0"/>
+              <a:t> Create a management system to process catering orders and organize them in a way for multiple employees to access and use them.</a:t>
+            </a:r>
+          </a:p>
+          <a:p>
+            <a:pPr marL="457200" lvl="1" indent="0">
+              <a:buNone/>
+            </a:pPr>
+            <a:endParaRPr lang="en-US" sz="1700" dirty="0"/>
+          </a:p>
+          <a:p>
+            <a:pPr lvl="1"/>
+            <a:r>
+              <a:rPr lang="en-US" sz="1700" b="1" dirty="0"/>
+              <a:t>Scope:</a:t>
+            </a:r>
+            <a:r>
+              <a:rPr lang="en-US" sz="1700" dirty="0"/>
+              <a:t> The system will allow for orders to be organized in a database where the information can be accessed by other users of the system.</a:t>
+            </a:r>
+          </a:p>
+          <a:p>
+            <a:pPr marL="0" indent="0">
+              <a:buNone/>
+            </a:pPr>
+            <a:endParaRPr lang="en-US" sz="1700" dirty="0"/>
+          </a:p>
+        </p:txBody>
+      </p:sp>
+      <p:sp>
+        <p:nvSpPr>
+          <p:cNvPr id="4" name="Content Placeholder 3">
+            <a:extLst>
+              <a:ext uri="{FF2B5EF4-FFF2-40B4-BE49-F238E27FC236}">
+                <a16:creationId xmlns:a16="http://schemas.microsoft.com/office/drawing/2014/main" id="{9BEF5FC3-467B-4017-A53C-717994A9AB95}"/>
+              </a:ext>
+            </a:extLst>
+          </p:cNvPr>
+          <p:cNvSpPr>
+            <a:spLocks noGrp="1"/>
+          </p:cNvSpPr>
+          <p:nvPr>
+            <p:ph sz="half" idx="2"/>
+          </p:nvPr>
+        </p:nvSpPr>
+        <p:spPr>
+          <a:xfrm>
+            <a:off x="6417730" y="2888250"/>
+            <a:ext cx="4831289" cy="2959778"/>
+          </a:xfrm>
+        </p:spPr>
+        <p:txBody>
+          <a:bodyPr anchor="t">
+            <a:normAutofit/>
+          </a:bodyPr>
+          <a:lstStyle/>
+          <a:p>
+            <a:pPr marL="0" indent="0" algn="ctr">
+              <a:buNone/>
+            </a:pPr>
+            <a:r>
+              <a:rPr lang="en-US" sz="2400" u="sng" dirty="0"/>
+              <a:t>Architectural Representation</a:t>
+            </a:r>
+          </a:p>
+          <a:p>
+            <a:pPr marL="0" indent="0" algn="ctr">
+              <a:buNone/>
+            </a:pPr>
+            <a:endParaRPr lang="en-US" sz="1200" dirty="0"/>
+          </a:p>
+          <a:p>
+            <a:r>
+              <a:rPr lang="en-US" sz="1800" dirty="0"/>
+              <a:t>The document represents the system architecture through several views including Use Case, Logical, Process, and Deployment.</a:t>
+            </a:r>
+          </a:p>
+          <a:p>
+            <a:pPr marL="0" indent="0">
+              <a:buNone/>
+            </a:pPr>
+            <a:endParaRPr lang="en-US" sz="2000" dirty="0"/>
+          </a:p>
+        </p:txBody>
+      </p:sp>
+    </p:spTree>
+    <p:extLst>
+      <p:ext uri="{BB962C8B-B14F-4D97-AF65-F5344CB8AC3E}">
+        <p14:creationId xmlns:p14="http://schemas.microsoft.com/office/powerpoint/2010/main" val="239801855"/>
       </p:ext>
     </p:extLst>
   </p:cSld>
@@ -5816,10 +5803,10 @@
       </p:grpSpPr>
       <p:sp>
         <p:nvSpPr>
-          <p:cNvPr id="24" name="Rectangle: Rounded Corners 23">
-            <a:extLst>
-              <a:ext uri="{FF2B5EF4-FFF2-40B4-BE49-F238E27FC236}">
-                <a16:creationId xmlns:a16="http://schemas.microsoft.com/office/drawing/2014/main" id="{6AA24DE7-C336-4994-8C52-D9B3F3D0FA4D}"/>
+          <p:cNvPr id="23" name="Rectangle 18">
+            <a:extLst>
+              <a:ext uri="{FF2B5EF4-FFF2-40B4-BE49-F238E27FC236}">
+                <a16:creationId xmlns:a16="http://schemas.microsoft.com/office/drawing/2014/main" id="{1E214AA7-F028-4A0D-8698-61AEC754D1BC}"/>
               </a:ext>
             </a:extLst>
           </p:cNvPr>
@@ -5836,16 +5823,14 @@
         </p:nvSpPr>
         <p:spPr>
           <a:xfrm>
-            <a:off x="953311" y="953311"/>
-            <a:ext cx="10603149" cy="5263867"/>
-          </a:xfrm>
-          <a:prstGeom prst="roundRect">
-            <a:avLst>
-              <a:gd name="adj" fmla="val 1566"/>
-            </a:avLst>
+            <a:off x="0" y="1"/>
+            <a:ext cx="12192000" cy="1598340"/>
+          </a:xfrm>
+          <a:prstGeom prst="rect">
+            <a:avLst/>
           </a:prstGeom>
           <a:solidFill>
-            <a:srgbClr val="FFFFFF"/>
+            <a:srgbClr val="595959"/>
           </a:solidFill>
           <a:ln>
             <a:noFill/>
@@ -5871,153 +5856,328 @@
           <a:bodyPr rtlCol="0" anchor="ctr"/>
           <a:lstStyle/>
           <a:p>
-            <a:pPr algn="ctr"/>
-            <a:endParaRPr lang="en-US"/>
-          </a:p>
-        </p:txBody>
-      </p:sp>
-      <p:pic>
-        <p:nvPicPr>
-          <p:cNvPr id="7" name="Content Placeholder 3" descr="A screenshot of a social media post&#10;&#10;Description generated with very high confidence">
-            <a:extLst>
-              <a:ext uri="{FF2B5EF4-FFF2-40B4-BE49-F238E27FC236}">
-                <a16:creationId xmlns:a16="http://schemas.microsoft.com/office/drawing/2014/main" id="{CB4F3628-ADB5-4777-A44D-4E867B50658B}"/>
-              </a:ext>
-            </a:extLst>
-          </p:cNvPr>
-          <p:cNvPicPr>
-            <a:picLocks noChangeAspect="1"/>
-          </p:cNvPicPr>
-          <p:nvPr/>
-        </p:nvPicPr>
-        <p:blipFill>
-          <a:blip r:embed="rId2"/>
-          <a:stretch>
-            <a:fillRect/>
-          </a:stretch>
-        </p:blipFill>
-        <p:spPr>
-          <a:xfrm>
-            <a:off x="3519871" y="1994717"/>
-            <a:ext cx="7909151" cy="2926386"/>
-          </a:xfrm>
-          <a:prstGeom prst="rect">
+            <a:pPr marL="0" marR="0" lvl="0" indent="0" algn="ctr" defTabSz="914400" rtl="0" eaLnBrk="1" fontAlgn="auto" latinLnBrk="0" hangingPunct="1">
+              <a:lnSpc>
+                <a:spcPct val="100000"/>
+              </a:lnSpc>
+              <a:spcBef>
+                <a:spcPts val="0"/>
+              </a:spcBef>
+              <a:spcAft>
+                <a:spcPts val="0"/>
+              </a:spcAft>
+              <a:buClrTx/>
+              <a:buSzTx/>
+              <a:buFontTx/>
+              <a:buNone/>
+              <a:tabLst/>
+              <a:defRPr/>
+            </a:pPr>
+            <a:endParaRPr kumimoji="0" lang="en-US" sz="1800" b="0" i="0" u="none" strike="noStrike" kern="1200" cap="none" spc="0" normalizeH="0" baseline="0" noProof="0">
+              <a:ln>
+                <a:noFill/>
+              </a:ln>
+              <a:solidFill>
+                <a:prstClr val="white"/>
+              </a:solidFill>
+              <a:effectLst/>
+              <a:uLnTx/>
+              <a:uFillTx/>
+              <a:latin typeface="Calibri" panose="020F0502020204030204"/>
+              <a:ea typeface="+mn-ea"/>
+              <a:cs typeface="+mn-cs"/>
+            </a:endParaRPr>
+          </a:p>
+        </p:txBody>
+      </p:sp>
+      <p:cxnSp>
+        <p:nvCxnSpPr>
+          <p:cNvPr id="24" name="Straight Connector 20">
+            <a:extLst>
+              <a:ext uri="{FF2B5EF4-FFF2-40B4-BE49-F238E27FC236}">
+                <a16:creationId xmlns:a16="http://schemas.microsoft.com/office/drawing/2014/main" id="{D6206FDC-2777-4D7F-AF9C-73413DA664C9}"/>
+              </a:ext>
+            </a:extLst>
+          </p:cNvPr>
+          <p:cNvCxnSpPr>
+            <a:cxnSpLocks noGrp="1" noRot="1" noChangeAspect="1" noMove="1" noResize="1" noEditPoints="1" noAdjustHandles="1" noChangeArrowheads="1" noChangeShapeType="1"/>
+          </p:cNvCxnSpPr>
+          <p:nvPr>
+            <p:extLst>
+              <p:ext uri="{386F3935-93C4-4BCD-93E2-E3B085C9AB24}">
+                <p16:designElem xmlns:p16="http://schemas.microsoft.com/office/powerpoint/2015/main" val="1"/>
+              </p:ext>
+            </p:extLst>
+          </p:nvPr>
+        </p:nvCxnSpPr>
+        <p:spPr>
+          <a:xfrm>
+            <a:off x="6096000" y="2888250"/>
+            <a:ext cx="0" cy="2769135"/>
+          </a:xfrm>
+          <a:prstGeom prst="line">
             <a:avLst/>
           </a:prstGeom>
-        </p:spPr>
-      </p:pic>
-      <p:sp>
-        <p:nvSpPr>
-          <p:cNvPr id="2" name="Title 1">
-            <a:extLst>
-              <a:ext uri="{FF2B5EF4-FFF2-40B4-BE49-F238E27FC236}">
-                <a16:creationId xmlns:a16="http://schemas.microsoft.com/office/drawing/2014/main" id="{8E7BD0A4-3C32-4072-B351-0957CF7039FB}"/>
-              </a:ext>
-            </a:extLst>
-          </p:cNvPr>
-          <p:cNvSpPr>
-            <a:spLocks noGrp="1"/>
-          </p:cNvSpPr>
-          <p:nvPr>
-            <p:ph type="title"/>
-          </p:nvPr>
-        </p:nvSpPr>
-        <p:spPr>
-          <a:xfrm>
-            <a:off x="462527" y="2211828"/>
-            <a:ext cx="2752354" cy="2709275"/>
-          </a:xfrm>
-          <a:prstGeom prst="rect">
-            <a:avLst/>
-          </a:prstGeom>
-          <a:solidFill>
-            <a:schemeClr val="accent1"/>
-          </a:solidFill>
-          <a:ln w="174625" cmpd="thinThick">
+          <a:ln w="19050">
             <a:solidFill>
-              <a:schemeClr val="bg2">
-                <a:lumMod val="25000"/>
-              </a:schemeClr>
+              <a:srgbClr val="7F7F7F"/>
             </a:solidFill>
           </a:ln>
         </p:spPr>
-        <p:txBody>
-          <a:bodyPr vert="horz" lIns="91440" tIns="45720" rIns="91440" bIns="45720" rtlCol="0" anchor="ctr">
+        <p:style>
+          <a:lnRef idx="1">
+            <a:schemeClr val="accent1"/>
+          </a:lnRef>
+          <a:fillRef idx="0">
+            <a:schemeClr val="accent1"/>
+          </a:fillRef>
+          <a:effectRef idx="0">
+            <a:schemeClr val="accent1"/>
+          </a:effectRef>
+          <a:fontRef idx="minor">
+            <a:schemeClr val="tx1"/>
+          </a:fontRef>
+        </p:style>
+      </p:cxnSp>
+      <p:sp>
+        <p:nvSpPr>
+          <p:cNvPr id="2" name="Title 1">
+            <a:extLst>
+              <a:ext uri="{FF2B5EF4-FFF2-40B4-BE49-F238E27FC236}">
+                <a16:creationId xmlns:a16="http://schemas.microsoft.com/office/drawing/2014/main" id="{7EDE4F21-8E0D-44B9-9BAF-4A4FF09E63BA}"/>
+              </a:ext>
+            </a:extLst>
+          </p:cNvPr>
+          <p:cNvSpPr>
+            <a:spLocks noGrp="1"/>
+          </p:cNvSpPr>
+          <p:nvPr>
+            <p:ph type="title"/>
+          </p:nvPr>
+        </p:nvSpPr>
+        <p:spPr>
+          <a:xfrm>
+            <a:off x="1159933" y="995318"/>
+            <a:ext cx="9872134" cy="1193968"/>
+          </a:xfrm>
+          <a:solidFill>
+            <a:srgbClr val="FFFFFF"/>
+          </a:solidFill>
+          <a:ln w="38100">
+            <a:solidFill>
+              <a:srgbClr val="595959"/>
+            </a:solidFill>
+            <a:miter lim="800000"/>
+          </a:ln>
+        </p:spPr>
+        <p:txBody>
+          <a:bodyPr>
             <a:normAutofit/>
           </a:bodyPr>
           <a:lstStyle/>
           <a:p>
             <a:pPr algn="ctr"/>
             <a:r>
-              <a:rPr lang="en-US" sz="2800" kern="1200" dirty="0">
+              <a:rPr lang="en-US" sz="3600">
                 <a:solidFill>
-                  <a:srgbClr val="FFFFFF"/>
+                  <a:srgbClr val="3F3F3F"/>
                 </a:solidFill>
-                <a:latin typeface="+mj-lt"/>
-                <a:ea typeface="+mj-ea"/>
-                <a:cs typeface="+mj-cs"/>
               </a:rPr>
-              <a:t>Use Case Storyboard</a:t>
-            </a:r>
-            <a:br>
-              <a:rPr lang="en-US" sz="2800" kern="1200" dirty="0">
-                <a:solidFill>
-                  <a:srgbClr val="FFFFFF"/>
-                </a:solidFill>
-                <a:latin typeface="+mj-lt"/>
-                <a:ea typeface="+mj-ea"/>
-                <a:cs typeface="+mj-cs"/>
-              </a:rPr>
-            </a:br>
-            <a:r>
-              <a:rPr lang="en-US" sz="2800" kern="1200" dirty="0">
-                <a:solidFill>
-                  <a:srgbClr val="FFFFFF"/>
-                </a:solidFill>
-                <a:latin typeface="+mj-lt"/>
-                <a:ea typeface="+mj-ea"/>
-                <a:cs typeface="+mj-cs"/>
-              </a:rPr>
-              <a:t>____________</a:t>
-            </a:r>
-            <a:br>
-              <a:rPr lang="en-US" sz="2800" kern="1200" dirty="0">
-                <a:solidFill>
-                  <a:srgbClr val="FFFFFF"/>
-                </a:solidFill>
-                <a:latin typeface="+mj-lt"/>
-                <a:ea typeface="+mj-ea"/>
-                <a:cs typeface="+mj-cs"/>
-              </a:rPr>
-            </a:br>
-            <a:br>
-              <a:rPr lang="en-US" sz="2800" kern="1200" dirty="0">
-                <a:solidFill>
-                  <a:srgbClr val="FFFFFF"/>
-                </a:solidFill>
-                <a:latin typeface="+mj-lt"/>
-                <a:ea typeface="+mj-ea"/>
-                <a:cs typeface="+mj-cs"/>
-              </a:rPr>
-            </a:br>
-            <a:r>
-              <a:rPr lang="en-US" sz="2800" kern="1200" dirty="0">
-                <a:solidFill>
-                  <a:srgbClr val="FFFFFF"/>
-                </a:solidFill>
-                <a:latin typeface="+mj-lt"/>
-                <a:ea typeface="+mj-ea"/>
-                <a:cs typeface="+mj-cs"/>
-              </a:rPr>
+              <a:t>Software Architecture Document</a:t>
+            </a:r>
+          </a:p>
+        </p:txBody>
+      </p:sp>
+      <p:sp>
+        <p:nvSpPr>
+          <p:cNvPr id="3" name="Content Placeholder 2">
+            <a:extLst>
+              <a:ext uri="{FF2B5EF4-FFF2-40B4-BE49-F238E27FC236}">
+                <a16:creationId xmlns:a16="http://schemas.microsoft.com/office/drawing/2014/main" id="{9A9537E6-6FB9-466A-B754-CCAF99CD4D43}"/>
+              </a:ext>
+            </a:extLst>
+          </p:cNvPr>
+          <p:cNvSpPr>
+            <a:spLocks noGrp="1"/>
+          </p:cNvSpPr>
+          <p:nvPr>
+            <p:ph sz="half" idx="1"/>
+          </p:nvPr>
+        </p:nvSpPr>
+        <p:spPr>
+          <a:xfrm>
+            <a:off x="609611" y="2888250"/>
+            <a:ext cx="5164656" cy="3245850"/>
+          </a:xfrm>
+        </p:spPr>
+        <p:txBody>
+          <a:bodyPr anchor="t">
+            <a:normAutofit/>
+          </a:bodyPr>
+          <a:lstStyle/>
+          <a:p>
+            <a:pPr marL="0" indent="0" algn="ctr">
+              <a:buNone/>
+            </a:pPr>
+            <a:r>
+              <a:rPr lang="en-US" sz="2400" u="sng" dirty="0"/>
+              <a:t>Architectural Goals and Constraints</a:t>
+            </a:r>
+          </a:p>
+          <a:p>
+            <a:pPr marL="0" indent="0" algn="ctr">
+              <a:buNone/>
+            </a:pPr>
+            <a:endParaRPr lang="en-US" sz="2000" dirty="0"/>
+          </a:p>
+          <a:p>
+            <a:pPr lvl="1"/>
+            <a:r>
+              <a:rPr lang="en-US" sz="1800" dirty="0"/>
+              <a:t>High performance interface that can handle multiple personnel use at the same time</a:t>
+            </a:r>
+          </a:p>
+          <a:p>
+            <a:pPr marL="457200" lvl="1" indent="0">
+              <a:buNone/>
+            </a:pPr>
+            <a:endParaRPr lang="en-US" sz="1800" dirty="0"/>
+          </a:p>
+          <a:p>
+            <a:pPr lvl="1"/>
+            <a:r>
+              <a:rPr lang="en-US" sz="1800" dirty="0"/>
+              <a:t>Database is dependable, showing order updates in real time</a:t>
+            </a:r>
+          </a:p>
+          <a:p>
+            <a:pPr marL="457200" lvl="1" indent="0">
+              <a:buNone/>
+            </a:pPr>
+            <a:endParaRPr lang="en-US" sz="1800" dirty="0"/>
+          </a:p>
+          <a:p>
+            <a:pPr lvl="1"/>
+            <a:r>
+              <a:rPr lang="en-US" sz="1800" dirty="0"/>
+              <a:t>Security of the system is up-to-date ensuring protection of employee and customer data</a:t>
+            </a:r>
+          </a:p>
+          <a:p>
+            <a:pPr marL="0" indent="0">
+              <a:buNone/>
+            </a:pPr>
+            <a:endParaRPr lang="en-US" sz="1900" dirty="0"/>
+          </a:p>
+        </p:txBody>
+      </p:sp>
+      <p:sp>
+        <p:nvSpPr>
+          <p:cNvPr id="4" name="Content Placeholder 3">
+            <a:extLst>
+              <a:ext uri="{FF2B5EF4-FFF2-40B4-BE49-F238E27FC236}">
+                <a16:creationId xmlns:a16="http://schemas.microsoft.com/office/drawing/2014/main" id="{C8483B10-4AB3-4AA8-934B-13C675AADC42}"/>
+              </a:ext>
+            </a:extLst>
+          </p:cNvPr>
+          <p:cNvSpPr>
+            <a:spLocks noGrp="1"/>
+          </p:cNvSpPr>
+          <p:nvPr>
+            <p:ph sz="half" idx="2"/>
+          </p:nvPr>
+        </p:nvSpPr>
+        <p:spPr>
+          <a:xfrm>
+            <a:off x="6417730" y="2888250"/>
+            <a:ext cx="5164653" cy="3245850"/>
+          </a:xfrm>
+        </p:spPr>
+        <p:txBody>
+          <a:bodyPr anchor="t">
+            <a:normAutofit/>
+          </a:bodyPr>
+          <a:lstStyle/>
+          <a:p>
+            <a:pPr marL="0" indent="0" algn="ctr">
+              <a:buNone/>
+            </a:pPr>
+            <a:r>
+              <a:rPr lang="en-US" sz="2400" u="sng" dirty="0"/>
+              <a:t>Use Case View</a:t>
+            </a:r>
+          </a:p>
+          <a:p>
+            <a:pPr lvl="0"/>
+            <a:r>
+              <a:rPr lang="en-US" sz="1700" dirty="0"/>
+              <a:t>Describes the sequences of iterations between objects and between processes.</a:t>
+            </a:r>
+          </a:p>
+          <a:p>
+            <a:pPr lvl="1">
+              <a:buFont typeface="Courier New" panose="02070309020205020404" pitchFamily="49" charset="0"/>
+              <a:buChar char="o"/>
+            </a:pPr>
+            <a:r>
+              <a:rPr lang="en-US" sz="1700" b="1" dirty="0"/>
               <a:t>Event Planner</a:t>
             </a:r>
+            <a:r>
+              <a:rPr lang="en-US" sz="1700" dirty="0"/>
+              <a:t>: creates new customer and a new order connected to that customer</a:t>
+            </a:r>
+          </a:p>
+          <a:p>
+            <a:pPr marL="457200" lvl="1" indent="0">
+              <a:buNone/>
+            </a:pPr>
+            <a:endParaRPr lang="en-US" sz="1700" dirty="0"/>
+          </a:p>
+          <a:p>
+            <a:pPr lvl="1">
+              <a:buFont typeface="Courier New" panose="02070309020205020404" pitchFamily="49" charset="0"/>
+              <a:buChar char="o"/>
+            </a:pPr>
+            <a:r>
+              <a:rPr lang="en-US" sz="1700" b="1" dirty="0"/>
+              <a:t>Kitchen Staff</a:t>
+            </a:r>
+            <a:r>
+              <a:rPr lang="en-US" sz="1700" dirty="0"/>
+              <a:t>: accesses all orders through the order list for production</a:t>
+            </a:r>
+          </a:p>
+          <a:p>
+            <a:pPr lvl="1"/>
+            <a:endParaRPr lang="en-US" sz="1700" b="1" dirty="0"/>
+          </a:p>
+          <a:p>
+            <a:pPr lvl="1">
+              <a:buFont typeface="Courier New" panose="02070309020205020404" pitchFamily="49" charset="0"/>
+              <a:buChar char="o"/>
+            </a:pPr>
+            <a:r>
+              <a:rPr lang="en-US" sz="1700" b="1" dirty="0"/>
+              <a:t>Delivery Driver</a:t>
+            </a:r>
+            <a:r>
+              <a:rPr lang="en-US" sz="1700" dirty="0"/>
+              <a:t>: accesses all orders through order list for delivery times</a:t>
+            </a:r>
+          </a:p>
+          <a:p>
+            <a:pPr marL="0" indent="0">
+              <a:buNone/>
+            </a:pPr>
+            <a:endParaRPr lang="en-US" sz="1700" dirty="0"/>
           </a:p>
         </p:txBody>
       </p:sp>
     </p:spTree>
     <p:extLst>
       <p:ext uri="{BB962C8B-B14F-4D97-AF65-F5344CB8AC3E}">
-        <p14:creationId xmlns:p14="http://schemas.microsoft.com/office/powerpoint/2010/main" val="3376625427"/>
+        <p14:creationId xmlns:p14="http://schemas.microsoft.com/office/powerpoint/2010/main" val="2965451406"/>
       </p:ext>
     </p:extLst>
   </p:cSld>
@@ -6054,10 +6214,10 @@
       </p:grpSpPr>
       <p:sp>
         <p:nvSpPr>
-          <p:cNvPr id="24" name="Rectangle: Rounded Corners 23">
-            <a:extLst>
-              <a:ext uri="{FF2B5EF4-FFF2-40B4-BE49-F238E27FC236}">
-                <a16:creationId xmlns:a16="http://schemas.microsoft.com/office/drawing/2014/main" id="{6AA24DE7-C336-4994-8C52-D9B3F3D0FA4D}"/>
+          <p:cNvPr id="9" name="Rectangle 8">
+            <a:extLst>
+              <a:ext uri="{FF2B5EF4-FFF2-40B4-BE49-F238E27FC236}">
+                <a16:creationId xmlns:a16="http://schemas.microsoft.com/office/drawing/2014/main" id="{1E214AA7-F028-4A0D-8698-61AEC754D1BC}"/>
               </a:ext>
             </a:extLst>
           </p:cNvPr>
@@ -6074,16 +6234,14 @@
         </p:nvSpPr>
         <p:spPr>
           <a:xfrm>
-            <a:off x="953311" y="953311"/>
-            <a:ext cx="10603149" cy="5263867"/>
-          </a:xfrm>
-          <a:prstGeom prst="roundRect">
-            <a:avLst>
-              <a:gd name="adj" fmla="val 1566"/>
-            </a:avLst>
+            <a:off x="0" y="1"/>
+            <a:ext cx="12192000" cy="1598340"/>
+          </a:xfrm>
+          <a:prstGeom prst="rect">
+            <a:avLst/>
           </a:prstGeom>
           <a:solidFill>
-            <a:srgbClr val="FFFFFF"/>
+            <a:srgbClr val="595959"/>
           </a:solidFill>
           <a:ln>
             <a:noFill/>
@@ -6109,130 +6267,356 @@
           <a:bodyPr rtlCol="0" anchor="ctr"/>
           <a:lstStyle/>
           <a:p>
-            <a:pPr algn="ctr"/>
-            <a:endParaRPr lang="en-US"/>
-          </a:p>
-        </p:txBody>
-      </p:sp>
-      <p:sp>
-        <p:nvSpPr>
-          <p:cNvPr id="2" name="Title 1">
-            <a:extLst>
-              <a:ext uri="{FF2B5EF4-FFF2-40B4-BE49-F238E27FC236}">
-                <a16:creationId xmlns:a16="http://schemas.microsoft.com/office/drawing/2014/main" id="{8E7BD0A4-3C32-4072-B351-0957CF7039FB}"/>
-              </a:ext>
-            </a:extLst>
-          </p:cNvPr>
-          <p:cNvSpPr>
-            <a:spLocks noGrp="1"/>
-          </p:cNvSpPr>
-          <p:nvPr>
-            <p:ph type="title"/>
-          </p:nvPr>
-        </p:nvSpPr>
-        <p:spPr>
-          <a:xfrm>
-            <a:off x="462527" y="2211828"/>
-            <a:ext cx="2752354" cy="2709275"/>
-          </a:xfrm>
-          <a:prstGeom prst="rect">
+            <a:pPr marL="0" marR="0" lvl="0" indent="0" algn="ctr" defTabSz="914400" rtl="0" eaLnBrk="1" fontAlgn="auto" latinLnBrk="0" hangingPunct="1">
+              <a:lnSpc>
+                <a:spcPct val="100000"/>
+              </a:lnSpc>
+              <a:spcBef>
+                <a:spcPts val="0"/>
+              </a:spcBef>
+              <a:spcAft>
+                <a:spcPts val="0"/>
+              </a:spcAft>
+              <a:buClrTx/>
+              <a:buSzTx/>
+              <a:buFontTx/>
+              <a:buNone/>
+              <a:tabLst/>
+              <a:defRPr/>
+            </a:pPr>
+            <a:endParaRPr kumimoji="0" lang="en-US" sz="1800" b="0" i="0" u="none" strike="noStrike" kern="1200" cap="none" spc="0" normalizeH="0" baseline="0" noProof="0">
+              <a:ln>
+                <a:noFill/>
+              </a:ln>
+              <a:solidFill>
+                <a:prstClr val="white"/>
+              </a:solidFill>
+              <a:effectLst/>
+              <a:uLnTx/>
+              <a:uFillTx/>
+              <a:latin typeface="Calibri" panose="020F0502020204030204"/>
+              <a:ea typeface="+mn-ea"/>
+              <a:cs typeface="+mn-cs"/>
+            </a:endParaRPr>
+          </a:p>
+        </p:txBody>
+      </p:sp>
+      <p:cxnSp>
+        <p:nvCxnSpPr>
+          <p:cNvPr id="11" name="Straight Connector 10">
+            <a:extLst>
+              <a:ext uri="{FF2B5EF4-FFF2-40B4-BE49-F238E27FC236}">
+                <a16:creationId xmlns:a16="http://schemas.microsoft.com/office/drawing/2014/main" id="{D6206FDC-2777-4D7F-AF9C-73413DA664C9}"/>
+              </a:ext>
+            </a:extLst>
+          </p:cNvPr>
+          <p:cNvCxnSpPr>
+            <a:cxnSpLocks noGrp="1" noRot="1" noChangeAspect="1" noMove="1" noResize="1" noEditPoints="1" noAdjustHandles="1" noChangeArrowheads="1" noChangeShapeType="1"/>
+          </p:cNvCxnSpPr>
+          <p:nvPr>
+            <p:extLst>
+              <p:ext uri="{386F3935-93C4-4BCD-93E2-E3B085C9AB24}">
+                <p16:designElem xmlns:p16="http://schemas.microsoft.com/office/powerpoint/2015/main" val="1"/>
+              </p:ext>
+            </p:extLst>
+          </p:nvPr>
+        </p:nvCxnSpPr>
+        <p:spPr>
+          <a:xfrm>
+            <a:off x="6096000" y="2888250"/>
+            <a:ext cx="0" cy="2769135"/>
+          </a:xfrm>
+          <a:prstGeom prst="line">
             <a:avLst/>
           </a:prstGeom>
-          <a:solidFill>
-            <a:schemeClr val="accent1"/>
-          </a:solidFill>
-          <a:ln w="174625" cmpd="thinThick">
+          <a:ln w="19050">
             <a:solidFill>
-              <a:schemeClr val="bg2">
-                <a:lumMod val="25000"/>
-              </a:schemeClr>
+              <a:srgbClr val="7F7F7F"/>
             </a:solidFill>
           </a:ln>
         </p:spPr>
-        <p:txBody>
-          <a:bodyPr vert="horz" lIns="91440" tIns="45720" rIns="91440" bIns="45720" rtlCol="0" anchor="ctr">
+        <p:style>
+          <a:lnRef idx="1">
+            <a:schemeClr val="accent1"/>
+          </a:lnRef>
+          <a:fillRef idx="0">
+            <a:schemeClr val="accent1"/>
+          </a:fillRef>
+          <a:effectRef idx="0">
+            <a:schemeClr val="accent1"/>
+          </a:effectRef>
+          <a:fontRef idx="minor">
+            <a:schemeClr val="tx1"/>
+          </a:fontRef>
+        </p:style>
+      </p:cxnSp>
+      <p:sp>
+        <p:nvSpPr>
+          <p:cNvPr id="2" name="Title 1">
+            <a:extLst>
+              <a:ext uri="{FF2B5EF4-FFF2-40B4-BE49-F238E27FC236}">
+                <a16:creationId xmlns:a16="http://schemas.microsoft.com/office/drawing/2014/main" id="{0D24370A-ED09-4EC6-9193-E780C6CC711A}"/>
+              </a:ext>
+            </a:extLst>
+          </p:cNvPr>
+          <p:cNvSpPr>
+            <a:spLocks noGrp="1"/>
+          </p:cNvSpPr>
+          <p:nvPr>
+            <p:ph type="title"/>
+          </p:nvPr>
+        </p:nvSpPr>
+        <p:spPr>
+          <a:xfrm>
+            <a:off x="1159933" y="995318"/>
+            <a:ext cx="9872134" cy="1193968"/>
+          </a:xfrm>
+          <a:solidFill>
+            <a:srgbClr val="FFFFFF"/>
+          </a:solidFill>
+          <a:ln w="38100">
+            <a:solidFill>
+              <a:srgbClr val="595959"/>
+            </a:solidFill>
+            <a:miter lim="800000"/>
+          </a:ln>
+        </p:spPr>
+        <p:txBody>
+          <a:bodyPr>
             <a:normAutofit/>
           </a:bodyPr>
           <a:lstStyle/>
           <a:p>
             <a:pPr algn="ctr"/>
             <a:r>
-              <a:rPr lang="en-US" sz="2800" kern="1200" dirty="0">
+              <a:rPr lang="en-US" sz="3600">
                 <a:solidFill>
-                  <a:srgbClr val="FFFFFF"/>
-                </a:solidFill>
-                <a:latin typeface="+mj-lt"/>
-                <a:ea typeface="+mj-ea"/>
-                <a:cs typeface="+mj-cs"/>
-              </a:rPr>
-              <a:t>Use Case Storyboard</a:t>
-            </a:r>
-            <a:br>
-              <a:rPr lang="en-US" sz="2800" kern="1200" dirty="0">
-                <a:solidFill>
-                  <a:srgbClr val="FFFFFF"/>
-                </a:solidFill>
-                <a:latin typeface="+mj-lt"/>
-                <a:ea typeface="+mj-ea"/>
-                <a:cs typeface="+mj-cs"/>
-              </a:rPr>
-            </a:br>
-            <a:r>
-              <a:rPr lang="en-US" sz="2800" kern="1200" dirty="0">
-                <a:solidFill>
-                  <a:srgbClr val="FFFFFF"/>
-                </a:solidFill>
-                <a:latin typeface="+mj-lt"/>
-                <a:ea typeface="+mj-ea"/>
-                <a:cs typeface="+mj-cs"/>
-              </a:rPr>
-              <a:t>____________</a:t>
-            </a:r>
-            <a:br>
-              <a:rPr lang="en-US" sz="2800" kern="1200" dirty="0">
-                <a:solidFill>
-                  <a:srgbClr val="FFFFFF"/>
-                </a:solidFill>
-                <a:latin typeface="+mj-lt"/>
-                <a:ea typeface="+mj-ea"/>
-                <a:cs typeface="+mj-cs"/>
-              </a:rPr>
-            </a:br>
-            <a:br>
-              <a:rPr lang="en-US" sz="2800" kern="1200" dirty="0">
-                <a:solidFill>
-                  <a:srgbClr val="FFFFFF"/>
-                </a:solidFill>
-                <a:latin typeface="+mj-lt"/>
-                <a:ea typeface="+mj-ea"/>
-                <a:cs typeface="+mj-cs"/>
-              </a:rPr>
-            </a:br>
-            <a:r>
-              <a:rPr lang="en-US" sz="2800" dirty="0">
-                <a:solidFill>
-                  <a:srgbClr val="FFFFFF"/>
+                  <a:srgbClr val="3F3F3F"/>
                 </a:solidFill>
               </a:rPr>
-              <a:t>Kitchen</a:t>
-            </a:r>
-            <a:endParaRPr lang="en-US" sz="2800" kern="1200" dirty="0">
-              <a:solidFill>
-                <a:srgbClr val="FFFFFF"/>
-              </a:solidFill>
-              <a:latin typeface="+mj-lt"/>
-              <a:ea typeface="+mj-ea"/>
-              <a:cs typeface="+mj-cs"/>
-            </a:endParaRPr>
-          </a:p>
-        </p:txBody>
-      </p:sp>
+              <a:t>Software Architecture Document</a:t>
+            </a:r>
+          </a:p>
+        </p:txBody>
+      </p:sp>
+      <p:sp>
+        <p:nvSpPr>
+          <p:cNvPr id="3" name="Content Placeholder 2">
+            <a:extLst>
+              <a:ext uri="{FF2B5EF4-FFF2-40B4-BE49-F238E27FC236}">
+                <a16:creationId xmlns:a16="http://schemas.microsoft.com/office/drawing/2014/main" id="{0732045E-185F-497A-9968-9E0EF7243A4E}"/>
+              </a:ext>
+            </a:extLst>
+          </p:cNvPr>
+          <p:cNvSpPr>
+            <a:spLocks noGrp="1"/>
+          </p:cNvSpPr>
+          <p:nvPr>
+            <p:ph sz="half" idx="1"/>
+          </p:nvPr>
+        </p:nvSpPr>
+        <p:spPr>
+          <a:xfrm>
+            <a:off x="371477" y="2888250"/>
+            <a:ext cx="5402790" cy="3169650"/>
+          </a:xfrm>
+        </p:spPr>
+        <p:txBody>
+          <a:bodyPr anchor="t">
+            <a:normAutofit/>
+          </a:bodyPr>
+          <a:lstStyle/>
+          <a:p>
+            <a:pPr marL="0" indent="0" algn="ctr">
+              <a:buNone/>
+            </a:pPr>
+            <a:r>
+              <a:rPr lang="en-US" u="sng" dirty="0"/>
+              <a:t>Logical View</a:t>
+            </a:r>
+          </a:p>
+          <a:p>
+            <a:pPr lvl="0"/>
+            <a:r>
+              <a:rPr lang="en-US" sz="1600" dirty="0"/>
+              <a:t>As shown in the Design Model, the management system is made up of several packages including</a:t>
+            </a:r>
+          </a:p>
+          <a:p>
+            <a:pPr marL="0" lvl="0" indent="0">
+              <a:buNone/>
+            </a:pPr>
+            <a:endParaRPr lang="en-US" sz="1050" dirty="0"/>
+          </a:p>
+          <a:p>
+            <a:pPr lvl="1"/>
+            <a:r>
+              <a:rPr lang="en-US" sz="1600" b="1" dirty="0"/>
+              <a:t>Employees</a:t>
+            </a:r>
+            <a:r>
+              <a:rPr lang="en-US" sz="1600" dirty="0"/>
+              <a:t>: Event Planner, Kitchen Staff, Delivery Drivers</a:t>
+            </a:r>
+          </a:p>
+          <a:p>
+            <a:pPr lvl="1"/>
+            <a:r>
+              <a:rPr lang="en-US" sz="1600" b="1" dirty="0"/>
+              <a:t>Customer</a:t>
+            </a:r>
+            <a:r>
+              <a:rPr lang="en-US" sz="1600" dirty="0"/>
+              <a:t>: Person purchasing the product</a:t>
+            </a:r>
+          </a:p>
+          <a:p>
+            <a:pPr lvl="1"/>
+            <a:r>
+              <a:rPr lang="en-US" sz="1600" b="1" dirty="0"/>
+              <a:t>Item</a:t>
+            </a:r>
+            <a:r>
+              <a:rPr lang="en-US" sz="1600" dirty="0"/>
+              <a:t>: Item to be added to the order</a:t>
+            </a:r>
+          </a:p>
+          <a:p>
+            <a:pPr lvl="1"/>
+            <a:r>
+              <a:rPr lang="en-US" sz="1600" b="1" dirty="0"/>
+              <a:t>Order</a:t>
+            </a:r>
+            <a:r>
+              <a:rPr lang="en-US" sz="1600" dirty="0"/>
+              <a:t>: A single order for one customer</a:t>
+            </a:r>
+          </a:p>
+          <a:p>
+            <a:pPr lvl="1"/>
+            <a:r>
+              <a:rPr lang="en-US" sz="1600" b="1" dirty="0" err="1"/>
+              <a:t>OrderList</a:t>
+            </a:r>
+            <a:r>
+              <a:rPr lang="en-US" sz="1600" dirty="0"/>
+              <a:t>: A list of all orders in the system</a:t>
+            </a:r>
+          </a:p>
+          <a:p>
+            <a:pPr marL="0" indent="0">
+              <a:buNone/>
+            </a:pPr>
+            <a:endParaRPr lang="en-US" sz="1600" dirty="0"/>
+          </a:p>
+        </p:txBody>
+      </p:sp>
+      <p:sp>
+        <p:nvSpPr>
+          <p:cNvPr id="4" name="Content Placeholder 3">
+            <a:extLst>
+              <a:ext uri="{FF2B5EF4-FFF2-40B4-BE49-F238E27FC236}">
+                <a16:creationId xmlns:a16="http://schemas.microsoft.com/office/drawing/2014/main" id="{B356AB43-2645-4208-A05E-B09453412512}"/>
+              </a:ext>
+            </a:extLst>
+          </p:cNvPr>
+          <p:cNvSpPr>
+            <a:spLocks noGrp="1"/>
+          </p:cNvSpPr>
+          <p:nvPr>
+            <p:ph sz="half" idx="2"/>
+          </p:nvPr>
+        </p:nvSpPr>
+        <p:spPr>
+          <a:xfrm>
+            <a:off x="6417731" y="2888250"/>
+            <a:ext cx="4292594" cy="2959778"/>
+          </a:xfrm>
+        </p:spPr>
+        <p:txBody>
+          <a:bodyPr anchor="t">
+            <a:normAutofit/>
+          </a:bodyPr>
+          <a:lstStyle/>
+          <a:p>
+            <a:pPr marL="0" indent="0" algn="ctr">
+              <a:buNone/>
+            </a:pPr>
+            <a:r>
+              <a:rPr lang="en-US" sz="2400" u="sng" dirty="0"/>
+              <a:t>Process View</a:t>
+            </a:r>
+          </a:p>
+          <a:p>
+            <a:r>
+              <a:rPr lang="en-US" sz="1600" dirty="0"/>
+              <a:t>Deals with the dynamic aspects of the system and how each process communicates with each other</a:t>
+            </a:r>
+          </a:p>
+          <a:p>
+            <a:endParaRPr lang="en-US" sz="1900" dirty="0"/>
+          </a:p>
+          <a:p>
+            <a:pPr marL="0" indent="0" algn="ctr">
+              <a:buNone/>
+            </a:pPr>
+            <a:r>
+              <a:rPr lang="en-US" sz="2400" u="sng" dirty="0"/>
+              <a:t>Deployment View</a:t>
+            </a:r>
+          </a:p>
+          <a:p>
+            <a:r>
+              <a:rPr lang="en-US" sz="1600" dirty="0"/>
+              <a:t>Physical deployment of processes and components to processing nodes, and network configuration between nodes</a:t>
+            </a:r>
+          </a:p>
+        </p:txBody>
+      </p:sp>
+    </p:spTree>
+    <p:extLst>
+      <p:ext uri="{BB962C8B-B14F-4D97-AF65-F5344CB8AC3E}">
+        <p14:creationId xmlns:p14="http://schemas.microsoft.com/office/powerpoint/2010/main" val="3292016548"/>
+      </p:ext>
+    </p:extLst>
+  </p:cSld>
+  <p:clrMapOvr>
+    <a:masterClrMapping/>
+  </p:clrMapOvr>
+</p:sld>
+</file>
+
+<file path=ppt/slides/slide18.xml><?xml version="1.0" encoding="utf-8"?>
+<p:sld xmlns:a="http://schemas.openxmlformats.org/drawingml/2006/main" xmlns:r="http://schemas.openxmlformats.org/officeDocument/2006/relationships" xmlns:p="http://schemas.openxmlformats.org/presentationml/2006/main">
+  <p:cSld>
+    <p:bg>
+      <p:bgPr>
+        <a:solidFill>
+          <a:schemeClr val="bg1"/>
+        </a:solidFill>
+        <a:effectLst/>
+      </p:bgPr>
+    </p:bg>
+    <p:spTree>
+      <p:nvGrpSpPr>
+        <p:cNvPr id="1" name=""/>
+        <p:cNvGrpSpPr/>
+        <p:nvPr/>
+      </p:nvGrpSpPr>
+      <p:grpSpPr>
+        <a:xfrm>
+          <a:off x="0" y="0"/>
+          <a:ext cx="0" cy="0"/>
+          <a:chOff x="0" y="0"/>
+          <a:chExt cx="0" cy="0"/>
+        </a:xfrm>
+      </p:grpSpPr>
       <p:pic>
         <p:nvPicPr>
-          <p:cNvPr id="3" name="Picture 2">
-            <a:extLst>
-              <a:ext uri="{FF2B5EF4-FFF2-40B4-BE49-F238E27FC236}">
-                <a16:creationId xmlns:a16="http://schemas.microsoft.com/office/drawing/2014/main" id="{39D86EC1-5E85-42F5-818A-4288302915C8}"/>
+          <p:cNvPr id="2" name="Picture 1" descr="A screenshot of a cell phone&#10;&#10;Description generated with very high confidence">
+            <a:extLst>
+              <a:ext uri="{FF2B5EF4-FFF2-40B4-BE49-F238E27FC236}">
+                <a16:creationId xmlns:a16="http://schemas.microsoft.com/office/drawing/2014/main" id="{75D00979-8F5E-42CB-8570-3F4BABADE5CA}"/>
               </a:ext>
             </a:extLst>
           </p:cNvPr>
@@ -6249,18 +6633,180 @@
         </p:blipFill>
         <p:spPr>
           <a:xfrm>
-            <a:off x="3532082" y="2074362"/>
-            <a:ext cx="7564696" cy="2709275"/>
+            <a:off x="5153822" y="729634"/>
+            <a:ext cx="6553545" cy="5406674"/>
           </a:xfrm>
           <a:prstGeom prst="rect">
             <a:avLst/>
           </a:prstGeom>
         </p:spPr>
       </p:pic>
+      <p:sp>
+        <p:nvSpPr>
+          <p:cNvPr id="37" name="Rectangle 33">
+            <a:extLst>
+              <a:ext uri="{FF2B5EF4-FFF2-40B4-BE49-F238E27FC236}">
+                <a16:creationId xmlns:a16="http://schemas.microsoft.com/office/drawing/2014/main" id="{AB45A142-4255-493C-8284-5D566C121B10}"/>
+              </a:ext>
+            </a:extLst>
+          </p:cNvPr>
+          <p:cNvSpPr>
+            <a:spLocks noGrp="1" noRot="1" noChangeAspect="1" noMove="1" noResize="1" noEditPoints="1" noAdjustHandles="1" noChangeArrowheads="1" noChangeShapeType="1" noTextEdit="1"/>
+          </p:cNvSpPr>
+          <p:nvPr>
+            <p:extLst>
+              <p:ext uri="{386F3935-93C4-4BCD-93E2-E3B085C9AB24}">
+                <p16:designElem xmlns:p16="http://schemas.microsoft.com/office/powerpoint/2015/main" val="1"/>
+              </p:ext>
+            </p:extLst>
+          </p:nvPr>
+        </p:nvSpPr>
+        <p:spPr bwMode="ltGray">
+          <a:xfrm>
+            <a:off x="336884" y="321177"/>
+            <a:ext cx="4332307" cy="6179552"/>
+          </a:xfrm>
+          <a:prstGeom prst="rect">
+            <a:avLst/>
+          </a:prstGeom>
+          <a:solidFill>
+            <a:schemeClr val="tx1">
+              <a:lumMod val="75000"/>
+              <a:lumOff val="25000"/>
+            </a:schemeClr>
+          </a:solidFill>
+          <a:ln w="127000" cap="sq" cmpd="thinThick">
+            <a:solidFill>
+              <a:schemeClr val="tx1">
+                <a:lumMod val="75000"/>
+                <a:lumOff val="25000"/>
+              </a:schemeClr>
+            </a:solidFill>
+          </a:ln>
+        </p:spPr>
+        <p:style>
+          <a:lnRef idx="2">
+            <a:schemeClr val="accent1">
+              <a:shade val="50000"/>
+            </a:schemeClr>
+          </a:lnRef>
+          <a:fillRef idx="1">
+            <a:schemeClr val="accent1"/>
+          </a:fillRef>
+          <a:effectRef idx="0">
+            <a:schemeClr val="accent1"/>
+          </a:effectRef>
+          <a:fontRef idx="minor">
+            <a:schemeClr val="lt1"/>
+          </a:fontRef>
+        </p:style>
+        <p:txBody>
+          <a:bodyPr rtlCol="0" anchor="ctr"/>
+          <a:lstStyle/>
+          <a:p>
+            <a:pPr algn="ctr"/>
+            <a:endParaRPr lang="en-US"/>
+          </a:p>
+        </p:txBody>
+      </p:sp>
+      <p:cxnSp>
+        <p:nvCxnSpPr>
+          <p:cNvPr id="36" name="Straight Connector 35">
+            <a:extLst>
+              <a:ext uri="{FF2B5EF4-FFF2-40B4-BE49-F238E27FC236}">
+                <a16:creationId xmlns:a16="http://schemas.microsoft.com/office/drawing/2014/main" id="{38FB9660-F42F-4313-BBC4-47C007FE484C}"/>
+              </a:ext>
+            </a:extLst>
+          </p:cNvPr>
+          <p:cNvCxnSpPr>
+            <a:cxnSpLocks noGrp="1" noRot="1" noChangeAspect="1" noMove="1" noResize="1" noEditPoints="1" noAdjustHandles="1" noChangeArrowheads="1" noChangeShapeType="1"/>
+          </p:cNvCxnSpPr>
+          <p:nvPr>
+            <p:extLst>
+              <p:ext uri="{386F3935-93C4-4BCD-93E2-E3B085C9AB24}">
+                <p16:designElem xmlns:p16="http://schemas.microsoft.com/office/powerpoint/2015/main" val="1"/>
+              </p:ext>
+            </p:extLst>
+          </p:nvPr>
+        </p:nvCxnSpPr>
+        <p:spPr>
+          <a:xfrm>
+            <a:off x="1191126" y="3910267"/>
+            <a:ext cx="2586790" cy="0"/>
+          </a:xfrm>
+          <a:prstGeom prst="line">
+            <a:avLst/>
+          </a:prstGeom>
+          <a:ln w="22225">
+            <a:solidFill>
+              <a:schemeClr val="bg1">
+                <a:lumMod val="85000"/>
+              </a:schemeClr>
+            </a:solidFill>
+          </a:ln>
+        </p:spPr>
+        <p:style>
+          <a:lnRef idx="1">
+            <a:schemeClr val="accent1"/>
+          </a:lnRef>
+          <a:fillRef idx="0">
+            <a:schemeClr val="accent1"/>
+          </a:fillRef>
+          <a:effectRef idx="0">
+            <a:schemeClr val="accent1"/>
+          </a:effectRef>
+          <a:fontRef idx="minor">
+            <a:schemeClr val="tx1"/>
+          </a:fontRef>
+        </p:style>
+      </p:cxnSp>
+      <p:sp>
+        <p:nvSpPr>
+          <p:cNvPr id="4" name="Title 3">
+            <a:extLst>
+              <a:ext uri="{FF2B5EF4-FFF2-40B4-BE49-F238E27FC236}">
+                <a16:creationId xmlns:a16="http://schemas.microsoft.com/office/drawing/2014/main" id="{72F68B4A-D559-45B4-8B54-9FDB7655AC11}"/>
+              </a:ext>
+            </a:extLst>
+          </p:cNvPr>
+          <p:cNvSpPr>
+            <a:spLocks noGrp="1"/>
+          </p:cNvSpPr>
+          <p:nvPr>
+            <p:ph type="title"/>
+          </p:nvPr>
+        </p:nvSpPr>
+        <p:spPr>
+          <a:xfrm>
+            <a:off x="674237" y="914400"/>
+            <a:ext cx="3657600" cy="2887579"/>
+          </a:xfrm>
+        </p:spPr>
+        <p:txBody>
+          <a:bodyPr vert="horz" lIns="91440" tIns="45720" rIns="91440" bIns="45720" rtlCol="0" anchor="b" anchorCtr="1">
+            <a:normAutofit/>
+          </a:bodyPr>
+          <a:lstStyle/>
+          <a:p>
+            <a:pPr algn="ctr"/>
+            <a:r>
+              <a:rPr lang="en-US" sz="4800" kern="1200">
+                <a:solidFill>
+                  <a:schemeClr val="bg1"/>
+                </a:solidFill>
+                <a:latin typeface="+mj-lt"/>
+                <a:ea typeface="+mj-ea"/>
+                <a:cs typeface="+mj-cs"/>
+              </a:rPr>
+              <a:t>Data Model </a:t>
+            </a:r>
+          </a:p>
+        </p:txBody>
+      </p:sp>
     </p:spTree>
     <p:extLst>
       <p:ext uri="{BB962C8B-B14F-4D97-AF65-F5344CB8AC3E}">
-        <p14:creationId xmlns:p14="http://schemas.microsoft.com/office/powerpoint/2010/main" val="3265234073"/>
+        <p14:creationId xmlns:p14="http://schemas.microsoft.com/office/powerpoint/2010/main" val="1250211582"/>
       </p:ext>
     </p:extLst>
   </p:cSld>
@@ -6270,7 +6816,7 @@
 </p:sld>
 </file>
 
-<file path=ppt/slides/slide18.xml><?xml version="1.0" encoding="utf-8"?>
+<file path=ppt/slides/slide19.xml><?xml version="1.0" encoding="utf-8"?>
 <p:sld xmlns:a="http://schemas.openxmlformats.org/drawingml/2006/main" xmlns:r="http://schemas.openxmlformats.org/officeDocument/2006/relationships" xmlns:p="http://schemas.openxmlformats.org/presentationml/2006/main">
   <p:cSld>
     <p:bg>
@@ -6357,6 +6903,36 @@
           </a:p>
         </p:txBody>
       </p:sp>
+      <p:pic>
+        <p:nvPicPr>
+          <p:cNvPr id="7" name="Content Placeholder 3" descr="A screenshot of a social media post&#10;&#10;Description generated with very high confidence">
+            <a:extLst>
+              <a:ext uri="{FF2B5EF4-FFF2-40B4-BE49-F238E27FC236}">
+                <a16:creationId xmlns:a16="http://schemas.microsoft.com/office/drawing/2014/main" id="{CB4F3628-ADB5-4777-A44D-4E867B50658B}"/>
+              </a:ext>
+            </a:extLst>
+          </p:cNvPr>
+          <p:cNvPicPr>
+            <a:picLocks noChangeAspect="1"/>
+          </p:cNvPicPr>
+          <p:nvPr/>
+        </p:nvPicPr>
+        <p:blipFill>
+          <a:blip r:embed="rId2"/>
+          <a:stretch>
+            <a:fillRect/>
+          </a:stretch>
+        </p:blipFill>
+        <p:spPr>
+          <a:xfrm>
+            <a:off x="3519871" y="1994717"/>
+            <a:ext cx="7909151" cy="2926386"/>
+          </a:xfrm>
+          <a:prstGeom prst="rect">
+            <a:avLst/>
+          </a:prstGeom>
+        </p:spPr>
+      </p:pic>
       <p:sp>
         <p:nvSpPr>
           <p:cNvPr id="2" name="Title 1">
@@ -6460,308 +7036,15 @@
                 <a:ea typeface="+mj-ea"/>
                 <a:cs typeface="+mj-cs"/>
               </a:rPr>
-              <a:t>Delivery Driver</a:t>
-            </a:r>
-          </a:p>
-        </p:txBody>
-      </p:sp>
-      <p:pic>
-        <p:nvPicPr>
-          <p:cNvPr id="4" name="Picture 3">
-            <a:extLst>
-              <a:ext uri="{FF2B5EF4-FFF2-40B4-BE49-F238E27FC236}">
-                <a16:creationId xmlns:a16="http://schemas.microsoft.com/office/drawing/2014/main" id="{ED3E7F90-BD78-4DDA-9874-53483DF62910}"/>
-              </a:ext>
-            </a:extLst>
-          </p:cNvPr>
-          <p:cNvPicPr>
-            <a:picLocks noChangeAspect="1"/>
-          </p:cNvPicPr>
-          <p:nvPr/>
-        </p:nvPicPr>
-        <p:blipFill>
-          <a:blip r:embed="rId2"/>
-          <a:stretch>
-            <a:fillRect/>
-          </a:stretch>
-        </p:blipFill>
-        <p:spPr>
-          <a:xfrm>
-            <a:off x="3382297" y="1834388"/>
-            <a:ext cx="8023122" cy="3086715"/>
-          </a:xfrm>
-          <a:prstGeom prst="rect">
-            <a:avLst/>
-          </a:prstGeom>
-        </p:spPr>
-      </p:pic>
+              <a:t>Event Planner</a:t>
+            </a:r>
+          </a:p>
+        </p:txBody>
+      </p:sp>
     </p:spTree>
     <p:extLst>
       <p:ext uri="{BB962C8B-B14F-4D97-AF65-F5344CB8AC3E}">
-        <p14:creationId xmlns:p14="http://schemas.microsoft.com/office/powerpoint/2010/main" val="1714832951"/>
-      </p:ext>
-    </p:extLst>
-  </p:cSld>
-  <p:clrMapOvr>
-    <a:masterClrMapping/>
-  </p:clrMapOvr>
-</p:sld>
-</file>
-
-<file path=ppt/slides/slide19.xml><?xml version="1.0" encoding="utf-8"?>
-<p:sld xmlns:a="http://schemas.openxmlformats.org/drawingml/2006/main" xmlns:r="http://schemas.openxmlformats.org/officeDocument/2006/relationships" xmlns:p="http://schemas.openxmlformats.org/presentationml/2006/main">
-  <p:cSld>
-    <p:bg>
-      <p:bgPr>
-        <a:solidFill>
-          <a:schemeClr val="bg1"/>
-        </a:solidFill>
-        <a:effectLst/>
-      </p:bgPr>
-    </p:bg>
-    <p:spTree>
-      <p:nvGrpSpPr>
-        <p:cNvPr id="1" name=""/>
-        <p:cNvGrpSpPr/>
-        <p:nvPr/>
-      </p:nvGrpSpPr>
-      <p:grpSpPr>
-        <a:xfrm>
-          <a:off x="0" y="0"/>
-          <a:ext cx="0" cy="0"/>
-          <a:chOff x="0" y="0"/>
-          <a:chExt cx="0" cy="0"/>
-        </a:xfrm>
-      </p:grpSpPr>
-      <p:sp>
-        <p:nvSpPr>
-          <p:cNvPr id="18" name="Rectangle 17">
-            <a:extLst>
-              <a:ext uri="{FF2B5EF4-FFF2-40B4-BE49-F238E27FC236}">
-                <a16:creationId xmlns:a16="http://schemas.microsoft.com/office/drawing/2014/main" id="{AB45A142-4255-493C-8284-5D566C121B10}"/>
-              </a:ext>
-            </a:extLst>
-          </p:cNvPr>
-          <p:cNvSpPr>
-            <a:spLocks noGrp="1" noRot="1" noChangeAspect="1" noMove="1" noResize="1" noEditPoints="1" noAdjustHandles="1" noChangeArrowheads="1" noChangeShapeType="1" noTextEdit="1"/>
-          </p:cNvSpPr>
-          <p:nvPr>
-            <p:extLst>
-              <p:ext uri="{386F3935-93C4-4BCD-93E2-E3B085C9AB24}">
-                <p16:designElem xmlns:p16="http://schemas.microsoft.com/office/powerpoint/2015/main" val="1"/>
-              </p:ext>
-            </p:extLst>
-          </p:nvPr>
-        </p:nvSpPr>
-        <p:spPr bwMode="ltGray">
-          <a:xfrm>
-            <a:off x="336884" y="321177"/>
-            <a:ext cx="4332307" cy="6179552"/>
-          </a:xfrm>
-          <a:prstGeom prst="rect">
-            <a:avLst/>
-          </a:prstGeom>
-          <a:solidFill>
-            <a:schemeClr val="tx1">
-              <a:lumMod val="75000"/>
-              <a:lumOff val="25000"/>
-            </a:schemeClr>
-          </a:solidFill>
-          <a:ln w="127000" cap="sq" cmpd="thinThick">
-            <a:solidFill>
-              <a:schemeClr val="tx1">
-                <a:lumMod val="75000"/>
-                <a:lumOff val="25000"/>
-              </a:schemeClr>
-            </a:solidFill>
-          </a:ln>
-        </p:spPr>
-        <p:style>
-          <a:lnRef idx="2">
-            <a:schemeClr val="accent1">
-              <a:shade val="50000"/>
-            </a:schemeClr>
-          </a:lnRef>
-          <a:fillRef idx="1">
-            <a:schemeClr val="accent1"/>
-          </a:fillRef>
-          <a:effectRef idx="0">
-            <a:schemeClr val="accent1"/>
-          </a:effectRef>
-          <a:fontRef idx="minor">
-            <a:schemeClr val="lt1"/>
-          </a:fontRef>
-        </p:style>
-        <p:txBody>
-          <a:bodyPr rtlCol="0" anchor="ctr"/>
-          <a:lstStyle/>
-          <a:p>
-            <a:pPr algn="ctr"/>
-            <a:endParaRPr lang="en-US"/>
-          </a:p>
-        </p:txBody>
-      </p:sp>
-      <p:cxnSp>
-        <p:nvCxnSpPr>
-          <p:cNvPr id="20" name="Straight Connector 19">
-            <a:extLst>
-              <a:ext uri="{FF2B5EF4-FFF2-40B4-BE49-F238E27FC236}">
-                <a16:creationId xmlns:a16="http://schemas.microsoft.com/office/drawing/2014/main" id="{38FB9660-F42F-4313-BBC4-47C007FE484C}"/>
-              </a:ext>
-            </a:extLst>
-          </p:cNvPr>
-          <p:cNvCxnSpPr>
-            <a:cxnSpLocks noGrp="1" noRot="1" noChangeAspect="1" noMove="1" noResize="1" noEditPoints="1" noAdjustHandles="1" noChangeArrowheads="1" noChangeShapeType="1"/>
-          </p:cNvCxnSpPr>
-          <p:nvPr>
-            <p:extLst>
-              <p:ext uri="{386F3935-93C4-4BCD-93E2-E3B085C9AB24}">
-                <p16:designElem xmlns:p16="http://schemas.microsoft.com/office/powerpoint/2015/main" val="1"/>
-              </p:ext>
-            </p:extLst>
-          </p:nvPr>
-        </p:nvCxnSpPr>
-        <p:spPr>
-          <a:xfrm>
-            <a:off x="1191126" y="3910267"/>
-            <a:ext cx="2586790" cy="0"/>
-          </a:xfrm>
-          <a:prstGeom prst="line">
-            <a:avLst/>
-          </a:prstGeom>
-          <a:ln w="22225">
-            <a:solidFill>
-              <a:schemeClr val="bg1">
-                <a:lumMod val="85000"/>
-              </a:schemeClr>
-            </a:solidFill>
-          </a:ln>
-        </p:spPr>
-        <p:style>
-          <a:lnRef idx="1">
-            <a:schemeClr val="accent1"/>
-          </a:lnRef>
-          <a:fillRef idx="0">
-            <a:schemeClr val="accent1"/>
-          </a:fillRef>
-          <a:effectRef idx="0">
-            <a:schemeClr val="accent1"/>
-          </a:effectRef>
-          <a:fontRef idx="minor">
-            <a:schemeClr val="tx1"/>
-          </a:fontRef>
-        </p:style>
-      </p:cxnSp>
-      <p:sp>
-        <p:nvSpPr>
-          <p:cNvPr id="2" name="Title 1">
-            <a:extLst>
-              <a:ext uri="{FF2B5EF4-FFF2-40B4-BE49-F238E27FC236}">
-                <a16:creationId xmlns:a16="http://schemas.microsoft.com/office/drawing/2014/main" id="{20D60239-8CB4-410A-BC9B-6BA24B25111F}"/>
-              </a:ext>
-            </a:extLst>
-          </p:cNvPr>
-          <p:cNvSpPr>
-            <a:spLocks noGrp="1"/>
-          </p:cNvSpPr>
-          <p:nvPr>
-            <p:ph type="title"/>
-          </p:nvPr>
-        </p:nvSpPr>
-        <p:spPr>
-          <a:xfrm>
-            <a:off x="674237" y="1771650"/>
-            <a:ext cx="3657600" cy="2887579"/>
-          </a:xfrm>
-        </p:spPr>
-        <p:txBody>
-          <a:bodyPr vert="horz" lIns="91440" tIns="45720" rIns="91440" bIns="45720" rtlCol="0" anchor="b">
-            <a:normAutofit/>
-          </a:bodyPr>
-          <a:lstStyle/>
-          <a:p>
-            <a:pPr algn="ctr"/>
-            <a:r>
-              <a:rPr lang="en-US" sz="3700" kern="1200" dirty="0">
-                <a:solidFill>
-                  <a:schemeClr val="bg1"/>
-                </a:solidFill>
-                <a:latin typeface="+mj-lt"/>
-                <a:ea typeface="+mj-ea"/>
-                <a:cs typeface="+mj-cs"/>
-              </a:rPr>
-              <a:t>System Sequence Diagram</a:t>
-            </a:r>
-            <a:br>
-              <a:rPr lang="en-US" sz="3700" kern="1200" dirty="0">
-                <a:solidFill>
-                  <a:schemeClr val="bg1"/>
-                </a:solidFill>
-                <a:latin typeface="+mj-lt"/>
-                <a:ea typeface="+mj-ea"/>
-                <a:cs typeface="+mj-cs"/>
-              </a:rPr>
-            </a:br>
-            <a:br>
-              <a:rPr lang="en-US" sz="3700" kern="1200" dirty="0">
-                <a:solidFill>
-                  <a:schemeClr val="bg1"/>
-                </a:solidFill>
-                <a:latin typeface="+mj-lt"/>
-                <a:ea typeface="+mj-ea"/>
-                <a:cs typeface="+mj-cs"/>
-              </a:rPr>
-            </a:br>
-            <a:r>
-              <a:rPr lang="en-US" sz="3700" kern="1200" dirty="0">
-                <a:solidFill>
-                  <a:schemeClr val="bg1"/>
-                </a:solidFill>
-                <a:latin typeface="+mj-lt"/>
-                <a:ea typeface="+mj-ea"/>
-                <a:cs typeface="+mj-cs"/>
-              </a:rPr>
-              <a:t>Event Planner</a:t>
-            </a:r>
-          </a:p>
-        </p:txBody>
-      </p:sp>
-      <p:pic>
-        <p:nvPicPr>
-          <p:cNvPr id="8" name="Content Placeholder 7">
-            <a:extLst>
-              <a:ext uri="{FF2B5EF4-FFF2-40B4-BE49-F238E27FC236}">
-                <a16:creationId xmlns:a16="http://schemas.microsoft.com/office/drawing/2014/main" id="{3256FDDE-92B9-441A-BDCC-8D509D8C9393}"/>
-              </a:ext>
-            </a:extLst>
-          </p:cNvPr>
-          <p:cNvPicPr>
-            <a:picLocks noGrp="1"/>
-          </p:cNvPicPr>
-          <p:nvPr>
-            <p:ph idx="1"/>
-          </p:nvPr>
-        </p:nvPicPr>
-        <p:blipFill>
-          <a:blip r:embed="rId2"/>
-          <a:stretch>
-            <a:fillRect/>
-          </a:stretch>
-        </p:blipFill>
-        <p:spPr>
-          <a:xfrm>
-            <a:off x="5430982" y="321177"/>
-            <a:ext cx="6086781" cy="5539874"/>
-          </a:xfrm>
-          <a:prstGeom prst="rect">
-            <a:avLst/>
-          </a:prstGeom>
-        </p:spPr>
-      </p:pic>
-    </p:spTree>
-    <p:extLst>
-      <p:ext uri="{BB962C8B-B14F-4D97-AF65-F5344CB8AC3E}">
-        <p14:creationId xmlns:p14="http://schemas.microsoft.com/office/powerpoint/2010/main" val="1441654731"/>
+        <p14:creationId xmlns:p14="http://schemas.microsoft.com/office/powerpoint/2010/main" val="3376625427"/>
       </p:ext>
     </p:extLst>
   </p:cSld>
@@ -7000,7 +7283,7 @@
     <p:bg>
       <p:bgPr>
         <a:solidFill>
-          <a:schemeClr val="bg1"/>
+          <a:schemeClr val="bg2"/>
         </a:solidFill>
         <a:effectLst/>
       </p:bgPr>
@@ -7021,10 +7304,10 @@
       </p:grpSpPr>
       <p:sp>
         <p:nvSpPr>
-          <p:cNvPr id="10" name="Rectangle 9">
-            <a:extLst>
-              <a:ext uri="{FF2B5EF4-FFF2-40B4-BE49-F238E27FC236}">
-                <a16:creationId xmlns:a16="http://schemas.microsoft.com/office/drawing/2014/main" id="{AB45A142-4255-493C-8284-5D566C121B10}"/>
+          <p:cNvPr id="24" name="Rectangle: Rounded Corners 23">
+            <a:extLst>
+              <a:ext uri="{FF2B5EF4-FFF2-40B4-BE49-F238E27FC236}">
+                <a16:creationId xmlns:a16="http://schemas.microsoft.com/office/drawing/2014/main" id="{6AA24DE7-C336-4994-8C52-D9B3F3D0FA4D}"/>
               </a:ext>
             </a:extLst>
           </p:cNvPr>
@@ -7039,27 +7322,21 @@
             </p:extLst>
           </p:nvPr>
         </p:nvSpPr>
-        <p:spPr bwMode="ltGray">
-          <a:xfrm>
-            <a:off x="336884" y="321177"/>
-            <a:ext cx="4332307" cy="6179552"/>
-          </a:xfrm>
-          <a:prstGeom prst="rect">
-            <a:avLst/>
+        <p:spPr>
+          <a:xfrm>
+            <a:off x="953311" y="953311"/>
+            <a:ext cx="10603149" cy="5263867"/>
+          </a:xfrm>
+          <a:prstGeom prst="roundRect">
+            <a:avLst>
+              <a:gd name="adj" fmla="val 1566"/>
+            </a:avLst>
           </a:prstGeom>
           <a:solidFill>
-            <a:schemeClr val="tx1">
-              <a:lumMod val="75000"/>
-              <a:lumOff val="25000"/>
-            </a:schemeClr>
+            <a:srgbClr val="FFFFFF"/>
           </a:solidFill>
-          <a:ln w="127000" cap="sq" cmpd="thinThick">
-            <a:solidFill>
-              <a:schemeClr val="tx1">
-                <a:lumMod val="75000"/>
-                <a:lumOff val="25000"/>
-              </a:schemeClr>
-            </a:solidFill>
+          <a:ln>
+            <a:noFill/>
           </a:ln>
         </p:spPr>
         <p:style>
@@ -7087,101 +7364,84 @@
           </a:p>
         </p:txBody>
       </p:sp>
-      <p:cxnSp>
-        <p:nvCxnSpPr>
-          <p:cNvPr id="12" name="Straight Connector 11">
-            <a:extLst>
-              <a:ext uri="{FF2B5EF4-FFF2-40B4-BE49-F238E27FC236}">
-                <a16:creationId xmlns:a16="http://schemas.microsoft.com/office/drawing/2014/main" id="{38FB9660-F42F-4313-BBC4-47C007FE484C}"/>
-              </a:ext>
-            </a:extLst>
-          </p:cNvPr>
-          <p:cNvCxnSpPr>
-            <a:cxnSpLocks noGrp="1" noRot="1" noChangeAspect="1" noMove="1" noResize="1" noEditPoints="1" noAdjustHandles="1" noChangeArrowheads="1" noChangeShapeType="1"/>
-          </p:cNvCxnSpPr>
-          <p:nvPr>
-            <p:extLst>
-              <p:ext uri="{386F3935-93C4-4BCD-93E2-E3B085C9AB24}">
-                <p16:designElem xmlns:p16="http://schemas.microsoft.com/office/powerpoint/2015/main" val="1"/>
-              </p:ext>
-            </p:extLst>
-          </p:nvPr>
-        </p:nvCxnSpPr>
-        <p:spPr>
-          <a:xfrm>
-            <a:off x="1191126" y="3910267"/>
-            <a:ext cx="2586790" cy="0"/>
-          </a:xfrm>
-          <a:prstGeom prst="line">
+      <p:sp>
+        <p:nvSpPr>
+          <p:cNvPr id="2" name="Title 1">
+            <a:extLst>
+              <a:ext uri="{FF2B5EF4-FFF2-40B4-BE49-F238E27FC236}">
+                <a16:creationId xmlns:a16="http://schemas.microsoft.com/office/drawing/2014/main" id="{8E7BD0A4-3C32-4072-B351-0957CF7039FB}"/>
+              </a:ext>
+            </a:extLst>
+          </p:cNvPr>
+          <p:cNvSpPr>
+            <a:spLocks noGrp="1"/>
+          </p:cNvSpPr>
+          <p:nvPr>
+            <p:ph type="title"/>
+          </p:nvPr>
+        </p:nvSpPr>
+        <p:spPr>
+          <a:xfrm>
+            <a:off x="462527" y="2211828"/>
+            <a:ext cx="2752354" cy="2709275"/>
+          </a:xfrm>
+          <a:prstGeom prst="rect">
             <a:avLst/>
           </a:prstGeom>
-          <a:ln w="22225">
+          <a:solidFill>
+            <a:schemeClr val="accent1"/>
+          </a:solidFill>
+          <a:ln w="174625" cmpd="thinThick">
             <a:solidFill>
-              <a:schemeClr val="bg1">
-                <a:lumMod val="85000"/>
+              <a:schemeClr val="bg2">
+                <a:lumMod val="25000"/>
               </a:schemeClr>
             </a:solidFill>
           </a:ln>
         </p:spPr>
-        <p:style>
-          <a:lnRef idx="1">
-            <a:schemeClr val="accent1"/>
-          </a:lnRef>
-          <a:fillRef idx="0">
-            <a:schemeClr val="accent1"/>
-          </a:fillRef>
-          <a:effectRef idx="0">
-            <a:schemeClr val="accent1"/>
-          </a:effectRef>
-          <a:fontRef idx="minor">
-            <a:schemeClr val="tx1"/>
-          </a:fontRef>
-        </p:style>
-      </p:cxnSp>
-      <p:sp>
-        <p:nvSpPr>
-          <p:cNvPr id="2" name="Title 1">
-            <a:extLst>
-              <a:ext uri="{FF2B5EF4-FFF2-40B4-BE49-F238E27FC236}">
-                <a16:creationId xmlns:a16="http://schemas.microsoft.com/office/drawing/2014/main" id="{20D60239-8CB4-410A-BC9B-6BA24B25111F}"/>
-              </a:ext>
-            </a:extLst>
-          </p:cNvPr>
-          <p:cNvSpPr>
-            <a:spLocks noGrp="1"/>
-          </p:cNvSpPr>
-          <p:nvPr>
-            <p:ph type="title"/>
-          </p:nvPr>
-        </p:nvSpPr>
-        <p:spPr>
-          <a:xfrm>
-            <a:off x="655721" y="1967163"/>
-            <a:ext cx="3657600" cy="2887579"/>
-          </a:xfrm>
-        </p:spPr>
-        <p:txBody>
-          <a:bodyPr vert="horz" lIns="91440" tIns="45720" rIns="91440" bIns="45720" rtlCol="0" anchor="b">
-            <a:normAutofit fontScale="90000"/>
+        <p:txBody>
+          <a:bodyPr vert="horz" lIns="91440" tIns="45720" rIns="91440" bIns="45720" rtlCol="0" anchor="ctr">
+            <a:normAutofit/>
           </a:bodyPr>
           <a:lstStyle/>
           <a:p>
             <a:pPr algn="ctr"/>
             <a:r>
-              <a:rPr lang="en-US" sz="4800" kern="1200" dirty="0">
+              <a:rPr lang="en-US" sz="2800" kern="1200" dirty="0">
                 <a:solidFill>
-                  <a:schemeClr val="bg1"/>
+                  <a:srgbClr val="FFFFFF"/>
                 </a:solidFill>
                 <a:latin typeface="+mj-lt"/>
                 <a:ea typeface="+mj-ea"/>
                 <a:cs typeface="+mj-cs"/>
               </a:rPr>
-              <a:t>System Sequence Diagram</a:t>
+              <a:t>Use Case Storyboard</a:t>
             </a:r>
             <a:br>
-              <a:rPr lang="en-US" sz="4800" kern="1200" dirty="0">
+              <a:rPr lang="en-US" sz="2800" kern="1200" dirty="0">
                 <a:solidFill>
-                  <a:schemeClr val="bg1"/>
+                  <a:srgbClr val="FFFFFF"/>
+                </a:solidFill>
+                <a:latin typeface="+mj-lt"/>
+                <a:ea typeface="+mj-ea"/>
+                <a:cs typeface="+mj-cs"/>
+              </a:rPr>
+            </a:br>
+            <a:r>
+              <a:rPr lang="en-US" sz="2800" kern="1200" dirty="0">
+                <a:solidFill>
+                  <a:srgbClr val="FFFFFF"/>
+                </a:solidFill>
+                <a:latin typeface="+mj-lt"/>
+                <a:ea typeface="+mj-ea"/>
+                <a:cs typeface="+mj-cs"/>
+              </a:rPr>
+              <a:t>____________</a:t>
+            </a:r>
+            <a:br>
+              <a:rPr lang="en-US" sz="2800" kern="1200" dirty="0">
+                <a:solidFill>
+                  <a:srgbClr val="FFFFFF"/>
                 </a:solidFill>
                 <a:latin typeface="+mj-lt"/>
                 <a:ea typeface="+mj-ea"/>
@@ -7189,9 +7449,9 @@
               </a:rPr>
             </a:br>
             <a:br>
-              <a:rPr lang="en-US" sz="4800" kern="1200" dirty="0">
+              <a:rPr lang="en-US" sz="2800" kern="1200" dirty="0">
                 <a:solidFill>
-                  <a:schemeClr val="bg1"/>
+                  <a:srgbClr val="FFFFFF"/>
                 </a:solidFill>
                 <a:latin typeface="+mj-lt"/>
                 <a:ea typeface="+mj-ea"/>
@@ -7199,34 +7459,37 @@
               </a:rPr>
             </a:br>
             <a:r>
-              <a:rPr lang="en-US" sz="4800" kern="1200" dirty="0">
+              <a:rPr lang="en-US" sz="2800" dirty="0">
                 <a:solidFill>
-                  <a:schemeClr val="bg1"/>
+                  <a:srgbClr val="FFFFFF"/>
                 </a:solidFill>
-                <a:latin typeface="+mj-lt"/>
-                <a:ea typeface="+mj-ea"/>
-                <a:cs typeface="+mj-cs"/>
               </a:rPr>
-              <a:t>Kitchen </a:t>
-            </a:r>
+              <a:t>Kitchen</a:t>
+            </a:r>
+            <a:endParaRPr lang="en-US" sz="2800" kern="1200" dirty="0">
+              <a:solidFill>
+                <a:srgbClr val="FFFFFF"/>
+              </a:solidFill>
+              <a:latin typeface="+mj-lt"/>
+              <a:ea typeface="+mj-ea"/>
+              <a:cs typeface="+mj-cs"/>
+            </a:endParaRPr>
           </a:p>
         </p:txBody>
       </p:sp>
       <p:pic>
         <p:nvPicPr>
-          <p:cNvPr id="9" name="Content Placeholder 8">
-            <a:extLst>
-              <a:ext uri="{FF2B5EF4-FFF2-40B4-BE49-F238E27FC236}">
-                <a16:creationId xmlns:a16="http://schemas.microsoft.com/office/drawing/2014/main" id="{54C749A6-AB36-4ADF-B904-D3956FCF5F7F}"/>
+          <p:cNvPr id="3" name="Picture 2">
+            <a:extLst>
+              <a:ext uri="{FF2B5EF4-FFF2-40B4-BE49-F238E27FC236}">
+                <a16:creationId xmlns:a16="http://schemas.microsoft.com/office/drawing/2014/main" id="{39D86EC1-5E85-42F5-818A-4288302915C8}"/>
               </a:ext>
             </a:extLst>
           </p:cNvPr>
           <p:cNvPicPr>
-            <a:picLocks noGrp="1"/>
+            <a:picLocks noChangeAspect="1"/>
           </p:cNvPicPr>
-          <p:nvPr>
-            <p:ph idx="1"/>
-          </p:nvPr>
+          <p:nvPr/>
         </p:nvPicPr>
         <p:blipFill>
           <a:blip r:embed="rId2"/>
@@ -7236,8 +7499,8 @@
         </p:blipFill>
         <p:spPr>
           <a:xfrm>
-            <a:off x="5403273" y="997527"/>
-            <a:ext cx="6133006" cy="4649815"/>
+            <a:off x="3532082" y="2074362"/>
+            <a:ext cx="7564696" cy="2709275"/>
           </a:xfrm>
           <a:prstGeom prst="rect">
             <a:avLst/>
@@ -7247,7 +7510,7 @@
     </p:spTree>
     <p:extLst>
       <p:ext uri="{BB962C8B-B14F-4D97-AF65-F5344CB8AC3E}">
-        <p14:creationId xmlns:p14="http://schemas.microsoft.com/office/powerpoint/2010/main" val="637388317"/>
+        <p14:creationId xmlns:p14="http://schemas.microsoft.com/office/powerpoint/2010/main" val="3265234073"/>
       </p:ext>
     </p:extLst>
   </p:cSld>
@@ -7263,7 +7526,7 @@
     <p:bg>
       <p:bgPr>
         <a:solidFill>
-          <a:schemeClr val="bg1"/>
+          <a:schemeClr val="bg2"/>
         </a:solidFill>
         <a:effectLst/>
       </p:bgPr>
@@ -7284,10 +7547,10 @@
       </p:grpSpPr>
       <p:sp>
         <p:nvSpPr>
-          <p:cNvPr id="10" name="Rectangle 9">
-            <a:extLst>
-              <a:ext uri="{FF2B5EF4-FFF2-40B4-BE49-F238E27FC236}">
-                <a16:creationId xmlns:a16="http://schemas.microsoft.com/office/drawing/2014/main" id="{AB45A142-4255-493C-8284-5D566C121B10}"/>
+          <p:cNvPr id="24" name="Rectangle: Rounded Corners 23">
+            <a:extLst>
+              <a:ext uri="{FF2B5EF4-FFF2-40B4-BE49-F238E27FC236}">
+                <a16:creationId xmlns:a16="http://schemas.microsoft.com/office/drawing/2014/main" id="{6AA24DE7-C336-4994-8C52-D9B3F3D0FA4D}"/>
               </a:ext>
             </a:extLst>
           </p:cNvPr>
@@ -7302,27 +7565,21 @@
             </p:extLst>
           </p:nvPr>
         </p:nvSpPr>
-        <p:spPr bwMode="ltGray">
-          <a:xfrm>
-            <a:off x="336884" y="321177"/>
-            <a:ext cx="4332307" cy="6179552"/>
-          </a:xfrm>
-          <a:prstGeom prst="rect">
-            <a:avLst/>
+        <p:spPr>
+          <a:xfrm>
+            <a:off x="953311" y="953311"/>
+            <a:ext cx="10603149" cy="5263867"/>
+          </a:xfrm>
+          <a:prstGeom prst="roundRect">
+            <a:avLst>
+              <a:gd name="adj" fmla="val 1566"/>
+            </a:avLst>
           </a:prstGeom>
           <a:solidFill>
-            <a:schemeClr val="tx1">
-              <a:lumMod val="75000"/>
-              <a:lumOff val="25000"/>
-            </a:schemeClr>
+            <a:srgbClr val="FFFFFF"/>
           </a:solidFill>
-          <a:ln w="127000" cap="sq" cmpd="thinThick">
-            <a:solidFill>
-              <a:schemeClr val="tx1">
-                <a:lumMod val="75000"/>
-                <a:lumOff val="25000"/>
-              </a:schemeClr>
-            </a:solidFill>
+          <a:ln>
+            <a:noFill/>
           </a:ln>
         </p:spPr>
         <p:style>
@@ -7350,101 +7607,84 @@
           </a:p>
         </p:txBody>
       </p:sp>
-      <p:cxnSp>
-        <p:nvCxnSpPr>
-          <p:cNvPr id="12" name="Straight Connector 11">
-            <a:extLst>
-              <a:ext uri="{FF2B5EF4-FFF2-40B4-BE49-F238E27FC236}">
-                <a16:creationId xmlns:a16="http://schemas.microsoft.com/office/drawing/2014/main" id="{38FB9660-F42F-4313-BBC4-47C007FE484C}"/>
-              </a:ext>
-            </a:extLst>
-          </p:cNvPr>
-          <p:cNvCxnSpPr>
-            <a:cxnSpLocks noGrp="1" noRot="1" noChangeAspect="1" noMove="1" noResize="1" noEditPoints="1" noAdjustHandles="1" noChangeArrowheads="1" noChangeShapeType="1"/>
-          </p:cNvCxnSpPr>
-          <p:nvPr>
-            <p:extLst>
-              <p:ext uri="{386F3935-93C4-4BCD-93E2-E3B085C9AB24}">
-                <p16:designElem xmlns:p16="http://schemas.microsoft.com/office/powerpoint/2015/main" val="1"/>
-              </p:ext>
-            </p:extLst>
-          </p:nvPr>
-        </p:nvCxnSpPr>
-        <p:spPr>
-          <a:xfrm>
-            <a:off x="1191126" y="3910267"/>
-            <a:ext cx="2586790" cy="0"/>
-          </a:xfrm>
-          <a:prstGeom prst="line">
+      <p:sp>
+        <p:nvSpPr>
+          <p:cNvPr id="2" name="Title 1">
+            <a:extLst>
+              <a:ext uri="{FF2B5EF4-FFF2-40B4-BE49-F238E27FC236}">
+                <a16:creationId xmlns:a16="http://schemas.microsoft.com/office/drawing/2014/main" id="{8E7BD0A4-3C32-4072-B351-0957CF7039FB}"/>
+              </a:ext>
+            </a:extLst>
+          </p:cNvPr>
+          <p:cNvSpPr>
+            <a:spLocks noGrp="1"/>
+          </p:cNvSpPr>
+          <p:nvPr>
+            <p:ph type="title"/>
+          </p:nvPr>
+        </p:nvSpPr>
+        <p:spPr>
+          <a:xfrm>
+            <a:off x="462527" y="2211828"/>
+            <a:ext cx="2752354" cy="2709275"/>
+          </a:xfrm>
+          <a:prstGeom prst="rect">
             <a:avLst/>
           </a:prstGeom>
-          <a:ln w="22225">
+          <a:solidFill>
+            <a:schemeClr val="accent1"/>
+          </a:solidFill>
+          <a:ln w="174625" cmpd="thinThick">
             <a:solidFill>
-              <a:schemeClr val="bg1">
-                <a:lumMod val="85000"/>
+              <a:schemeClr val="bg2">
+                <a:lumMod val="25000"/>
               </a:schemeClr>
             </a:solidFill>
           </a:ln>
         </p:spPr>
-        <p:style>
-          <a:lnRef idx="1">
-            <a:schemeClr val="accent1"/>
-          </a:lnRef>
-          <a:fillRef idx="0">
-            <a:schemeClr val="accent1"/>
-          </a:fillRef>
-          <a:effectRef idx="0">
-            <a:schemeClr val="accent1"/>
-          </a:effectRef>
-          <a:fontRef idx="minor">
-            <a:schemeClr val="tx1"/>
-          </a:fontRef>
-        </p:style>
-      </p:cxnSp>
-      <p:sp>
-        <p:nvSpPr>
-          <p:cNvPr id="2" name="Title 1">
-            <a:extLst>
-              <a:ext uri="{FF2B5EF4-FFF2-40B4-BE49-F238E27FC236}">
-                <a16:creationId xmlns:a16="http://schemas.microsoft.com/office/drawing/2014/main" id="{20D60239-8CB4-410A-BC9B-6BA24B25111F}"/>
-              </a:ext>
-            </a:extLst>
-          </p:cNvPr>
-          <p:cNvSpPr>
-            <a:spLocks noGrp="1"/>
-          </p:cNvSpPr>
-          <p:nvPr>
-            <p:ph type="title"/>
-          </p:nvPr>
-        </p:nvSpPr>
-        <p:spPr>
-          <a:xfrm>
-            <a:off x="655721" y="1967163"/>
-            <a:ext cx="3657600" cy="2887579"/>
-          </a:xfrm>
-        </p:spPr>
-        <p:txBody>
-          <a:bodyPr vert="horz" lIns="91440" tIns="45720" rIns="91440" bIns="45720" rtlCol="0" anchor="b">
-            <a:normAutofit fontScale="90000"/>
+        <p:txBody>
+          <a:bodyPr vert="horz" lIns="91440" tIns="45720" rIns="91440" bIns="45720" rtlCol="0" anchor="ctr">
+            <a:normAutofit/>
           </a:bodyPr>
           <a:lstStyle/>
           <a:p>
             <a:pPr algn="ctr"/>
             <a:r>
-              <a:rPr lang="en-US" sz="4800" kern="1200" dirty="0">
+              <a:rPr lang="en-US" sz="2800" kern="1200" dirty="0">
                 <a:solidFill>
-                  <a:schemeClr val="bg1"/>
+                  <a:srgbClr val="FFFFFF"/>
                 </a:solidFill>
                 <a:latin typeface="+mj-lt"/>
                 <a:ea typeface="+mj-ea"/>
                 <a:cs typeface="+mj-cs"/>
               </a:rPr>
-              <a:t>System Sequence Diagram</a:t>
+              <a:t>Use Case Storyboard</a:t>
             </a:r>
             <a:br>
-              <a:rPr lang="en-US" sz="4800" kern="1200" dirty="0">
+              <a:rPr lang="en-US" sz="2800" kern="1200" dirty="0">
                 <a:solidFill>
-                  <a:schemeClr val="bg1"/>
+                  <a:srgbClr val="FFFFFF"/>
+                </a:solidFill>
+                <a:latin typeface="+mj-lt"/>
+                <a:ea typeface="+mj-ea"/>
+                <a:cs typeface="+mj-cs"/>
+              </a:rPr>
+            </a:br>
+            <a:r>
+              <a:rPr lang="en-US" sz="2800" kern="1200" dirty="0">
+                <a:solidFill>
+                  <a:srgbClr val="FFFFFF"/>
+                </a:solidFill>
+                <a:latin typeface="+mj-lt"/>
+                <a:ea typeface="+mj-ea"/>
+                <a:cs typeface="+mj-cs"/>
+              </a:rPr>
+              <a:t>____________</a:t>
+            </a:r>
+            <a:br>
+              <a:rPr lang="en-US" sz="2800" kern="1200" dirty="0">
+                <a:solidFill>
+                  <a:srgbClr val="FFFFFF"/>
                 </a:solidFill>
                 <a:latin typeface="+mj-lt"/>
                 <a:ea typeface="+mj-ea"/>
@@ -7452,9 +7692,9 @@
               </a:rPr>
             </a:br>
             <a:br>
-              <a:rPr lang="en-US" sz="4800" kern="1200" dirty="0">
+              <a:rPr lang="en-US" sz="2800" kern="1200" dirty="0">
                 <a:solidFill>
-                  <a:schemeClr val="bg1"/>
+                  <a:srgbClr val="FFFFFF"/>
                 </a:solidFill>
                 <a:latin typeface="+mj-lt"/>
                 <a:ea typeface="+mj-ea"/>
@@ -7462,9 +7702,9 @@
               </a:rPr>
             </a:br>
             <a:r>
-              <a:rPr lang="en-US" sz="4800" kern="1200" dirty="0">
+              <a:rPr lang="en-US" sz="2800" kern="1200" dirty="0">
                 <a:solidFill>
-                  <a:schemeClr val="bg1"/>
+                  <a:srgbClr val="FFFFFF"/>
                 </a:solidFill>
                 <a:latin typeface="+mj-lt"/>
                 <a:ea typeface="+mj-ea"/>
@@ -7477,19 +7717,17 @@
       </p:sp>
       <p:pic>
         <p:nvPicPr>
-          <p:cNvPr id="9" name="Content Placeholder 8">
-            <a:extLst>
-              <a:ext uri="{FF2B5EF4-FFF2-40B4-BE49-F238E27FC236}">
-                <a16:creationId xmlns:a16="http://schemas.microsoft.com/office/drawing/2014/main" id="{717545ED-7A24-4433-AF52-BCFB239DEEF5}"/>
+          <p:cNvPr id="4" name="Picture 3">
+            <a:extLst>
+              <a:ext uri="{FF2B5EF4-FFF2-40B4-BE49-F238E27FC236}">
+                <a16:creationId xmlns:a16="http://schemas.microsoft.com/office/drawing/2014/main" id="{ED3E7F90-BD78-4DDA-9874-53483DF62910}"/>
               </a:ext>
             </a:extLst>
           </p:cNvPr>
           <p:cNvPicPr>
-            <a:picLocks noGrp="1"/>
+            <a:picLocks noChangeAspect="1"/>
           </p:cNvPicPr>
-          <p:nvPr>
-            <p:ph idx="1"/>
-          </p:nvPr>
+          <p:nvPr/>
         </p:nvPicPr>
         <p:blipFill>
           <a:blip r:embed="rId2"/>
@@ -7499,8 +7737,8 @@
         </p:blipFill>
         <p:spPr>
           <a:xfrm>
-            <a:off x="5204596" y="803564"/>
-            <a:ext cx="6650520" cy="4488872"/>
+            <a:off x="3382297" y="1834388"/>
+            <a:ext cx="8023122" cy="3086715"/>
           </a:xfrm>
           <a:prstGeom prst="rect">
             <a:avLst/>
@@ -7510,7 +7748,7 @@
     </p:spTree>
     <p:extLst>
       <p:ext uri="{BB962C8B-B14F-4D97-AF65-F5344CB8AC3E}">
-        <p14:creationId xmlns:p14="http://schemas.microsoft.com/office/powerpoint/2010/main" val="3489440260"/>
+        <p14:creationId xmlns:p14="http://schemas.microsoft.com/office/powerpoint/2010/main" val="1714832951"/>
       </p:ext>
     </p:extLst>
   </p:cSld>
@@ -7547,10 +7785,10 @@
       </p:grpSpPr>
       <p:sp>
         <p:nvSpPr>
-          <p:cNvPr id="26" name="Rectangle 25">
-            <a:extLst>
-              <a:ext uri="{FF2B5EF4-FFF2-40B4-BE49-F238E27FC236}">
-                <a16:creationId xmlns:a16="http://schemas.microsoft.com/office/drawing/2014/main" id="{047C8CCB-F95D-4249-92DD-651249D3535A}"/>
+          <p:cNvPr id="18" name="Rectangle 17">
+            <a:extLst>
+              <a:ext uri="{FF2B5EF4-FFF2-40B4-BE49-F238E27FC236}">
+                <a16:creationId xmlns:a16="http://schemas.microsoft.com/office/drawing/2014/main" id="{AB45A142-4255-493C-8284-5D566C121B10}"/>
               </a:ext>
             </a:extLst>
           </p:cNvPr>
@@ -7565,22 +7803,27 @@
             </p:extLst>
           </p:nvPr>
         </p:nvSpPr>
-        <p:spPr>
-          <a:xfrm>
-            <a:off x="0" y="0"/>
-            <a:ext cx="2013557" cy="6858000"/>
+        <p:spPr bwMode="ltGray">
+          <a:xfrm>
+            <a:off x="336884" y="321177"/>
+            <a:ext cx="4332307" cy="6179552"/>
           </a:xfrm>
           <a:prstGeom prst="rect">
             <a:avLst/>
           </a:prstGeom>
           <a:solidFill>
             <a:schemeClr val="tx1">
-              <a:lumMod val="50000"/>
-              <a:lumOff val="50000"/>
+              <a:lumMod val="75000"/>
+              <a:lumOff val="25000"/>
             </a:schemeClr>
           </a:solidFill>
-          <a:ln>
-            <a:noFill/>
+          <a:ln w="127000" cap="sq" cmpd="thinThick">
+            <a:solidFill>
+              <a:schemeClr val="tx1">
+                <a:lumMod val="75000"/>
+                <a:lumOff val="25000"/>
+              </a:schemeClr>
+            </a:solidFill>
           </a:ln>
         </p:spPr>
         <p:style>
@@ -7608,54 +7851,88 @@
           </a:p>
         </p:txBody>
       </p:sp>
-      <p:sp>
-        <p:nvSpPr>
-          <p:cNvPr id="2" name="Title 1">
-            <a:extLst>
-              <a:ext uri="{FF2B5EF4-FFF2-40B4-BE49-F238E27FC236}">
-                <a16:creationId xmlns:a16="http://schemas.microsoft.com/office/drawing/2014/main" id="{CD6C2030-3FEC-47D7-B39C-8EEE6B7CCC11}"/>
-              </a:ext>
-            </a:extLst>
-          </p:cNvPr>
-          <p:cNvSpPr>
-            <a:spLocks noGrp="1"/>
-          </p:cNvSpPr>
-          <p:nvPr>
-            <p:ph type="title"/>
-          </p:nvPr>
-        </p:nvSpPr>
-        <p:spPr>
-          <a:xfrm>
-            <a:off x="555239" y="2074362"/>
-            <a:ext cx="2752354" cy="2709275"/>
-          </a:xfrm>
-          <a:prstGeom prst="ellipse">
+      <p:cxnSp>
+        <p:nvCxnSpPr>
+          <p:cNvPr id="20" name="Straight Connector 19">
+            <a:extLst>
+              <a:ext uri="{FF2B5EF4-FFF2-40B4-BE49-F238E27FC236}">
+                <a16:creationId xmlns:a16="http://schemas.microsoft.com/office/drawing/2014/main" id="{38FB9660-F42F-4313-BBC4-47C007FE484C}"/>
+              </a:ext>
+            </a:extLst>
+          </p:cNvPr>
+          <p:cNvCxnSpPr>
+            <a:cxnSpLocks noGrp="1" noRot="1" noChangeAspect="1" noMove="1" noResize="1" noEditPoints="1" noAdjustHandles="1" noChangeArrowheads="1" noChangeShapeType="1"/>
+          </p:cNvCxnSpPr>
+          <p:nvPr>
+            <p:extLst>
+              <p:ext uri="{386F3935-93C4-4BCD-93E2-E3B085C9AB24}">
+                <p16:designElem xmlns:p16="http://schemas.microsoft.com/office/powerpoint/2015/main" val="1"/>
+              </p:ext>
+            </p:extLst>
+          </p:nvPr>
+        </p:nvCxnSpPr>
+        <p:spPr>
+          <a:xfrm>
+            <a:off x="1191126" y="3910267"/>
+            <a:ext cx="2586790" cy="0"/>
+          </a:xfrm>
+          <a:prstGeom prst="line">
             <a:avLst/>
           </a:prstGeom>
-          <a:solidFill>
-            <a:schemeClr val="tx1">
-              <a:lumMod val="85000"/>
-              <a:lumOff val="15000"/>
-            </a:schemeClr>
-          </a:solidFill>
-          <a:ln w="174625" cmpd="thinThick">
+          <a:ln w="22225">
             <a:solidFill>
-              <a:schemeClr val="tx1">
+              <a:schemeClr val="bg1">
                 <a:lumMod val="85000"/>
-                <a:lumOff val="15000"/>
               </a:schemeClr>
             </a:solidFill>
           </a:ln>
         </p:spPr>
-        <p:txBody>
-          <a:bodyPr vert="horz" lIns="91440" tIns="45720" rIns="91440" bIns="45720" rtlCol="0" anchor="ctr">
-            <a:normAutofit fontScale="90000"/>
+        <p:style>
+          <a:lnRef idx="1">
+            <a:schemeClr val="accent1"/>
+          </a:lnRef>
+          <a:fillRef idx="0">
+            <a:schemeClr val="accent1"/>
+          </a:fillRef>
+          <a:effectRef idx="0">
+            <a:schemeClr val="accent1"/>
+          </a:effectRef>
+          <a:fontRef idx="minor">
+            <a:schemeClr val="tx1"/>
+          </a:fontRef>
+        </p:style>
+      </p:cxnSp>
+      <p:sp>
+        <p:nvSpPr>
+          <p:cNvPr id="2" name="Title 1">
+            <a:extLst>
+              <a:ext uri="{FF2B5EF4-FFF2-40B4-BE49-F238E27FC236}">
+                <a16:creationId xmlns:a16="http://schemas.microsoft.com/office/drawing/2014/main" id="{20D60239-8CB4-410A-BC9B-6BA24B25111F}"/>
+              </a:ext>
+            </a:extLst>
+          </p:cNvPr>
+          <p:cNvSpPr>
+            <a:spLocks noGrp="1"/>
+          </p:cNvSpPr>
+          <p:nvPr>
+            <p:ph type="title"/>
+          </p:nvPr>
+        </p:nvSpPr>
+        <p:spPr>
+          <a:xfrm>
+            <a:off x="674237" y="1771650"/>
+            <a:ext cx="3657600" cy="2887579"/>
+          </a:xfrm>
+        </p:spPr>
+        <p:txBody>
+          <a:bodyPr vert="horz" lIns="91440" tIns="45720" rIns="91440" bIns="45720" rtlCol="0" anchor="b">
+            <a:normAutofit/>
           </a:bodyPr>
           <a:lstStyle/>
           <a:p>
             <a:pPr algn="ctr"/>
             <a:r>
-              <a:rPr lang="en-US" sz="2600" kern="1200" dirty="0">
+              <a:rPr lang="en-US" sz="3700" kern="1200" dirty="0">
                 <a:solidFill>
                   <a:schemeClr val="bg1"/>
                 </a:solidFill>
@@ -7663,31 +7940,10 @@
                 <a:ea typeface="+mj-ea"/>
                 <a:cs typeface="+mj-cs"/>
               </a:rPr>
-              <a:t>Sequence Diagram</a:t>
+              <a:t>System Sequence Diagram</a:t>
             </a:r>
             <a:br>
-              <a:rPr lang="en-US" sz="2600" kern="1200" dirty="0">
-                <a:solidFill>
-                  <a:schemeClr val="bg1"/>
-                </a:solidFill>
-                <a:latin typeface="+mj-lt"/>
-                <a:ea typeface="+mj-ea"/>
-                <a:cs typeface="+mj-cs"/>
-              </a:rPr>
-            </a:br>
-            <a:r>
-              <a:rPr lang="en-US" sz="2600" kern="1200" dirty="0">
-                <a:solidFill>
-                  <a:schemeClr val="bg1"/>
-                </a:solidFill>
-                <a:latin typeface="+mj-lt"/>
-                <a:ea typeface="+mj-ea"/>
-                <a:cs typeface="+mj-cs"/>
-              </a:rPr>
-              <a:t>___________</a:t>
-            </a:r>
-            <a:br>
-              <a:rPr lang="en-US" sz="2600" kern="1200" dirty="0">
+              <a:rPr lang="en-US" sz="3700" kern="1200" dirty="0">
                 <a:solidFill>
                   <a:schemeClr val="bg1"/>
                 </a:solidFill>
@@ -7697,7 +7953,7 @@
               </a:rPr>
             </a:br>
             <a:br>
-              <a:rPr lang="en-US" sz="2600" kern="1200" dirty="0">
+              <a:rPr lang="en-US" sz="3700" kern="1200" dirty="0">
                 <a:solidFill>
                   <a:schemeClr val="bg1"/>
                 </a:solidFill>
@@ -7707,7 +7963,7 @@
               </a:rPr>
             </a:br>
             <a:r>
-              <a:rPr lang="en-US" sz="2600" kern="1200" dirty="0">
+              <a:rPr lang="en-US" sz="3700" kern="1200" dirty="0">
                 <a:solidFill>
                   <a:schemeClr val="bg1"/>
                 </a:solidFill>
@@ -7722,17 +7978,19 @@
       </p:sp>
       <p:pic>
         <p:nvPicPr>
-          <p:cNvPr id="3" name="Picture 2">
-            <a:extLst>
-              <a:ext uri="{FF2B5EF4-FFF2-40B4-BE49-F238E27FC236}">
-                <a16:creationId xmlns:a16="http://schemas.microsoft.com/office/drawing/2014/main" id="{DAECA5E0-3AE4-4905-A4FA-C9F8E821327F}"/>
+          <p:cNvPr id="8" name="Content Placeholder 7">
+            <a:extLst>
+              <a:ext uri="{FF2B5EF4-FFF2-40B4-BE49-F238E27FC236}">
+                <a16:creationId xmlns:a16="http://schemas.microsoft.com/office/drawing/2014/main" id="{3256FDDE-92B9-441A-BDCC-8D509D8C9393}"/>
               </a:ext>
             </a:extLst>
           </p:cNvPr>
           <p:cNvPicPr>
-            <a:picLocks noChangeAspect="1"/>
+            <a:picLocks noGrp="1"/>
           </p:cNvPicPr>
-          <p:nvPr/>
+          <p:nvPr>
+            <p:ph idx="1"/>
+          </p:nvPr>
         </p:nvPicPr>
         <p:blipFill>
           <a:blip r:embed="rId2"/>
@@ -7742,8 +8000,8 @@
         </p:blipFill>
         <p:spPr>
           <a:xfrm>
-            <a:off x="3569110" y="481780"/>
-            <a:ext cx="7875209" cy="6376219"/>
+            <a:off x="5430982" y="321177"/>
+            <a:ext cx="6086781" cy="5539874"/>
           </a:xfrm>
           <a:prstGeom prst="rect">
             <a:avLst/>
@@ -7753,7 +8011,7 @@
     </p:spTree>
     <p:extLst>
       <p:ext uri="{BB962C8B-B14F-4D97-AF65-F5344CB8AC3E}">
-        <p14:creationId xmlns:p14="http://schemas.microsoft.com/office/powerpoint/2010/main" val="3593248973"/>
+        <p14:creationId xmlns:p14="http://schemas.microsoft.com/office/powerpoint/2010/main" val="1441654731"/>
       </p:ext>
     </p:extLst>
   </p:cSld>
@@ -7790,10 +8048,10 @@
       </p:grpSpPr>
       <p:sp>
         <p:nvSpPr>
-          <p:cNvPr id="26" name="Rectangle 25">
-            <a:extLst>
-              <a:ext uri="{FF2B5EF4-FFF2-40B4-BE49-F238E27FC236}">
-                <a16:creationId xmlns:a16="http://schemas.microsoft.com/office/drawing/2014/main" id="{047C8CCB-F95D-4249-92DD-651249D3535A}"/>
+          <p:cNvPr id="10" name="Rectangle 9">
+            <a:extLst>
+              <a:ext uri="{FF2B5EF4-FFF2-40B4-BE49-F238E27FC236}">
+                <a16:creationId xmlns:a16="http://schemas.microsoft.com/office/drawing/2014/main" id="{AB45A142-4255-493C-8284-5D566C121B10}"/>
               </a:ext>
             </a:extLst>
           </p:cNvPr>
@@ -7808,22 +8066,27 @@
             </p:extLst>
           </p:nvPr>
         </p:nvSpPr>
-        <p:spPr>
-          <a:xfrm>
-            <a:off x="0" y="0"/>
-            <a:ext cx="2013557" cy="6858000"/>
+        <p:spPr bwMode="ltGray">
+          <a:xfrm>
+            <a:off x="336884" y="321177"/>
+            <a:ext cx="4332307" cy="6179552"/>
           </a:xfrm>
           <a:prstGeom prst="rect">
             <a:avLst/>
           </a:prstGeom>
           <a:solidFill>
             <a:schemeClr val="tx1">
-              <a:lumMod val="50000"/>
-              <a:lumOff val="50000"/>
+              <a:lumMod val="75000"/>
+              <a:lumOff val="25000"/>
             </a:schemeClr>
           </a:solidFill>
-          <a:ln>
-            <a:noFill/>
+          <a:ln w="127000" cap="sq" cmpd="thinThick">
+            <a:solidFill>
+              <a:schemeClr val="tx1">
+                <a:lumMod val="75000"/>
+                <a:lumOff val="25000"/>
+              </a:schemeClr>
+            </a:solidFill>
           </a:ln>
         </p:spPr>
         <p:style>
@@ -7851,54 +8114,88 @@
           </a:p>
         </p:txBody>
       </p:sp>
-      <p:sp>
-        <p:nvSpPr>
-          <p:cNvPr id="2" name="Title 1">
-            <a:extLst>
-              <a:ext uri="{FF2B5EF4-FFF2-40B4-BE49-F238E27FC236}">
-                <a16:creationId xmlns:a16="http://schemas.microsoft.com/office/drawing/2014/main" id="{CD6C2030-3FEC-47D7-B39C-8EEE6B7CCC11}"/>
-              </a:ext>
-            </a:extLst>
-          </p:cNvPr>
-          <p:cNvSpPr>
-            <a:spLocks noGrp="1"/>
-          </p:cNvSpPr>
-          <p:nvPr>
-            <p:ph type="title"/>
-          </p:nvPr>
-        </p:nvSpPr>
-        <p:spPr>
-          <a:xfrm>
-            <a:off x="640080" y="2074363"/>
-            <a:ext cx="2752354" cy="2709275"/>
-          </a:xfrm>
-          <a:prstGeom prst="ellipse">
+      <p:cxnSp>
+        <p:nvCxnSpPr>
+          <p:cNvPr id="12" name="Straight Connector 11">
+            <a:extLst>
+              <a:ext uri="{FF2B5EF4-FFF2-40B4-BE49-F238E27FC236}">
+                <a16:creationId xmlns:a16="http://schemas.microsoft.com/office/drawing/2014/main" id="{38FB9660-F42F-4313-BBC4-47C007FE484C}"/>
+              </a:ext>
+            </a:extLst>
+          </p:cNvPr>
+          <p:cNvCxnSpPr>
+            <a:cxnSpLocks noGrp="1" noRot="1" noChangeAspect="1" noMove="1" noResize="1" noEditPoints="1" noAdjustHandles="1" noChangeArrowheads="1" noChangeShapeType="1"/>
+          </p:cNvCxnSpPr>
+          <p:nvPr>
+            <p:extLst>
+              <p:ext uri="{386F3935-93C4-4BCD-93E2-E3B085C9AB24}">
+                <p16:designElem xmlns:p16="http://schemas.microsoft.com/office/powerpoint/2015/main" val="1"/>
+              </p:ext>
+            </p:extLst>
+          </p:nvPr>
+        </p:nvCxnSpPr>
+        <p:spPr>
+          <a:xfrm>
+            <a:off x="1191126" y="3910267"/>
+            <a:ext cx="2586790" cy="0"/>
+          </a:xfrm>
+          <a:prstGeom prst="line">
             <a:avLst/>
           </a:prstGeom>
-          <a:solidFill>
-            <a:schemeClr val="tx1">
-              <a:lumMod val="85000"/>
-              <a:lumOff val="15000"/>
-            </a:schemeClr>
-          </a:solidFill>
-          <a:ln w="174625" cmpd="thinThick">
+          <a:ln w="22225">
             <a:solidFill>
-              <a:schemeClr val="tx1">
+              <a:schemeClr val="bg1">
                 <a:lumMod val="85000"/>
-                <a:lumOff val="15000"/>
               </a:schemeClr>
             </a:solidFill>
           </a:ln>
         </p:spPr>
-        <p:txBody>
-          <a:bodyPr vert="horz" lIns="91440" tIns="45720" rIns="91440" bIns="45720" rtlCol="0" anchor="ctr">
-            <a:normAutofit/>
+        <p:style>
+          <a:lnRef idx="1">
+            <a:schemeClr val="accent1"/>
+          </a:lnRef>
+          <a:fillRef idx="0">
+            <a:schemeClr val="accent1"/>
+          </a:fillRef>
+          <a:effectRef idx="0">
+            <a:schemeClr val="accent1"/>
+          </a:effectRef>
+          <a:fontRef idx="minor">
+            <a:schemeClr val="tx1"/>
+          </a:fontRef>
+        </p:style>
+      </p:cxnSp>
+      <p:sp>
+        <p:nvSpPr>
+          <p:cNvPr id="2" name="Title 1">
+            <a:extLst>
+              <a:ext uri="{FF2B5EF4-FFF2-40B4-BE49-F238E27FC236}">
+                <a16:creationId xmlns:a16="http://schemas.microsoft.com/office/drawing/2014/main" id="{20D60239-8CB4-410A-BC9B-6BA24B25111F}"/>
+              </a:ext>
+            </a:extLst>
+          </p:cNvPr>
+          <p:cNvSpPr>
+            <a:spLocks noGrp="1"/>
+          </p:cNvSpPr>
+          <p:nvPr>
+            <p:ph type="title"/>
+          </p:nvPr>
+        </p:nvSpPr>
+        <p:spPr>
+          <a:xfrm>
+            <a:off x="655721" y="1967163"/>
+            <a:ext cx="3657600" cy="2887579"/>
+          </a:xfrm>
+        </p:spPr>
+        <p:txBody>
+          <a:bodyPr vert="horz" lIns="91440" tIns="45720" rIns="91440" bIns="45720" rtlCol="0" anchor="b">
+            <a:normAutofit fontScale="90000"/>
           </a:bodyPr>
           <a:lstStyle/>
           <a:p>
             <a:pPr algn="ctr"/>
             <a:r>
-              <a:rPr lang="en-US" sz="2600" kern="1200" dirty="0">
+              <a:rPr lang="en-US" sz="4800" kern="1200" dirty="0">
                 <a:solidFill>
                   <a:schemeClr val="bg1"/>
                 </a:solidFill>
@@ -7906,31 +8203,10 @@
                 <a:ea typeface="+mj-ea"/>
                 <a:cs typeface="+mj-cs"/>
               </a:rPr>
-              <a:t>Sequence Diagram</a:t>
+              <a:t>System Sequence Diagram</a:t>
             </a:r>
             <a:br>
-              <a:rPr lang="en-US" sz="2600" kern="1200" dirty="0">
-                <a:solidFill>
-                  <a:schemeClr val="bg1"/>
-                </a:solidFill>
-                <a:latin typeface="+mj-lt"/>
-                <a:ea typeface="+mj-ea"/>
-                <a:cs typeface="+mj-cs"/>
-              </a:rPr>
-            </a:br>
-            <a:r>
-              <a:rPr lang="en-US" sz="2600" kern="1200" dirty="0">
-                <a:solidFill>
-                  <a:schemeClr val="bg1"/>
-                </a:solidFill>
-                <a:latin typeface="+mj-lt"/>
-                <a:ea typeface="+mj-ea"/>
-                <a:cs typeface="+mj-cs"/>
-              </a:rPr>
-              <a:t>__________</a:t>
-            </a:r>
-            <a:br>
-              <a:rPr lang="en-US" sz="2600" kern="1200" dirty="0">
+              <a:rPr lang="en-US" sz="4800" kern="1200" dirty="0">
                 <a:solidFill>
                   <a:schemeClr val="bg1"/>
                 </a:solidFill>
@@ -7940,7 +8216,7 @@
               </a:rPr>
             </a:br>
             <a:br>
-              <a:rPr lang="en-US" sz="2600" kern="1200" dirty="0">
+              <a:rPr lang="en-US" sz="4800" kern="1200" dirty="0">
                 <a:solidFill>
                   <a:schemeClr val="bg1"/>
                 </a:solidFill>
@@ -7950,7 +8226,7 @@
               </a:rPr>
             </a:br>
             <a:r>
-              <a:rPr lang="en-US" sz="2600" kern="1200" dirty="0">
+              <a:rPr lang="en-US" sz="4800" kern="1200" dirty="0">
                 <a:solidFill>
                   <a:schemeClr val="bg1"/>
                 </a:solidFill>
@@ -7958,22 +8234,26 @@
                 <a:ea typeface="+mj-ea"/>
                 <a:cs typeface="+mj-cs"/>
               </a:rPr>
-              <a:t>Kitchen</a:t>
+              <a:t>Kitchen </a:t>
             </a:r>
           </a:p>
         </p:txBody>
       </p:sp>
       <p:pic>
         <p:nvPicPr>
-          <p:cNvPr id="6" name="Picture 5">
-            <a:extLst>
-              <a:ext uri="{FF2B5EF4-FFF2-40B4-BE49-F238E27FC236}">
-                <a16:creationId xmlns:a16="http://schemas.microsoft.com/office/drawing/2014/main" id="{C237F896-0945-4685-B1B2-CA1797D42724}"/>
-              </a:ext>
-            </a:extLst>
-          </p:cNvPr>
-          <p:cNvPicPr/>
-          <p:nvPr/>
+          <p:cNvPr id="9" name="Content Placeholder 8">
+            <a:extLst>
+              <a:ext uri="{FF2B5EF4-FFF2-40B4-BE49-F238E27FC236}">
+                <a16:creationId xmlns:a16="http://schemas.microsoft.com/office/drawing/2014/main" id="{54C749A6-AB36-4ADF-B904-D3956FCF5F7F}"/>
+              </a:ext>
+            </a:extLst>
+          </p:cNvPr>
+          <p:cNvPicPr>
+            <a:picLocks noGrp="1"/>
+          </p:cNvPicPr>
+          <p:nvPr>
+            <p:ph idx="1"/>
+          </p:nvPr>
         </p:nvPicPr>
         <p:blipFill>
           <a:blip r:embed="rId2"/>
@@ -7983,8 +8263,8 @@
         </p:blipFill>
         <p:spPr>
           <a:xfrm>
-            <a:off x="3716595" y="707922"/>
-            <a:ext cx="8061468" cy="4925962"/>
+            <a:off x="5403273" y="997527"/>
+            <a:ext cx="6133006" cy="4649815"/>
           </a:xfrm>
           <a:prstGeom prst="rect">
             <a:avLst/>
@@ -7994,7 +8274,7 @@
     </p:spTree>
     <p:extLst>
       <p:ext uri="{BB962C8B-B14F-4D97-AF65-F5344CB8AC3E}">
-        <p14:creationId xmlns:p14="http://schemas.microsoft.com/office/powerpoint/2010/main" val="2947770770"/>
+        <p14:creationId xmlns:p14="http://schemas.microsoft.com/office/powerpoint/2010/main" val="637388317"/>
       </p:ext>
     </p:extLst>
   </p:cSld>
@@ -8031,10 +8311,10 @@
       </p:grpSpPr>
       <p:sp>
         <p:nvSpPr>
-          <p:cNvPr id="26" name="Rectangle 25">
-            <a:extLst>
-              <a:ext uri="{FF2B5EF4-FFF2-40B4-BE49-F238E27FC236}">
-                <a16:creationId xmlns:a16="http://schemas.microsoft.com/office/drawing/2014/main" id="{047C8CCB-F95D-4249-92DD-651249D3535A}"/>
+          <p:cNvPr id="10" name="Rectangle 9">
+            <a:extLst>
+              <a:ext uri="{FF2B5EF4-FFF2-40B4-BE49-F238E27FC236}">
+                <a16:creationId xmlns:a16="http://schemas.microsoft.com/office/drawing/2014/main" id="{AB45A142-4255-493C-8284-5D566C121B10}"/>
               </a:ext>
             </a:extLst>
           </p:cNvPr>
@@ -8049,22 +8329,27 @@
             </p:extLst>
           </p:nvPr>
         </p:nvSpPr>
-        <p:spPr>
-          <a:xfrm>
-            <a:off x="0" y="0"/>
-            <a:ext cx="2013557" cy="6858000"/>
+        <p:spPr bwMode="ltGray">
+          <a:xfrm>
+            <a:off x="336884" y="321177"/>
+            <a:ext cx="4332307" cy="6179552"/>
           </a:xfrm>
           <a:prstGeom prst="rect">
             <a:avLst/>
           </a:prstGeom>
           <a:solidFill>
             <a:schemeClr val="tx1">
-              <a:lumMod val="50000"/>
-              <a:lumOff val="50000"/>
+              <a:lumMod val="75000"/>
+              <a:lumOff val="25000"/>
             </a:schemeClr>
           </a:solidFill>
-          <a:ln>
-            <a:noFill/>
+          <a:ln w="127000" cap="sq" cmpd="thinThick">
+            <a:solidFill>
+              <a:schemeClr val="tx1">
+                <a:lumMod val="75000"/>
+                <a:lumOff val="25000"/>
+              </a:schemeClr>
+            </a:solidFill>
           </a:ln>
         </p:spPr>
         <p:style>
@@ -8092,54 +8377,88 @@
           </a:p>
         </p:txBody>
       </p:sp>
-      <p:sp>
-        <p:nvSpPr>
-          <p:cNvPr id="2" name="Title 1">
-            <a:extLst>
-              <a:ext uri="{FF2B5EF4-FFF2-40B4-BE49-F238E27FC236}">
-                <a16:creationId xmlns:a16="http://schemas.microsoft.com/office/drawing/2014/main" id="{CD6C2030-3FEC-47D7-B39C-8EEE6B7CCC11}"/>
-              </a:ext>
-            </a:extLst>
-          </p:cNvPr>
-          <p:cNvSpPr>
-            <a:spLocks noGrp="1"/>
-          </p:cNvSpPr>
-          <p:nvPr>
-            <p:ph type="title"/>
-          </p:nvPr>
-        </p:nvSpPr>
-        <p:spPr>
-          <a:xfrm>
-            <a:off x="640080" y="2074363"/>
-            <a:ext cx="2752354" cy="2709275"/>
-          </a:xfrm>
-          <a:prstGeom prst="ellipse">
+      <p:cxnSp>
+        <p:nvCxnSpPr>
+          <p:cNvPr id="12" name="Straight Connector 11">
+            <a:extLst>
+              <a:ext uri="{FF2B5EF4-FFF2-40B4-BE49-F238E27FC236}">
+                <a16:creationId xmlns:a16="http://schemas.microsoft.com/office/drawing/2014/main" id="{38FB9660-F42F-4313-BBC4-47C007FE484C}"/>
+              </a:ext>
+            </a:extLst>
+          </p:cNvPr>
+          <p:cNvCxnSpPr>
+            <a:cxnSpLocks noGrp="1" noRot="1" noChangeAspect="1" noMove="1" noResize="1" noEditPoints="1" noAdjustHandles="1" noChangeArrowheads="1" noChangeShapeType="1"/>
+          </p:cNvCxnSpPr>
+          <p:nvPr>
+            <p:extLst>
+              <p:ext uri="{386F3935-93C4-4BCD-93E2-E3B085C9AB24}">
+                <p16:designElem xmlns:p16="http://schemas.microsoft.com/office/powerpoint/2015/main" val="1"/>
+              </p:ext>
+            </p:extLst>
+          </p:nvPr>
+        </p:nvCxnSpPr>
+        <p:spPr>
+          <a:xfrm>
+            <a:off x="1191126" y="3910267"/>
+            <a:ext cx="2586790" cy="0"/>
+          </a:xfrm>
+          <a:prstGeom prst="line">
             <a:avLst/>
           </a:prstGeom>
-          <a:solidFill>
-            <a:schemeClr val="tx1">
-              <a:lumMod val="85000"/>
-              <a:lumOff val="15000"/>
-            </a:schemeClr>
-          </a:solidFill>
-          <a:ln w="174625" cmpd="thinThick">
+          <a:ln w="22225">
             <a:solidFill>
-              <a:schemeClr val="tx1">
+              <a:schemeClr val="bg1">
                 <a:lumMod val="85000"/>
-                <a:lumOff val="15000"/>
               </a:schemeClr>
             </a:solidFill>
           </a:ln>
         </p:spPr>
-        <p:txBody>
-          <a:bodyPr vert="horz" lIns="91440" tIns="45720" rIns="91440" bIns="45720" rtlCol="0" anchor="ctr">
+        <p:style>
+          <a:lnRef idx="1">
+            <a:schemeClr val="accent1"/>
+          </a:lnRef>
+          <a:fillRef idx="0">
+            <a:schemeClr val="accent1"/>
+          </a:fillRef>
+          <a:effectRef idx="0">
+            <a:schemeClr val="accent1"/>
+          </a:effectRef>
+          <a:fontRef idx="minor">
+            <a:schemeClr val="tx1"/>
+          </a:fontRef>
+        </p:style>
+      </p:cxnSp>
+      <p:sp>
+        <p:nvSpPr>
+          <p:cNvPr id="2" name="Title 1">
+            <a:extLst>
+              <a:ext uri="{FF2B5EF4-FFF2-40B4-BE49-F238E27FC236}">
+                <a16:creationId xmlns:a16="http://schemas.microsoft.com/office/drawing/2014/main" id="{20D60239-8CB4-410A-BC9B-6BA24B25111F}"/>
+              </a:ext>
+            </a:extLst>
+          </p:cNvPr>
+          <p:cNvSpPr>
+            <a:spLocks noGrp="1"/>
+          </p:cNvSpPr>
+          <p:nvPr>
+            <p:ph type="title"/>
+          </p:nvPr>
+        </p:nvSpPr>
+        <p:spPr>
+          <a:xfrm>
+            <a:off x="655721" y="1967163"/>
+            <a:ext cx="3657600" cy="2887579"/>
+          </a:xfrm>
+        </p:spPr>
+        <p:txBody>
+          <a:bodyPr vert="horz" lIns="91440" tIns="45720" rIns="91440" bIns="45720" rtlCol="0" anchor="b">
             <a:normAutofit fontScale="90000"/>
           </a:bodyPr>
           <a:lstStyle/>
           <a:p>
             <a:pPr algn="ctr"/>
             <a:r>
-              <a:rPr lang="en-US" sz="2600" kern="1200" dirty="0">
+              <a:rPr lang="en-US" sz="4800" kern="1200" dirty="0">
                 <a:solidFill>
                   <a:schemeClr val="bg1"/>
                 </a:solidFill>
@@ -8147,31 +8466,10 @@
                 <a:ea typeface="+mj-ea"/>
                 <a:cs typeface="+mj-cs"/>
               </a:rPr>
-              <a:t>Sequence Diagram</a:t>
+              <a:t>System Sequence Diagram</a:t>
             </a:r>
             <a:br>
-              <a:rPr lang="en-US" sz="2600" kern="1200" dirty="0">
-                <a:solidFill>
-                  <a:schemeClr val="bg1"/>
-                </a:solidFill>
-                <a:latin typeface="+mj-lt"/>
-                <a:ea typeface="+mj-ea"/>
-                <a:cs typeface="+mj-cs"/>
-              </a:rPr>
-            </a:br>
-            <a:r>
-              <a:rPr lang="en-US" sz="2600" kern="1200" dirty="0">
-                <a:solidFill>
-                  <a:schemeClr val="bg1"/>
-                </a:solidFill>
-                <a:latin typeface="+mj-lt"/>
-                <a:ea typeface="+mj-ea"/>
-                <a:cs typeface="+mj-cs"/>
-              </a:rPr>
-              <a:t>____________</a:t>
-            </a:r>
-            <a:br>
-              <a:rPr lang="en-US" sz="2600" kern="1200" dirty="0">
+              <a:rPr lang="en-US" sz="4800" kern="1200" dirty="0">
                 <a:solidFill>
                   <a:schemeClr val="bg1"/>
                 </a:solidFill>
@@ -8181,7 +8479,7 @@
               </a:rPr>
             </a:br>
             <a:br>
-              <a:rPr lang="en-US" sz="2600" kern="1200" dirty="0">
+              <a:rPr lang="en-US" sz="4800" kern="1200" dirty="0">
                 <a:solidFill>
                   <a:schemeClr val="bg1"/>
                 </a:solidFill>
@@ -8191,7 +8489,7 @@
               </a:rPr>
             </a:br>
             <a:r>
-              <a:rPr lang="en-US" sz="2600" kern="1200" dirty="0">
+              <a:rPr lang="en-US" sz="4800" kern="1200" dirty="0">
                 <a:solidFill>
                   <a:schemeClr val="bg1"/>
                 </a:solidFill>
@@ -8206,15 +8504,19 @@
       </p:sp>
       <p:pic>
         <p:nvPicPr>
-          <p:cNvPr id="6" name="Picture 5">
-            <a:extLst>
-              <a:ext uri="{FF2B5EF4-FFF2-40B4-BE49-F238E27FC236}">
-                <a16:creationId xmlns:a16="http://schemas.microsoft.com/office/drawing/2014/main" id="{B4F4736C-0D67-4228-9C7A-2CF3540E93EA}"/>
-              </a:ext>
-            </a:extLst>
-          </p:cNvPr>
-          <p:cNvPicPr/>
-          <p:nvPr/>
+          <p:cNvPr id="9" name="Content Placeholder 8">
+            <a:extLst>
+              <a:ext uri="{FF2B5EF4-FFF2-40B4-BE49-F238E27FC236}">
+                <a16:creationId xmlns:a16="http://schemas.microsoft.com/office/drawing/2014/main" id="{717545ED-7A24-4433-AF52-BCFB239DEEF5}"/>
+              </a:ext>
+            </a:extLst>
+          </p:cNvPr>
+          <p:cNvPicPr>
+            <a:picLocks noGrp="1"/>
+          </p:cNvPicPr>
+          <p:nvPr>
+            <p:ph idx="1"/>
+          </p:nvPr>
         </p:nvPicPr>
         <p:blipFill>
           <a:blip r:embed="rId2"/>
@@ -8224,8 +8526,8 @@
         </p:blipFill>
         <p:spPr>
           <a:xfrm>
-            <a:off x="3578942" y="639114"/>
-            <a:ext cx="8369709" cy="5339858"/>
+            <a:off x="5204596" y="803564"/>
+            <a:ext cx="6650520" cy="4488872"/>
           </a:xfrm>
           <a:prstGeom prst="rect">
             <a:avLst/>
@@ -8235,7 +8537,7 @@
     </p:spTree>
     <p:extLst>
       <p:ext uri="{BB962C8B-B14F-4D97-AF65-F5344CB8AC3E}">
-        <p14:creationId xmlns:p14="http://schemas.microsoft.com/office/powerpoint/2010/main" val="1273882862"/>
+        <p14:creationId xmlns:p14="http://schemas.microsoft.com/office/powerpoint/2010/main" val="3489440260"/>
       </p:ext>
     </p:extLst>
   </p:cSld>
@@ -8272,6 +8574,731 @@
       </p:grpSpPr>
       <p:sp>
         <p:nvSpPr>
+          <p:cNvPr id="26" name="Rectangle 25">
+            <a:extLst>
+              <a:ext uri="{FF2B5EF4-FFF2-40B4-BE49-F238E27FC236}">
+                <a16:creationId xmlns:a16="http://schemas.microsoft.com/office/drawing/2014/main" id="{047C8CCB-F95D-4249-92DD-651249D3535A}"/>
+              </a:ext>
+            </a:extLst>
+          </p:cNvPr>
+          <p:cNvSpPr>
+            <a:spLocks noGrp="1" noRot="1" noChangeAspect="1" noMove="1" noResize="1" noEditPoints="1" noAdjustHandles="1" noChangeArrowheads="1" noChangeShapeType="1" noTextEdit="1"/>
+          </p:cNvSpPr>
+          <p:nvPr>
+            <p:extLst>
+              <p:ext uri="{386F3935-93C4-4BCD-93E2-E3B085C9AB24}">
+                <p16:designElem xmlns:p16="http://schemas.microsoft.com/office/powerpoint/2015/main" val="1"/>
+              </p:ext>
+            </p:extLst>
+          </p:nvPr>
+        </p:nvSpPr>
+        <p:spPr>
+          <a:xfrm>
+            <a:off x="0" y="0"/>
+            <a:ext cx="2013557" cy="6858000"/>
+          </a:xfrm>
+          <a:prstGeom prst="rect">
+            <a:avLst/>
+          </a:prstGeom>
+          <a:solidFill>
+            <a:schemeClr val="tx1">
+              <a:lumMod val="50000"/>
+              <a:lumOff val="50000"/>
+            </a:schemeClr>
+          </a:solidFill>
+          <a:ln>
+            <a:noFill/>
+          </a:ln>
+        </p:spPr>
+        <p:style>
+          <a:lnRef idx="2">
+            <a:schemeClr val="accent1">
+              <a:shade val="50000"/>
+            </a:schemeClr>
+          </a:lnRef>
+          <a:fillRef idx="1">
+            <a:schemeClr val="accent1"/>
+          </a:fillRef>
+          <a:effectRef idx="0">
+            <a:schemeClr val="accent1"/>
+          </a:effectRef>
+          <a:fontRef idx="minor">
+            <a:schemeClr val="lt1"/>
+          </a:fontRef>
+        </p:style>
+        <p:txBody>
+          <a:bodyPr rtlCol="0" anchor="ctr"/>
+          <a:lstStyle/>
+          <a:p>
+            <a:pPr algn="ctr"/>
+            <a:endParaRPr lang="en-US"/>
+          </a:p>
+        </p:txBody>
+      </p:sp>
+      <p:sp>
+        <p:nvSpPr>
+          <p:cNvPr id="2" name="Title 1">
+            <a:extLst>
+              <a:ext uri="{FF2B5EF4-FFF2-40B4-BE49-F238E27FC236}">
+                <a16:creationId xmlns:a16="http://schemas.microsoft.com/office/drawing/2014/main" id="{CD6C2030-3FEC-47D7-B39C-8EEE6B7CCC11}"/>
+              </a:ext>
+            </a:extLst>
+          </p:cNvPr>
+          <p:cNvSpPr>
+            <a:spLocks noGrp="1"/>
+          </p:cNvSpPr>
+          <p:nvPr>
+            <p:ph type="title"/>
+          </p:nvPr>
+        </p:nvSpPr>
+        <p:spPr>
+          <a:xfrm>
+            <a:off x="555239" y="2074362"/>
+            <a:ext cx="2752354" cy="2709275"/>
+          </a:xfrm>
+          <a:prstGeom prst="ellipse">
+            <a:avLst/>
+          </a:prstGeom>
+          <a:solidFill>
+            <a:schemeClr val="tx1">
+              <a:lumMod val="85000"/>
+              <a:lumOff val="15000"/>
+            </a:schemeClr>
+          </a:solidFill>
+          <a:ln w="174625" cmpd="thinThick">
+            <a:solidFill>
+              <a:schemeClr val="tx1">
+                <a:lumMod val="85000"/>
+                <a:lumOff val="15000"/>
+              </a:schemeClr>
+            </a:solidFill>
+          </a:ln>
+        </p:spPr>
+        <p:txBody>
+          <a:bodyPr vert="horz" lIns="91440" tIns="45720" rIns="91440" bIns="45720" rtlCol="0" anchor="ctr">
+            <a:normAutofit fontScale="90000"/>
+          </a:bodyPr>
+          <a:lstStyle/>
+          <a:p>
+            <a:pPr algn="ctr"/>
+            <a:r>
+              <a:rPr lang="en-US" sz="2600" kern="1200" dirty="0">
+                <a:solidFill>
+                  <a:schemeClr val="bg1"/>
+                </a:solidFill>
+                <a:latin typeface="+mj-lt"/>
+                <a:ea typeface="+mj-ea"/>
+                <a:cs typeface="+mj-cs"/>
+              </a:rPr>
+              <a:t>Sequence Diagram</a:t>
+            </a:r>
+            <a:br>
+              <a:rPr lang="en-US" sz="2600" kern="1200" dirty="0">
+                <a:solidFill>
+                  <a:schemeClr val="bg1"/>
+                </a:solidFill>
+                <a:latin typeface="+mj-lt"/>
+                <a:ea typeface="+mj-ea"/>
+                <a:cs typeface="+mj-cs"/>
+              </a:rPr>
+            </a:br>
+            <a:r>
+              <a:rPr lang="en-US" sz="2600" kern="1200" dirty="0">
+                <a:solidFill>
+                  <a:schemeClr val="bg1"/>
+                </a:solidFill>
+                <a:latin typeface="+mj-lt"/>
+                <a:ea typeface="+mj-ea"/>
+                <a:cs typeface="+mj-cs"/>
+              </a:rPr>
+              <a:t>___________</a:t>
+            </a:r>
+            <a:br>
+              <a:rPr lang="en-US" sz="2600" kern="1200" dirty="0">
+                <a:solidFill>
+                  <a:schemeClr val="bg1"/>
+                </a:solidFill>
+                <a:latin typeface="+mj-lt"/>
+                <a:ea typeface="+mj-ea"/>
+                <a:cs typeface="+mj-cs"/>
+              </a:rPr>
+            </a:br>
+            <a:br>
+              <a:rPr lang="en-US" sz="2600" kern="1200" dirty="0">
+                <a:solidFill>
+                  <a:schemeClr val="bg1"/>
+                </a:solidFill>
+                <a:latin typeface="+mj-lt"/>
+                <a:ea typeface="+mj-ea"/>
+                <a:cs typeface="+mj-cs"/>
+              </a:rPr>
+            </a:br>
+            <a:r>
+              <a:rPr lang="en-US" sz="2600" kern="1200" dirty="0">
+                <a:solidFill>
+                  <a:schemeClr val="bg1"/>
+                </a:solidFill>
+                <a:latin typeface="+mj-lt"/>
+                <a:ea typeface="+mj-ea"/>
+                <a:cs typeface="+mj-cs"/>
+              </a:rPr>
+              <a:t>Event Planner</a:t>
+            </a:r>
+          </a:p>
+        </p:txBody>
+      </p:sp>
+      <p:pic>
+        <p:nvPicPr>
+          <p:cNvPr id="3" name="Picture 2">
+            <a:extLst>
+              <a:ext uri="{FF2B5EF4-FFF2-40B4-BE49-F238E27FC236}">
+                <a16:creationId xmlns:a16="http://schemas.microsoft.com/office/drawing/2014/main" id="{DAECA5E0-3AE4-4905-A4FA-C9F8E821327F}"/>
+              </a:ext>
+            </a:extLst>
+          </p:cNvPr>
+          <p:cNvPicPr>
+            <a:picLocks noChangeAspect="1"/>
+          </p:cNvPicPr>
+          <p:nvPr/>
+        </p:nvPicPr>
+        <p:blipFill>
+          <a:blip r:embed="rId2"/>
+          <a:stretch>
+            <a:fillRect/>
+          </a:stretch>
+        </p:blipFill>
+        <p:spPr>
+          <a:xfrm>
+            <a:off x="3569110" y="481780"/>
+            <a:ext cx="7875209" cy="6376219"/>
+          </a:xfrm>
+          <a:prstGeom prst="rect">
+            <a:avLst/>
+          </a:prstGeom>
+        </p:spPr>
+      </p:pic>
+    </p:spTree>
+    <p:extLst>
+      <p:ext uri="{BB962C8B-B14F-4D97-AF65-F5344CB8AC3E}">
+        <p14:creationId xmlns:p14="http://schemas.microsoft.com/office/powerpoint/2010/main" val="3593248973"/>
+      </p:ext>
+    </p:extLst>
+  </p:cSld>
+  <p:clrMapOvr>
+    <a:masterClrMapping/>
+  </p:clrMapOvr>
+</p:sld>
+</file>
+
+<file path=ppt/slides/slide26.xml><?xml version="1.0" encoding="utf-8"?>
+<p:sld xmlns:a="http://schemas.openxmlformats.org/drawingml/2006/main" xmlns:r="http://schemas.openxmlformats.org/officeDocument/2006/relationships" xmlns:p="http://schemas.openxmlformats.org/presentationml/2006/main">
+  <p:cSld>
+    <p:bg>
+      <p:bgPr>
+        <a:solidFill>
+          <a:schemeClr val="bg1"/>
+        </a:solidFill>
+        <a:effectLst/>
+      </p:bgPr>
+    </p:bg>
+    <p:spTree>
+      <p:nvGrpSpPr>
+        <p:cNvPr id="1" name=""/>
+        <p:cNvGrpSpPr/>
+        <p:nvPr/>
+      </p:nvGrpSpPr>
+      <p:grpSpPr>
+        <a:xfrm>
+          <a:off x="0" y="0"/>
+          <a:ext cx="0" cy="0"/>
+          <a:chOff x="0" y="0"/>
+          <a:chExt cx="0" cy="0"/>
+        </a:xfrm>
+      </p:grpSpPr>
+      <p:sp>
+        <p:nvSpPr>
+          <p:cNvPr id="26" name="Rectangle 25">
+            <a:extLst>
+              <a:ext uri="{FF2B5EF4-FFF2-40B4-BE49-F238E27FC236}">
+                <a16:creationId xmlns:a16="http://schemas.microsoft.com/office/drawing/2014/main" id="{047C8CCB-F95D-4249-92DD-651249D3535A}"/>
+              </a:ext>
+            </a:extLst>
+          </p:cNvPr>
+          <p:cNvSpPr>
+            <a:spLocks noGrp="1" noRot="1" noChangeAspect="1" noMove="1" noResize="1" noEditPoints="1" noAdjustHandles="1" noChangeArrowheads="1" noChangeShapeType="1" noTextEdit="1"/>
+          </p:cNvSpPr>
+          <p:nvPr>
+            <p:extLst>
+              <p:ext uri="{386F3935-93C4-4BCD-93E2-E3B085C9AB24}">
+                <p16:designElem xmlns:p16="http://schemas.microsoft.com/office/powerpoint/2015/main" val="1"/>
+              </p:ext>
+            </p:extLst>
+          </p:nvPr>
+        </p:nvSpPr>
+        <p:spPr>
+          <a:xfrm>
+            <a:off x="0" y="0"/>
+            <a:ext cx="2013557" cy="6858000"/>
+          </a:xfrm>
+          <a:prstGeom prst="rect">
+            <a:avLst/>
+          </a:prstGeom>
+          <a:solidFill>
+            <a:schemeClr val="tx1">
+              <a:lumMod val="50000"/>
+              <a:lumOff val="50000"/>
+            </a:schemeClr>
+          </a:solidFill>
+          <a:ln>
+            <a:noFill/>
+          </a:ln>
+        </p:spPr>
+        <p:style>
+          <a:lnRef idx="2">
+            <a:schemeClr val="accent1">
+              <a:shade val="50000"/>
+            </a:schemeClr>
+          </a:lnRef>
+          <a:fillRef idx="1">
+            <a:schemeClr val="accent1"/>
+          </a:fillRef>
+          <a:effectRef idx="0">
+            <a:schemeClr val="accent1"/>
+          </a:effectRef>
+          <a:fontRef idx="minor">
+            <a:schemeClr val="lt1"/>
+          </a:fontRef>
+        </p:style>
+        <p:txBody>
+          <a:bodyPr rtlCol="0" anchor="ctr"/>
+          <a:lstStyle/>
+          <a:p>
+            <a:pPr algn="ctr"/>
+            <a:endParaRPr lang="en-US"/>
+          </a:p>
+        </p:txBody>
+      </p:sp>
+      <p:sp>
+        <p:nvSpPr>
+          <p:cNvPr id="2" name="Title 1">
+            <a:extLst>
+              <a:ext uri="{FF2B5EF4-FFF2-40B4-BE49-F238E27FC236}">
+                <a16:creationId xmlns:a16="http://schemas.microsoft.com/office/drawing/2014/main" id="{CD6C2030-3FEC-47D7-B39C-8EEE6B7CCC11}"/>
+              </a:ext>
+            </a:extLst>
+          </p:cNvPr>
+          <p:cNvSpPr>
+            <a:spLocks noGrp="1"/>
+          </p:cNvSpPr>
+          <p:nvPr>
+            <p:ph type="title"/>
+          </p:nvPr>
+        </p:nvSpPr>
+        <p:spPr>
+          <a:xfrm>
+            <a:off x="640080" y="2074363"/>
+            <a:ext cx="2752354" cy="2709275"/>
+          </a:xfrm>
+          <a:prstGeom prst="ellipse">
+            <a:avLst/>
+          </a:prstGeom>
+          <a:solidFill>
+            <a:schemeClr val="tx1">
+              <a:lumMod val="85000"/>
+              <a:lumOff val="15000"/>
+            </a:schemeClr>
+          </a:solidFill>
+          <a:ln w="174625" cmpd="thinThick">
+            <a:solidFill>
+              <a:schemeClr val="tx1">
+                <a:lumMod val="85000"/>
+                <a:lumOff val="15000"/>
+              </a:schemeClr>
+            </a:solidFill>
+          </a:ln>
+        </p:spPr>
+        <p:txBody>
+          <a:bodyPr vert="horz" lIns="91440" tIns="45720" rIns="91440" bIns="45720" rtlCol="0" anchor="ctr">
+            <a:normAutofit/>
+          </a:bodyPr>
+          <a:lstStyle/>
+          <a:p>
+            <a:pPr algn="ctr"/>
+            <a:r>
+              <a:rPr lang="en-US" sz="2600" kern="1200" dirty="0">
+                <a:solidFill>
+                  <a:schemeClr val="bg1"/>
+                </a:solidFill>
+                <a:latin typeface="+mj-lt"/>
+                <a:ea typeface="+mj-ea"/>
+                <a:cs typeface="+mj-cs"/>
+              </a:rPr>
+              <a:t>Sequence Diagram</a:t>
+            </a:r>
+            <a:br>
+              <a:rPr lang="en-US" sz="2600" kern="1200" dirty="0">
+                <a:solidFill>
+                  <a:schemeClr val="bg1"/>
+                </a:solidFill>
+                <a:latin typeface="+mj-lt"/>
+                <a:ea typeface="+mj-ea"/>
+                <a:cs typeface="+mj-cs"/>
+              </a:rPr>
+            </a:br>
+            <a:r>
+              <a:rPr lang="en-US" sz="2600" kern="1200" dirty="0">
+                <a:solidFill>
+                  <a:schemeClr val="bg1"/>
+                </a:solidFill>
+                <a:latin typeface="+mj-lt"/>
+                <a:ea typeface="+mj-ea"/>
+                <a:cs typeface="+mj-cs"/>
+              </a:rPr>
+              <a:t>__________</a:t>
+            </a:r>
+            <a:br>
+              <a:rPr lang="en-US" sz="2600" kern="1200" dirty="0">
+                <a:solidFill>
+                  <a:schemeClr val="bg1"/>
+                </a:solidFill>
+                <a:latin typeface="+mj-lt"/>
+                <a:ea typeface="+mj-ea"/>
+                <a:cs typeface="+mj-cs"/>
+              </a:rPr>
+            </a:br>
+            <a:br>
+              <a:rPr lang="en-US" sz="2600" kern="1200" dirty="0">
+                <a:solidFill>
+                  <a:schemeClr val="bg1"/>
+                </a:solidFill>
+                <a:latin typeface="+mj-lt"/>
+                <a:ea typeface="+mj-ea"/>
+                <a:cs typeface="+mj-cs"/>
+              </a:rPr>
+            </a:br>
+            <a:r>
+              <a:rPr lang="en-US" sz="2600" kern="1200" dirty="0">
+                <a:solidFill>
+                  <a:schemeClr val="bg1"/>
+                </a:solidFill>
+                <a:latin typeface="+mj-lt"/>
+                <a:ea typeface="+mj-ea"/>
+                <a:cs typeface="+mj-cs"/>
+              </a:rPr>
+              <a:t>Kitchen</a:t>
+            </a:r>
+          </a:p>
+        </p:txBody>
+      </p:sp>
+      <p:pic>
+        <p:nvPicPr>
+          <p:cNvPr id="6" name="Picture 5">
+            <a:extLst>
+              <a:ext uri="{FF2B5EF4-FFF2-40B4-BE49-F238E27FC236}">
+                <a16:creationId xmlns:a16="http://schemas.microsoft.com/office/drawing/2014/main" id="{C237F896-0945-4685-B1B2-CA1797D42724}"/>
+              </a:ext>
+            </a:extLst>
+          </p:cNvPr>
+          <p:cNvPicPr/>
+          <p:nvPr/>
+        </p:nvPicPr>
+        <p:blipFill>
+          <a:blip r:embed="rId2"/>
+          <a:stretch>
+            <a:fillRect/>
+          </a:stretch>
+        </p:blipFill>
+        <p:spPr>
+          <a:xfrm>
+            <a:off x="3716595" y="707922"/>
+            <a:ext cx="8061468" cy="4925962"/>
+          </a:xfrm>
+          <a:prstGeom prst="rect">
+            <a:avLst/>
+          </a:prstGeom>
+        </p:spPr>
+      </p:pic>
+    </p:spTree>
+    <p:extLst>
+      <p:ext uri="{BB962C8B-B14F-4D97-AF65-F5344CB8AC3E}">
+        <p14:creationId xmlns:p14="http://schemas.microsoft.com/office/powerpoint/2010/main" val="2947770770"/>
+      </p:ext>
+    </p:extLst>
+  </p:cSld>
+  <p:clrMapOvr>
+    <a:masterClrMapping/>
+  </p:clrMapOvr>
+</p:sld>
+</file>
+
+<file path=ppt/slides/slide27.xml><?xml version="1.0" encoding="utf-8"?>
+<p:sld xmlns:a="http://schemas.openxmlformats.org/drawingml/2006/main" xmlns:r="http://schemas.openxmlformats.org/officeDocument/2006/relationships" xmlns:p="http://schemas.openxmlformats.org/presentationml/2006/main">
+  <p:cSld>
+    <p:bg>
+      <p:bgPr>
+        <a:solidFill>
+          <a:schemeClr val="bg1"/>
+        </a:solidFill>
+        <a:effectLst/>
+      </p:bgPr>
+    </p:bg>
+    <p:spTree>
+      <p:nvGrpSpPr>
+        <p:cNvPr id="1" name=""/>
+        <p:cNvGrpSpPr/>
+        <p:nvPr/>
+      </p:nvGrpSpPr>
+      <p:grpSpPr>
+        <a:xfrm>
+          <a:off x="0" y="0"/>
+          <a:ext cx="0" cy="0"/>
+          <a:chOff x="0" y="0"/>
+          <a:chExt cx="0" cy="0"/>
+        </a:xfrm>
+      </p:grpSpPr>
+      <p:sp>
+        <p:nvSpPr>
+          <p:cNvPr id="26" name="Rectangle 25">
+            <a:extLst>
+              <a:ext uri="{FF2B5EF4-FFF2-40B4-BE49-F238E27FC236}">
+                <a16:creationId xmlns:a16="http://schemas.microsoft.com/office/drawing/2014/main" id="{047C8CCB-F95D-4249-92DD-651249D3535A}"/>
+              </a:ext>
+            </a:extLst>
+          </p:cNvPr>
+          <p:cNvSpPr>
+            <a:spLocks noGrp="1" noRot="1" noChangeAspect="1" noMove="1" noResize="1" noEditPoints="1" noAdjustHandles="1" noChangeArrowheads="1" noChangeShapeType="1" noTextEdit="1"/>
+          </p:cNvSpPr>
+          <p:nvPr>
+            <p:extLst>
+              <p:ext uri="{386F3935-93C4-4BCD-93E2-E3B085C9AB24}">
+                <p16:designElem xmlns:p16="http://schemas.microsoft.com/office/powerpoint/2015/main" val="1"/>
+              </p:ext>
+            </p:extLst>
+          </p:nvPr>
+        </p:nvSpPr>
+        <p:spPr>
+          <a:xfrm>
+            <a:off x="0" y="0"/>
+            <a:ext cx="2013557" cy="6858000"/>
+          </a:xfrm>
+          <a:prstGeom prst="rect">
+            <a:avLst/>
+          </a:prstGeom>
+          <a:solidFill>
+            <a:schemeClr val="tx1">
+              <a:lumMod val="50000"/>
+              <a:lumOff val="50000"/>
+            </a:schemeClr>
+          </a:solidFill>
+          <a:ln>
+            <a:noFill/>
+          </a:ln>
+        </p:spPr>
+        <p:style>
+          <a:lnRef idx="2">
+            <a:schemeClr val="accent1">
+              <a:shade val="50000"/>
+            </a:schemeClr>
+          </a:lnRef>
+          <a:fillRef idx="1">
+            <a:schemeClr val="accent1"/>
+          </a:fillRef>
+          <a:effectRef idx="0">
+            <a:schemeClr val="accent1"/>
+          </a:effectRef>
+          <a:fontRef idx="minor">
+            <a:schemeClr val="lt1"/>
+          </a:fontRef>
+        </p:style>
+        <p:txBody>
+          <a:bodyPr rtlCol="0" anchor="ctr"/>
+          <a:lstStyle/>
+          <a:p>
+            <a:pPr algn="ctr"/>
+            <a:endParaRPr lang="en-US"/>
+          </a:p>
+        </p:txBody>
+      </p:sp>
+      <p:sp>
+        <p:nvSpPr>
+          <p:cNvPr id="2" name="Title 1">
+            <a:extLst>
+              <a:ext uri="{FF2B5EF4-FFF2-40B4-BE49-F238E27FC236}">
+                <a16:creationId xmlns:a16="http://schemas.microsoft.com/office/drawing/2014/main" id="{CD6C2030-3FEC-47D7-B39C-8EEE6B7CCC11}"/>
+              </a:ext>
+            </a:extLst>
+          </p:cNvPr>
+          <p:cNvSpPr>
+            <a:spLocks noGrp="1"/>
+          </p:cNvSpPr>
+          <p:nvPr>
+            <p:ph type="title"/>
+          </p:nvPr>
+        </p:nvSpPr>
+        <p:spPr>
+          <a:xfrm>
+            <a:off x="640080" y="2074363"/>
+            <a:ext cx="2752354" cy="2709275"/>
+          </a:xfrm>
+          <a:prstGeom prst="ellipse">
+            <a:avLst/>
+          </a:prstGeom>
+          <a:solidFill>
+            <a:schemeClr val="tx1">
+              <a:lumMod val="85000"/>
+              <a:lumOff val="15000"/>
+            </a:schemeClr>
+          </a:solidFill>
+          <a:ln w="174625" cmpd="thinThick">
+            <a:solidFill>
+              <a:schemeClr val="tx1">
+                <a:lumMod val="85000"/>
+                <a:lumOff val="15000"/>
+              </a:schemeClr>
+            </a:solidFill>
+          </a:ln>
+        </p:spPr>
+        <p:txBody>
+          <a:bodyPr vert="horz" lIns="91440" tIns="45720" rIns="91440" bIns="45720" rtlCol="0" anchor="ctr">
+            <a:normAutofit fontScale="90000"/>
+          </a:bodyPr>
+          <a:lstStyle/>
+          <a:p>
+            <a:pPr algn="ctr"/>
+            <a:r>
+              <a:rPr lang="en-US" sz="2600" kern="1200" dirty="0">
+                <a:solidFill>
+                  <a:schemeClr val="bg1"/>
+                </a:solidFill>
+                <a:latin typeface="+mj-lt"/>
+                <a:ea typeface="+mj-ea"/>
+                <a:cs typeface="+mj-cs"/>
+              </a:rPr>
+              <a:t>Sequence Diagram</a:t>
+            </a:r>
+            <a:br>
+              <a:rPr lang="en-US" sz="2600" kern="1200" dirty="0">
+                <a:solidFill>
+                  <a:schemeClr val="bg1"/>
+                </a:solidFill>
+                <a:latin typeface="+mj-lt"/>
+                <a:ea typeface="+mj-ea"/>
+                <a:cs typeface="+mj-cs"/>
+              </a:rPr>
+            </a:br>
+            <a:r>
+              <a:rPr lang="en-US" sz="2600" kern="1200" dirty="0">
+                <a:solidFill>
+                  <a:schemeClr val="bg1"/>
+                </a:solidFill>
+                <a:latin typeface="+mj-lt"/>
+                <a:ea typeface="+mj-ea"/>
+                <a:cs typeface="+mj-cs"/>
+              </a:rPr>
+              <a:t>____________</a:t>
+            </a:r>
+            <a:br>
+              <a:rPr lang="en-US" sz="2600" kern="1200" dirty="0">
+                <a:solidFill>
+                  <a:schemeClr val="bg1"/>
+                </a:solidFill>
+                <a:latin typeface="+mj-lt"/>
+                <a:ea typeface="+mj-ea"/>
+                <a:cs typeface="+mj-cs"/>
+              </a:rPr>
+            </a:br>
+            <a:br>
+              <a:rPr lang="en-US" sz="2600" kern="1200" dirty="0">
+                <a:solidFill>
+                  <a:schemeClr val="bg1"/>
+                </a:solidFill>
+                <a:latin typeface="+mj-lt"/>
+                <a:ea typeface="+mj-ea"/>
+                <a:cs typeface="+mj-cs"/>
+              </a:rPr>
+            </a:br>
+            <a:r>
+              <a:rPr lang="en-US" sz="2600" kern="1200" dirty="0">
+                <a:solidFill>
+                  <a:schemeClr val="bg1"/>
+                </a:solidFill>
+                <a:latin typeface="+mj-lt"/>
+                <a:ea typeface="+mj-ea"/>
+                <a:cs typeface="+mj-cs"/>
+              </a:rPr>
+              <a:t>Delivery Driver</a:t>
+            </a:r>
+          </a:p>
+        </p:txBody>
+      </p:sp>
+      <p:pic>
+        <p:nvPicPr>
+          <p:cNvPr id="6" name="Picture 5">
+            <a:extLst>
+              <a:ext uri="{FF2B5EF4-FFF2-40B4-BE49-F238E27FC236}">
+                <a16:creationId xmlns:a16="http://schemas.microsoft.com/office/drawing/2014/main" id="{B4F4736C-0D67-4228-9C7A-2CF3540E93EA}"/>
+              </a:ext>
+            </a:extLst>
+          </p:cNvPr>
+          <p:cNvPicPr/>
+          <p:nvPr/>
+        </p:nvPicPr>
+        <p:blipFill>
+          <a:blip r:embed="rId2"/>
+          <a:stretch>
+            <a:fillRect/>
+          </a:stretch>
+        </p:blipFill>
+        <p:spPr>
+          <a:xfrm>
+            <a:off x="3578942" y="639114"/>
+            <a:ext cx="8369709" cy="5339858"/>
+          </a:xfrm>
+          <a:prstGeom prst="rect">
+            <a:avLst/>
+          </a:prstGeom>
+        </p:spPr>
+      </p:pic>
+    </p:spTree>
+    <p:extLst>
+      <p:ext uri="{BB962C8B-B14F-4D97-AF65-F5344CB8AC3E}">
+        <p14:creationId xmlns:p14="http://schemas.microsoft.com/office/powerpoint/2010/main" val="1273882862"/>
+      </p:ext>
+    </p:extLst>
+  </p:cSld>
+  <p:clrMapOvr>
+    <a:masterClrMapping/>
+  </p:clrMapOvr>
+</p:sld>
+</file>
+
+<file path=ppt/slides/slide28.xml><?xml version="1.0" encoding="utf-8"?>
+<p:sld xmlns:a="http://schemas.openxmlformats.org/drawingml/2006/main" xmlns:r="http://schemas.openxmlformats.org/officeDocument/2006/relationships" xmlns:p="http://schemas.openxmlformats.org/presentationml/2006/main">
+  <p:cSld>
+    <p:bg>
+      <p:bgPr>
+        <a:solidFill>
+          <a:schemeClr val="bg1"/>
+        </a:solidFill>
+        <a:effectLst/>
+      </p:bgPr>
+    </p:bg>
+    <p:spTree>
+      <p:nvGrpSpPr>
+        <p:cNvPr id="1" name=""/>
+        <p:cNvGrpSpPr/>
+        <p:nvPr/>
+      </p:nvGrpSpPr>
+      <p:grpSpPr>
+        <a:xfrm>
+          <a:off x="0" y="0"/>
+          <a:ext cx="0" cy="0"/>
+          <a:chOff x="0" y="0"/>
+          <a:chExt cx="0" cy="0"/>
+        </a:xfrm>
+      </p:grpSpPr>
+      <p:sp>
+        <p:nvSpPr>
           <p:cNvPr id="34" name="Rectangle 33">
             <a:extLst>
               <a:ext uri="{FF2B5EF4-FFF2-40B4-BE49-F238E27FC236}">
@@ -8474,7 +9501,7 @@
 </p:sld>
 </file>
 
-<file path=ppt/slides/slide26.xml><?xml version="1.0" encoding="utf-8"?>
+<file path=ppt/slides/slide29.xml><?xml version="1.0" encoding="utf-8"?>
 <p:sld xmlns:a="http://schemas.openxmlformats.org/drawingml/2006/main" xmlns:r="http://schemas.openxmlformats.org/officeDocument/2006/relationships" xmlns:p="http://schemas.openxmlformats.org/presentationml/2006/main">
   <p:cSld>
     <p:bg>
@@ -10386,7 +11413,7 @@
           <a:p>
             <a:pPr algn="ctr"/>
             <a:r>
-              <a:rPr lang="en-US" sz="4700" kern="1200" dirty="0">
+              <a:rPr lang="en-US" sz="4700" kern="1200">
                 <a:solidFill>
                   <a:srgbClr val="FFFFFF"/>
                 </a:solidFill>
@@ -10396,6 +11423,14 @@
               </a:rPr>
               <a:t>Activity Diagram</a:t>
             </a:r>
+            <a:endParaRPr lang="en-US" sz="4700" kern="1200" dirty="0">
+              <a:solidFill>
+                <a:srgbClr val="FFFFFF"/>
+              </a:solidFill>
+              <a:latin typeface="+mj-lt"/>
+              <a:ea typeface="+mj-ea"/>
+              <a:cs typeface="+mj-cs"/>
+            </a:endParaRPr>
           </a:p>
         </p:txBody>
       </p:sp>
@@ -10431,7 +11466,7 @@
               <a:buNone/>
             </a:pPr>
             <a:r>
-              <a:rPr lang="en-US" sz="2400" kern="1200" dirty="0">
+              <a:rPr lang="en-US" sz="2400" kern="1200">
                 <a:solidFill>
                   <a:srgbClr val="FFFFFF"/>
                 </a:solidFill>
@@ -10441,6 +11476,14 @@
               </a:rPr>
               <a:t>New Order</a:t>
             </a:r>
+            <a:endParaRPr lang="en-US" sz="2400" kern="1200" dirty="0">
+              <a:solidFill>
+                <a:srgbClr val="FFFFFF"/>
+              </a:solidFill>
+              <a:latin typeface="+mn-lt"/>
+              <a:ea typeface="+mn-ea"/>
+              <a:cs typeface="+mn-cs"/>
+            </a:endParaRPr>
           </a:p>
         </p:txBody>
       </p:sp>
@@ -10484,7 +11527,7 @@
       </p:grpSpPr>
       <p:sp>
         <p:nvSpPr>
-          <p:cNvPr id="24" name="Rectangle 23">
+          <p:cNvPr id="9" name="Rectangle 8">
             <a:extLst>
               <a:ext uri="{FF2B5EF4-FFF2-40B4-BE49-F238E27FC236}">
                 <a16:creationId xmlns:a16="http://schemas.microsoft.com/office/drawing/2014/main" id="{823AC064-BC96-4F32-8AE1-B2FD38754823}"/>
@@ -10511,17 +11554,11 @@
             <a:avLst/>
           </a:prstGeom>
           <a:solidFill>
-            <a:schemeClr val="tx1">
-              <a:lumMod val="75000"/>
-              <a:lumOff val="25000"/>
-            </a:schemeClr>
+            <a:srgbClr val="404040"/>
           </a:solidFill>
           <a:ln w="127000" cap="sq" cmpd="thinThick">
             <a:solidFill>
-              <a:schemeClr val="tx1">
-                <a:lumMod val="75000"/>
-                <a:lumOff val="25000"/>
-              </a:schemeClr>
+              <a:srgbClr val="404040"/>
             </a:solidFill>
           </a:ln>
         </p:spPr>
@@ -10581,7 +11618,7 @@
       </p:sp>
       <p:cxnSp>
         <p:nvCxnSpPr>
-          <p:cNvPr id="26" name="Straight Connector 25">
+          <p:cNvPr id="11" name="Straight Connector 10">
             <a:extLst>
               <a:ext uri="{FF2B5EF4-FFF2-40B4-BE49-F238E27FC236}">
                 <a16:creationId xmlns:a16="http://schemas.microsoft.com/office/drawing/2014/main" id="{7E7C77BC-7138-40B1-A15B-20F57A494629}"/>
@@ -10609,9 +11646,7 @@
           </a:prstGeom>
           <a:ln w="22225">
             <a:solidFill>
-              <a:schemeClr val="bg1">
-                <a:lumMod val="85000"/>
-              </a:schemeClr>
+              <a:srgbClr val="D9D9D9"/>
             </a:solidFill>
           </a:ln>
         </p:spPr>
@@ -10632,29 +11667,30 @@
       </p:cxnSp>
       <p:pic>
         <p:nvPicPr>
-          <p:cNvPr id="5" name="Content Placeholder 4" descr="A screenshot of a video game&#10;&#10;Description generated with high confidence">
-            <a:extLst>
-              <a:ext uri="{FF2B5EF4-FFF2-40B4-BE49-F238E27FC236}">
-                <a16:creationId xmlns:a16="http://schemas.microsoft.com/office/drawing/2014/main" id="{E8C91A4F-490D-4C2C-8B07-61AFC24CE098}"/>
+          <p:cNvPr id="4" name="Content Placeholder 3">
+            <a:extLst>
+              <a:ext uri="{FF2B5EF4-FFF2-40B4-BE49-F238E27FC236}">
+                <a16:creationId xmlns:a16="http://schemas.microsoft.com/office/drawing/2014/main" id="{AED5E0C2-4B42-4524-A8C3-27C8883C7BDA}"/>
               </a:ext>
             </a:extLst>
           </p:cNvPr>
           <p:cNvPicPr>
-            <a:picLocks noGrp="1"/>
+            <a:picLocks noGrp="1" noChangeAspect="1"/>
           </p:cNvPicPr>
           <p:nvPr>
             <p:ph idx="1"/>
           </p:nvPr>
         </p:nvPicPr>
-        <p:blipFill rotWithShape="1">
+        <p:blipFill>
           <a:blip r:embed="rId2"/>
-          <a:srcRect l="8279" r="2060" b="-4"/>
-          <a:stretch/>
+          <a:stretch>
+            <a:fillRect/>
+          </a:stretch>
         </p:blipFill>
         <p:spPr>
           <a:xfrm>
-            <a:off x="2633612" y="307731"/>
-            <a:ext cx="6869676" cy="3997637"/>
+            <a:off x="320040" y="912560"/>
+            <a:ext cx="11496821" cy="2787979"/>
           </a:xfrm>
           <a:prstGeom prst="rect">
             <a:avLst/>
@@ -10666,7 +11702,7 @@
           <p:cNvPr id="2" name="Title 1">
             <a:extLst>
               <a:ext uri="{FF2B5EF4-FFF2-40B4-BE49-F238E27FC236}">
-                <a16:creationId xmlns:a16="http://schemas.microsoft.com/office/drawing/2014/main" id="{A3D65958-3D33-4705-9C83-6092BEA0285E}"/>
+                <a16:creationId xmlns:a16="http://schemas.microsoft.com/office/drawing/2014/main" id="{7B664F5D-7B5D-486F-AAA6-8DB2EAB6E0B1}"/>
               </a:ext>
             </a:extLst>
           </p:cNvPr>
@@ -10679,78 +11715,64 @@
         </p:nvSpPr>
         <p:spPr>
           <a:xfrm>
-            <a:off x="527538" y="4756638"/>
-            <a:ext cx="11139854" cy="930447"/>
+            <a:off x="498523" y="5299588"/>
+            <a:ext cx="11139854" cy="1042250"/>
           </a:xfrm>
         </p:spPr>
         <p:txBody>
           <a:bodyPr vert="horz" lIns="91440" tIns="45720" rIns="91440" bIns="45720" rtlCol="0" anchor="b">
-            <a:normAutofit/>
+            <a:normAutofit fontScale="90000"/>
           </a:bodyPr>
           <a:lstStyle/>
           <a:p>
             <a:pPr algn="ctr"/>
             <a:r>
-              <a:rPr lang="en-US" sz="5400" kern="1200">
+              <a:rPr lang="en-US" sz="6700" kern="1200" dirty="0">
                 <a:solidFill>
-                  <a:schemeClr val="bg1"/>
+                  <a:srgbClr val="FFFFFF"/>
                 </a:solidFill>
                 <a:latin typeface="+mj-lt"/>
                 <a:ea typeface="+mj-ea"/>
                 <a:cs typeface="+mj-cs"/>
               </a:rPr>
-              <a:t>Polymorphism</a:t>
-            </a:r>
-          </a:p>
-        </p:txBody>
-      </p:sp>
-      <p:sp>
-        <p:nvSpPr>
-          <p:cNvPr id="4" name="Text Placeholder 3">
-            <a:extLst>
-              <a:ext uri="{FF2B5EF4-FFF2-40B4-BE49-F238E27FC236}">
-                <a16:creationId xmlns:a16="http://schemas.microsoft.com/office/drawing/2014/main" id="{828F79D3-4B1D-4D5F-8AE2-ED75197B915F}"/>
-              </a:ext>
-            </a:extLst>
-          </p:cNvPr>
-          <p:cNvSpPr>
-            <a:spLocks noGrp="1"/>
-          </p:cNvSpPr>
-          <p:nvPr>
-            <p:ph type="body" sz="half" idx="2"/>
-          </p:nvPr>
-        </p:nvSpPr>
-        <p:spPr>
-          <a:xfrm>
-            <a:off x="1339362" y="5815698"/>
-            <a:ext cx="9144000" cy="420001"/>
-          </a:xfrm>
-        </p:spPr>
-        <p:txBody>
-          <a:bodyPr vert="horz" lIns="91440" tIns="45720" rIns="91440" bIns="45720" rtlCol="0">
-            <a:normAutofit/>
-          </a:bodyPr>
-          <a:lstStyle/>
-          <a:p>
-            <a:pPr algn="ctr"/>
-            <a:r>
-              <a:rPr lang="en-US" sz="1900" kern="1200" dirty="0">
+              <a:t>State Diagram</a:t>
+            </a:r>
+            <a:br>
+              <a:rPr lang="en-US" sz="6700" kern="1200" dirty="0">
                 <a:solidFill>
-                  <a:srgbClr val="77CBEF"/>
+                  <a:srgbClr val="FFFFFF"/>
                 </a:solidFill>
-                <a:latin typeface="+mn-lt"/>
-                <a:ea typeface="+mn-ea"/>
-                <a:cs typeface="+mn-cs"/>
+                <a:latin typeface="+mj-lt"/>
+                <a:ea typeface="+mj-ea"/>
+                <a:cs typeface="+mj-cs"/>
               </a:rPr>
-              <a:t>Each of the employee objects contain the same attributes, demonstrating polymorphism</a:t>
-            </a:r>
+            </a:br>
+            <a:r>
+              <a:rPr lang="en-US" kern="1200" dirty="0">
+                <a:solidFill>
+                  <a:srgbClr val="FFFFFF"/>
+                </a:solidFill>
+                <a:latin typeface="+mj-lt"/>
+                <a:ea typeface="+mj-ea"/>
+                <a:cs typeface="+mj-cs"/>
+              </a:rPr>
+              <a:t>Customer Registration</a:t>
+            </a:r>
+            <a:endParaRPr lang="en-US" sz="5400" kern="1200" dirty="0">
+              <a:solidFill>
+                <a:srgbClr val="FFFFFF"/>
+              </a:solidFill>
+              <a:latin typeface="+mj-lt"/>
+              <a:ea typeface="+mj-ea"/>
+              <a:cs typeface="+mj-cs"/>
+            </a:endParaRPr>
           </a:p>
         </p:txBody>
       </p:sp>
     </p:spTree>
     <p:extLst>
       <p:ext uri="{BB962C8B-B14F-4D97-AF65-F5344CB8AC3E}">
-        <p14:creationId xmlns:p14="http://schemas.microsoft.com/office/powerpoint/2010/main" val="1423275958"/>
+        <p14:creationId xmlns:p14="http://schemas.microsoft.com/office/powerpoint/2010/main" val="4067222761"/>
       </p:ext>
     </p:extLst>
   </p:cSld>
@@ -10787,7 +11809,7 @@
       </p:grpSpPr>
       <p:sp>
         <p:nvSpPr>
-          <p:cNvPr id="24" name="Rectangle 23">
+          <p:cNvPr id="9" name="Rectangle 8">
             <a:extLst>
               <a:ext uri="{FF2B5EF4-FFF2-40B4-BE49-F238E27FC236}">
                 <a16:creationId xmlns:a16="http://schemas.microsoft.com/office/drawing/2014/main" id="{823AC064-BC96-4F32-8AE1-B2FD38754823}"/>
@@ -10814,17 +11836,11 @@
             <a:avLst/>
           </a:prstGeom>
           <a:solidFill>
-            <a:schemeClr val="tx1">
-              <a:lumMod val="75000"/>
-              <a:lumOff val="25000"/>
-            </a:schemeClr>
+            <a:srgbClr val="404040"/>
           </a:solidFill>
           <a:ln w="127000" cap="sq" cmpd="thinThick">
             <a:solidFill>
-              <a:schemeClr val="tx1">
-                <a:lumMod val="75000"/>
-                <a:lumOff val="25000"/>
-              </a:schemeClr>
+              <a:srgbClr val="404040"/>
             </a:solidFill>
           </a:ln>
         </p:spPr>
@@ -10884,7 +11900,7 @@
       </p:sp>
       <p:cxnSp>
         <p:nvCxnSpPr>
-          <p:cNvPr id="26" name="Straight Connector 25">
+          <p:cNvPr id="11" name="Straight Connector 10">
             <a:extLst>
               <a:ext uri="{FF2B5EF4-FFF2-40B4-BE49-F238E27FC236}">
                 <a16:creationId xmlns:a16="http://schemas.microsoft.com/office/drawing/2014/main" id="{7E7C77BC-7138-40B1-A15B-20F57A494629}"/>
@@ -10912,9 +11928,7 @@
           </a:prstGeom>
           <a:ln w="22225">
             <a:solidFill>
-              <a:schemeClr val="bg1">
-                <a:lumMod val="85000"/>
-              </a:schemeClr>
+              <a:srgbClr val="D9D9D9"/>
             </a:solidFill>
           </a:ln>
         </p:spPr>
@@ -10938,7 +11952,7 @@
           <p:cNvPr id="2" name="Title 1">
             <a:extLst>
               <a:ext uri="{FF2B5EF4-FFF2-40B4-BE49-F238E27FC236}">
-                <a16:creationId xmlns:a16="http://schemas.microsoft.com/office/drawing/2014/main" id="{A3D65958-3D33-4705-9C83-6092BEA0285E}"/>
+                <a16:creationId xmlns:a16="http://schemas.microsoft.com/office/drawing/2014/main" id="{7B664F5D-7B5D-486F-AAA6-8DB2EAB6E0B1}"/>
               </a:ext>
             </a:extLst>
           </p:cNvPr>
@@ -10951,8 +11965,8 @@
         </p:nvSpPr>
         <p:spPr>
           <a:xfrm>
-            <a:off x="527538" y="4756638"/>
-            <a:ext cx="11139854" cy="816957"/>
+            <a:off x="498523" y="5299588"/>
+            <a:ext cx="11139854" cy="1042250"/>
           </a:xfrm>
         </p:spPr>
         <p:txBody>
@@ -10963,16 +11977,37 @@
           <a:p>
             <a:pPr algn="ctr"/>
             <a:r>
-              <a:rPr lang="en-US" sz="5400" dirty="0">
+              <a:rPr lang="en-US" sz="6700" kern="1200" dirty="0">
                 <a:solidFill>
-                  <a:schemeClr val="bg1"/>
+                  <a:srgbClr val="FFFFFF"/>
+                </a:solidFill>
+                <a:latin typeface="+mj-lt"/>
+                <a:ea typeface="+mj-ea"/>
+                <a:cs typeface="+mj-cs"/>
+              </a:rPr>
+              <a:t>State Diagram</a:t>
+            </a:r>
+            <a:br>
+              <a:rPr lang="en-US" sz="6700" kern="1200" dirty="0">
+                <a:solidFill>
+                  <a:srgbClr val="FFFFFF"/>
+                </a:solidFill>
+                <a:latin typeface="+mj-lt"/>
+                <a:ea typeface="+mj-ea"/>
+                <a:cs typeface="+mj-cs"/>
+              </a:rPr>
+            </a:br>
+            <a:r>
+              <a:rPr lang="en-US" dirty="0">
+                <a:solidFill>
+                  <a:srgbClr val="FFFFFF"/>
                 </a:solidFill>
               </a:rPr>
-              <a:t>Singleton</a:t>
+              <a:t>Login</a:t>
             </a:r>
             <a:endParaRPr lang="en-US" sz="5400" kern="1200" dirty="0">
               <a:solidFill>
-                <a:schemeClr val="bg1"/>
+                <a:srgbClr val="FFFFFF"/>
               </a:solidFill>
               <a:latin typeface="+mj-lt"/>
               <a:ea typeface="+mj-ea"/>
@@ -10981,66 +12016,12 @@
           </a:p>
         </p:txBody>
       </p:sp>
-      <p:sp>
-        <p:nvSpPr>
-          <p:cNvPr id="4" name="Text Placeholder 3">
-            <a:extLst>
-              <a:ext uri="{FF2B5EF4-FFF2-40B4-BE49-F238E27FC236}">
-                <a16:creationId xmlns:a16="http://schemas.microsoft.com/office/drawing/2014/main" id="{828F79D3-4B1D-4D5F-8AE2-ED75197B915F}"/>
-              </a:ext>
-            </a:extLst>
-          </p:cNvPr>
-          <p:cNvSpPr>
-            <a:spLocks noGrp="1"/>
-          </p:cNvSpPr>
-          <p:nvPr>
-            <p:ph type="body" sz="half" idx="2"/>
-          </p:nvPr>
-        </p:nvSpPr>
-        <p:spPr>
-          <a:xfrm>
-            <a:off x="1410383" y="5815702"/>
-            <a:ext cx="9144000" cy="662100"/>
-          </a:xfrm>
-        </p:spPr>
-        <p:txBody>
-          <a:bodyPr vert="horz" lIns="91440" tIns="45720" rIns="91440" bIns="45720" rtlCol="0">
-            <a:noAutofit/>
-          </a:bodyPr>
-          <a:lstStyle/>
-          <a:p>
-            <a:pPr algn="ctr"/>
-            <a:r>
-              <a:rPr lang="en-US" sz="1900" kern="1200" dirty="0" err="1">
-                <a:solidFill>
-                  <a:srgbClr val="77CBEF"/>
-                </a:solidFill>
-                <a:latin typeface="+mn-lt"/>
-                <a:ea typeface="+mn-ea"/>
-                <a:cs typeface="+mn-cs"/>
-              </a:rPr>
-              <a:t>Orderlist</a:t>
-            </a:r>
-            <a:r>
-              <a:rPr lang="en-US" sz="1900" kern="1200" dirty="0">
-                <a:solidFill>
-                  <a:srgbClr val="77CBEF"/>
-                </a:solidFill>
-                <a:latin typeface="+mn-lt"/>
-                <a:ea typeface="+mn-ea"/>
-                <a:cs typeface="+mn-cs"/>
-              </a:rPr>
-              <a:t> is a singleton of the system. This sole instance is easily accessible by the kitchen staff and delivery drivers</a:t>
-            </a:r>
-          </a:p>
-        </p:txBody>
-      </p:sp>
       <p:pic>
         <p:nvPicPr>
-          <p:cNvPr id="12" name="Content Placeholder 7">
-            <a:extLst>
-              <a:ext uri="{FF2B5EF4-FFF2-40B4-BE49-F238E27FC236}">
-                <a16:creationId xmlns:a16="http://schemas.microsoft.com/office/drawing/2014/main" id="{D1AEAB60-949B-41C3-B508-B405DC4BF089}"/>
+          <p:cNvPr id="7" name="Content Placeholder 3">
+            <a:extLst>
+              <a:ext uri="{FF2B5EF4-FFF2-40B4-BE49-F238E27FC236}">
+                <a16:creationId xmlns:a16="http://schemas.microsoft.com/office/drawing/2014/main" id="{EDAAFFEC-CE36-453F-9DA7-B67F66F21A0F}"/>
               </a:ext>
             </a:extLst>
           </p:cNvPr>
@@ -11059,19 +12040,18 @@
         </p:blipFill>
         <p:spPr>
           <a:xfrm>
-            <a:off x="1709958" y="377351"/>
-            <a:ext cx="9032595" cy="3929177"/>
+            <a:off x="838200" y="1184202"/>
+            <a:ext cx="10515600" cy="2548083"/>
           </a:xfrm>
           <a:prstGeom prst="rect">
             <a:avLst/>
           </a:prstGeom>
-          <a:effectLst/>
         </p:spPr>
       </p:pic>
     </p:spTree>
     <p:extLst>
       <p:ext uri="{BB962C8B-B14F-4D97-AF65-F5344CB8AC3E}">
-        <p14:creationId xmlns:p14="http://schemas.microsoft.com/office/powerpoint/2010/main" val="3917728451"/>
+        <p14:creationId xmlns:p14="http://schemas.microsoft.com/office/powerpoint/2010/main" val="14362834"/>
       </p:ext>
     </p:extLst>
   </p:cSld>
